--- a/documentation/EM_Guide_Fall_2017_Nürnberg.pptx
+++ b/documentation/EM_Guide_Fall_2017_Nürnberg.pptx
@@ -5,10 +5,10 @@
     <p:sldMasterId id="2147483650" r:id="rId1"/>
   </p:sldMasterIdLst>
   <p:notesMasterIdLst>
-    <p:notesMasterId r:id="rId19"/>
+    <p:notesMasterId r:id="rId21"/>
   </p:notesMasterIdLst>
   <p:handoutMasterIdLst>
-    <p:handoutMasterId r:id="rId20"/>
+    <p:handoutMasterId r:id="rId22"/>
   </p:handoutMasterIdLst>
   <p:sldIdLst>
     <p:sldId id="555" r:id="rId2"/>
@@ -18,16 +18,18 @@
     <p:sldId id="586" r:id="rId6"/>
     <p:sldId id="587" r:id="rId7"/>
     <p:sldId id="588" r:id="rId8"/>
-    <p:sldId id="589" r:id="rId9"/>
-    <p:sldId id="590" r:id="rId10"/>
-    <p:sldId id="591" r:id="rId11"/>
-    <p:sldId id="592" r:id="rId12"/>
-    <p:sldId id="593" r:id="rId13"/>
-    <p:sldId id="594" r:id="rId14"/>
-    <p:sldId id="595" r:id="rId15"/>
-    <p:sldId id="597" r:id="rId16"/>
-    <p:sldId id="596" r:id="rId17"/>
-    <p:sldId id="578" r:id="rId18"/>
+    <p:sldId id="598" r:id="rId9"/>
+    <p:sldId id="589" r:id="rId10"/>
+    <p:sldId id="590" r:id="rId11"/>
+    <p:sldId id="591" r:id="rId12"/>
+    <p:sldId id="592" r:id="rId13"/>
+    <p:sldId id="593" r:id="rId14"/>
+    <p:sldId id="594" r:id="rId15"/>
+    <p:sldId id="595" r:id="rId16"/>
+    <p:sldId id="599" r:id="rId17"/>
+    <p:sldId id="597" r:id="rId18"/>
+    <p:sldId id="596" r:id="rId19"/>
+    <p:sldId id="578" r:id="rId20"/>
   </p:sldIdLst>
   <p:sldSz cx="9144000" cy="6858000" type="screen4x3"/>
   <p:notesSz cx="7315200" cy="9601200"/>
@@ -196,7 +198,7 @@
         </p:nvSpPr>
         <p:spPr bwMode="auto">
           <a:xfrm>
-            <a:off x="3" y="1"/>
+            <a:off x="5" y="1"/>
             <a:ext cx="3170443" cy="481854"/>
           </a:xfrm>
           <a:prstGeom prst="rect">
@@ -237,13 +239,13 @@
           </a:extLst>
         </p:spPr>
         <p:txBody>
-          <a:bodyPr vert="horz" wrap="square" lIns="92043" tIns="46020" rIns="92043" bIns="46020" numCol="1" anchor="t" anchorCtr="0" compatLnSpc="1">
+          <a:bodyPr vert="horz" wrap="square" lIns="95384" tIns="47691" rIns="95384" bIns="47691" numCol="1" anchor="t" anchorCtr="0" compatLnSpc="1">
             <a:prstTxWarp prst="textNoShape">
               <a:avLst/>
             </a:prstTxWarp>
           </a:bodyPr>
           <a:lstStyle>
-            <a:lvl1pPr defTabSz="920699">
+            <a:lvl1pPr defTabSz="954120">
               <a:defRPr sz="1300" smtClean="0"/>
             </a:lvl1pPr>
           </a:lstStyle>
@@ -267,7 +269,7 @@
         </p:nvSpPr>
         <p:spPr bwMode="auto">
           <a:xfrm>
-            <a:off x="4144758" y="1"/>
+            <a:off x="4144760" y="1"/>
             <a:ext cx="3170443" cy="481854"/>
           </a:xfrm>
           <a:prstGeom prst="rect">
@@ -308,13 +310,13 @@
           </a:extLst>
         </p:spPr>
         <p:txBody>
-          <a:bodyPr vert="horz" wrap="square" lIns="92043" tIns="46020" rIns="92043" bIns="46020" numCol="1" anchor="t" anchorCtr="0" compatLnSpc="1">
+          <a:bodyPr vert="horz" wrap="square" lIns="95384" tIns="47691" rIns="95384" bIns="47691" numCol="1" anchor="t" anchorCtr="0" compatLnSpc="1">
             <a:prstTxWarp prst="textNoShape">
               <a:avLst/>
             </a:prstTxWarp>
           </a:bodyPr>
           <a:lstStyle>
-            <a:lvl1pPr algn="r" defTabSz="920699">
+            <a:lvl1pPr algn="r" defTabSz="954120">
               <a:defRPr sz="1300" smtClean="0"/>
             </a:lvl1pPr>
           </a:lstStyle>
@@ -338,7 +340,7 @@
         </p:nvSpPr>
         <p:spPr bwMode="auto">
           <a:xfrm>
-            <a:off x="3" y="9119346"/>
+            <a:off x="5" y="9119346"/>
             <a:ext cx="3170443" cy="481854"/>
           </a:xfrm>
           <a:prstGeom prst="rect">
@@ -379,13 +381,13 @@
           </a:extLst>
         </p:spPr>
         <p:txBody>
-          <a:bodyPr vert="horz" wrap="square" lIns="92043" tIns="46020" rIns="92043" bIns="46020" numCol="1" anchor="b" anchorCtr="0" compatLnSpc="1">
+          <a:bodyPr vert="horz" wrap="square" lIns="95384" tIns="47691" rIns="95384" bIns="47691" numCol="1" anchor="b" anchorCtr="0" compatLnSpc="1">
             <a:prstTxWarp prst="textNoShape">
               <a:avLst/>
             </a:prstTxWarp>
           </a:bodyPr>
           <a:lstStyle>
-            <a:lvl1pPr defTabSz="920699">
+            <a:lvl1pPr defTabSz="954120">
               <a:defRPr sz="1300" smtClean="0"/>
             </a:lvl1pPr>
           </a:lstStyle>
@@ -409,7 +411,7 @@
         </p:nvSpPr>
         <p:spPr bwMode="auto">
           <a:xfrm>
-            <a:off x="4144758" y="9119346"/>
+            <a:off x="4144760" y="9119346"/>
             <a:ext cx="3170443" cy="481854"/>
           </a:xfrm>
           <a:prstGeom prst="rect">
@@ -450,13 +452,13 @@
           </a:extLst>
         </p:spPr>
         <p:txBody>
-          <a:bodyPr vert="horz" wrap="square" lIns="92043" tIns="46020" rIns="92043" bIns="46020" numCol="1" anchor="b" anchorCtr="0" compatLnSpc="1">
+          <a:bodyPr vert="horz" wrap="square" lIns="95384" tIns="47691" rIns="95384" bIns="47691" numCol="1" anchor="b" anchorCtr="0" compatLnSpc="1">
             <a:prstTxWarp prst="textNoShape">
               <a:avLst/>
             </a:prstTxWarp>
           </a:bodyPr>
           <a:lstStyle>
-            <a:lvl1pPr algn="r" defTabSz="920699">
+            <a:lvl1pPr algn="r" defTabSz="954120">
               <a:defRPr sz="1300" smtClean="0"/>
             </a:lvl1pPr>
           </a:lstStyle>
@@ -523,7 +525,7 @@
         </p:nvSpPr>
         <p:spPr bwMode="auto">
           <a:xfrm>
-            <a:off x="3" y="1"/>
+            <a:off x="5" y="1"/>
             <a:ext cx="3170443" cy="481854"/>
           </a:xfrm>
           <a:prstGeom prst="rect">
@@ -564,13 +566,13 @@
           </a:extLst>
         </p:spPr>
         <p:txBody>
-          <a:bodyPr vert="horz" wrap="square" lIns="92043" tIns="46020" rIns="92043" bIns="46020" numCol="1" anchor="t" anchorCtr="0" compatLnSpc="1">
+          <a:bodyPr vert="horz" wrap="square" lIns="95384" tIns="47691" rIns="95384" bIns="47691" numCol="1" anchor="t" anchorCtr="0" compatLnSpc="1">
             <a:prstTxWarp prst="textNoShape">
               <a:avLst/>
             </a:prstTxWarp>
           </a:bodyPr>
           <a:lstStyle>
-            <a:lvl1pPr defTabSz="920699">
+            <a:lvl1pPr defTabSz="954120">
               <a:defRPr sz="1300" smtClean="0"/>
             </a:lvl1pPr>
           </a:lstStyle>
@@ -594,7 +596,7 @@
         </p:nvSpPr>
         <p:spPr bwMode="auto">
           <a:xfrm>
-            <a:off x="4144758" y="1"/>
+            <a:off x="4144760" y="1"/>
             <a:ext cx="3170443" cy="481854"/>
           </a:xfrm>
           <a:prstGeom prst="rect">
@@ -635,13 +637,13 @@
           </a:extLst>
         </p:spPr>
         <p:txBody>
-          <a:bodyPr vert="horz" wrap="square" lIns="92043" tIns="46020" rIns="92043" bIns="46020" numCol="1" anchor="t" anchorCtr="0" compatLnSpc="1">
+          <a:bodyPr vert="horz" wrap="square" lIns="95384" tIns="47691" rIns="95384" bIns="47691" numCol="1" anchor="t" anchorCtr="0" compatLnSpc="1">
             <a:prstTxWarp prst="textNoShape">
               <a:avLst/>
             </a:prstTxWarp>
           </a:bodyPr>
           <a:lstStyle>
-            <a:lvl1pPr algn="r" defTabSz="920699">
+            <a:lvl1pPr algn="r" defTabSz="954120">
               <a:defRPr sz="1300" smtClean="0"/>
             </a:lvl1pPr>
           </a:lstStyle>
@@ -665,8 +667,8 @@
         </p:nvSpPr>
         <p:spPr bwMode="auto">
           <a:xfrm>
-            <a:off x="1258888" y="720725"/>
-            <a:ext cx="4797425" cy="3597275"/>
+            <a:off x="1257300" y="719138"/>
+            <a:ext cx="4800600" cy="3600450"/>
           </a:xfrm>
           <a:prstGeom prst="rect">
             <a:avLst/>
@@ -716,7 +718,7 @@
         </p:nvSpPr>
         <p:spPr bwMode="auto">
           <a:xfrm>
-            <a:off x="976058" y="4559673"/>
+            <a:off x="976057" y="4559674"/>
             <a:ext cx="5448490" cy="4322645"/>
           </a:xfrm>
           <a:prstGeom prst="rect">
@@ -757,7 +759,7 @@
           </a:extLst>
         </p:spPr>
         <p:txBody>
-          <a:bodyPr vert="horz" wrap="square" lIns="92043" tIns="46020" rIns="92043" bIns="46020" numCol="1" anchor="t" anchorCtr="0" compatLnSpc="1">
+          <a:bodyPr vert="horz" wrap="square" lIns="95384" tIns="47691" rIns="95384" bIns="47691" numCol="1" anchor="t" anchorCtr="0" compatLnSpc="1">
             <a:prstTxWarp prst="textNoShape">
               <a:avLst/>
             </a:prstTxWarp>
@@ -812,7 +814,7 @@
         </p:nvSpPr>
         <p:spPr bwMode="auto">
           <a:xfrm>
-            <a:off x="3" y="9119346"/>
+            <a:off x="5" y="9119346"/>
             <a:ext cx="3170443" cy="481854"/>
           </a:xfrm>
           <a:prstGeom prst="rect">
@@ -853,13 +855,13 @@
           </a:extLst>
         </p:spPr>
         <p:txBody>
-          <a:bodyPr vert="horz" wrap="square" lIns="92043" tIns="46020" rIns="92043" bIns="46020" numCol="1" anchor="b" anchorCtr="0" compatLnSpc="1">
+          <a:bodyPr vert="horz" wrap="square" lIns="95384" tIns="47691" rIns="95384" bIns="47691" numCol="1" anchor="b" anchorCtr="0" compatLnSpc="1">
             <a:prstTxWarp prst="textNoShape">
               <a:avLst/>
             </a:prstTxWarp>
           </a:bodyPr>
           <a:lstStyle>
-            <a:lvl1pPr defTabSz="920699">
+            <a:lvl1pPr defTabSz="954120">
               <a:defRPr sz="1300" smtClean="0"/>
             </a:lvl1pPr>
           </a:lstStyle>
@@ -883,7 +885,7 @@
         </p:nvSpPr>
         <p:spPr bwMode="auto">
           <a:xfrm>
-            <a:off x="4144758" y="9119346"/>
+            <a:off x="4144760" y="9119346"/>
             <a:ext cx="3170443" cy="481854"/>
           </a:xfrm>
           <a:prstGeom prst="rect">
@@ -924,13 +926,13 @@
           </a:extLst>
         </p:spPr>
         <p:txBody>
-          <a:bodyPr vert="horz" wrap="square" lIns="92043" tIns="46020" rIns="92043" bIns="46020" numCol="1" anchor="b" anchorCtr="0" compatLnSpc="1">
+          <a:bodyPr vert="horz" wrap="square" lIns="95384" tIns="47691" rIns="95384" bIns="47691" numCol="1" anchor="b" anchorCtr="0" compatLnSpc="1">
             <a:prstTxWarp prst="textNoShape">
               <a:avLst/>
             </a:prstTxWarp>
           </a:bodyPr>
           <a:lstStyle>
-            <a:lvl1pPr algn="r" defTabSz="920699">
+            <a:lvl1pPr algn="r" defTabSz="954120">
               <a:defRPr sz="1300" smtClean="0"/>
             </a:lvl1pPr>
           </a:lstStyle>
@@ -2395,7 +2397,7 @@
               <a:pPr>
                 <a:defRPr/>
               </a:pPr>
-              <a:t>16.09.2017</a:t>
+              <a:t>10.10.2017</a:t>
             </a:fld>
             <a:r>
               <a:rPr lang="de-DE" altLang="de-DE">
@@ -2600,7 +2602,7 @@
               <a:pPr>
                 <a:defRPr/>
               </a:pPr>
-              <a:t>16.09.2017</a:t>
+              <a:t>10.10.2017</a:t>
             </a:fld>
             <a:r>
               <a:rPr lang="de-DE" altLang="de-DE">
@@ -3433,7 +3435,7 @@
               <a:pPr>
                 <a:defRPr/>
               </a:pPr>
-              <a:t>16.09.2017</a:t>
+              <a:t>10.10.2017</a:t>
             </a:fld>
             <a:r>
               <a:rPr lang="de-DE" altLang="de-DE">
@@ -3650,7 +3652,7 @@
               <a:pPr>
                 <a:defRPr/>
               </a:pPr>
-              <a:t>16.09.2017</a:t>
+              <a:t>10.10.2017</a:t>
             </a:fld>
             <a:r>
               <a:rPr lang="de-DE" altLang="de-DE">
@@ -3956,7 +3958,7 @@
               <a:pPr>
                 <a:defRPr/>
               </a:pPr>
-              <a:t>16.09.2017</a:t>
+              <a:t>10.10.2017</a:t>
             </a:fld>
             <a:r>
               <a:rPr lang="de-DE" altLang="de-DE">
@@ -4401,7 +4403,7 @@
               <a:pPr>
                 <a:defRPr/>
               </a:pPr>
-              <a:t>16.09.2017</a:t>
+              <a:t>10.10.2017</a:t>
             </a:fld>
             <a:r>
               <a:rPr lang="de-DE" altLang="de-DE">
@@ -4537,7 +4539,7 @@
               <a:pPr>
                 <a:defRPr/>
               </a:pPr>
-              <a:t>16.09.2017</a:t>
+              <a:t>10.10.2017</a:t>
             </a:fld>
             <a:r>
               <a:rPr lang="de-DE" altLang="de-DE">
@@ -4657,7 +4659,7 @@
               <a:pPr>
                 <a:defRPr/>
               </a:pPr>
-              <a:t>16.09.2017</a:t>
+              <a:t>10.10.2017</a:t>
             </a:fld>
             <a:r>
               <a:rPr lang="de-DE" altLang="de-DE">
@@ -4959,7 +4961,7 @@
               <a:pPr>
                 <a:defRPr/>
               </a:pPr>
-              <a:t>16.09.2017</a:t>
+              <a:t>10.10.2017</a:t>
             </a:fld>
             <a:r>
               <a:rPr lang="de-DE" altLang="de-DE">
@@ -5231,7 +5233,7 @@
               <a:pPr>
                 <a:defRPr/>
               </a:pPr>
-              <a:t>16.09.2017</a:t>
+              <a:t>10.10.2017</a:t>
             </a:fld>
             <a:r>
               <a:rPr lang="de-DE" altLang="de-DE">
@@ -5615,7 +5617,7 @@
               <a:pPr>
                 <a:defRPr/>
               </a:pPr>
-              <a:t>16.09.2017</a:t>
+              <a:t>10.10.2017</a:t>
             </a:fld>
             <a:r>
               <a:rPr lang="de-DE" altLang="de-DE"/>
@@ -6646,10 +6648,9 @@
           <a:lstStyle/>
           <a:p>
             <a:r>
-              <a:rPr lang="de-DE" altLang="de-DE" dirty="0" err="1" smtClean="0"/>
-              <a:t>SonarQube</a:t>
-            </a:r>
-            <a:endParaRPr lang="de-DE" altLang="de-DE" dirty="0" smtClean="0"/>
+              <a:rPr lang="de-DE" altLang="de-DE" dirty="0" smtClean="0"/>
+              <a:t>Enterprise PL/I</a:t>
+            </a:r>
           </a:p>
         </p:txBody>
       </p:sp>
@@ -6676,8 +6677,16 @@
           <a:p>
             <a:pPr marL="338137" lvl="1" indent="-342900"/>
             <a:r>
+              <a:rPr lang="de-DE" altLang="de-DE" sz="2400" dirty="0" smtClean="0"/>
+              <a:t>The </a:t>
+            </a:r>
+            <a:r>
+              <a:rPr lang="de-DE" altLang="de-DE" sz="2400" dirty="0"/>
+              <a:t>RULES </a:t>
+            </a:r>
+            <a:r>
               <a:rPr lang="de-DE" altLang="de-DE" sz="2400" dirty="0" err="1"/>
-              <a:t>SonarQube</a:t>
+              <a:t>directive</a:t>
             </a:r>
             <a:r>
               <a:rPr lang="de-DE" altLang="de-DE" sz="2400" dirty="0"/>
@@ -6685,15 +6694,15 @@
             </a:r>
             <a:r>
               <a:rPr lang="de-DE" altLang="de-DE" sz="2400" dirty="0" err="1"/>
-              <a:t>is</a:t>
+              <a:t>supports</a:t>
             </a:r>
             <a:r>
               <a:rPr lang="de-DE" altLang="de-DE" sz="2400" dirty="0"/>
-              <a:t> extensible </a:t>
+              <a:t> ~40 </a:t>
             </a:r>
             <a:r>
               <a:rPr lang="de-DE" altLang="de-DE" sz="2400" dirty="0" err="1"/>
-              <a:t>through</a:t>
+              <a:t>suboptions</a:t>
             </a:r>
             <a:r>
               <a:rPr lang="de-DE" altLang="de-DE" sz="2400" dirty="0"/>
@@ -6701,7 +6710,7 @@
             </a:r>
             <a:r>
               <a:rPr lang="de-DE" altLang="de-DE" sz="2400" dirty="0" err="1"/>
-              <a:t>its</a:t>
+              <a:t>espescially</a:t>
             </a:r>
             <a:r>
               <a:rPr lang="de-DE" altLang="de-DE" sz="2400" dirty="0"/>
@@ -6709,15 +6718,59 @@
             </a:r>
             <a:r>
               <a:rPr lang="de-DE" altLang="de-DE" sz="2400" dirty="0" err="1"/>
-              <a:t>plugin</a:t>
+              <a:t>for</a:t>
             </a:r>
             <a:r>
               <a:rPr lang="de-DE" altLang="de-DE" sz="2400" dirty="0"/>
               <a:t> </a:t>
             </a:r>
             <a:r>
-              <a:rPr lang="de-DE" altLang="de-DE" sz="2400" dirty="0" err="1"/>
-              <a:t>concept</a:t>
+              <a:rPr lang="de-DE" altLang="de-DE" sz="2400" dirty="0" smtClean="0"/>
+              <a:t>QA, e.g. RULES(NOLAXIF) </a:t>
+            </a:r>
+            <a:r>
+              <a:rPr lang="de-DE" altLang="de-DE" sz="2400" dirty="0" err="1" smtClean="0"/>
+              <a:t>flags</a:t>
+            </a:r>
+            <a:r>
+              <a:rPr lang="de-DE" altLang="de-DE" sz="2400" dirty="0" smtClean="0"/>
+              <a:t> IF </a:t>
+            </a:r>
+            <a:r>
+              <a:rPr lang="de-DE" altLang="de-DE" sz="2400" dirty="0" err="1" smtClean="0"/>
+              <a:t>conditions</a:t>
+            </a:r>
+            <a:r>
+              <a:rPr lang="de-DE" altLang="de-DE" sz="2400" dirty="0" smtClean="0"/>
+              <a:t> </a:t>
+            </a:r>
+            <a:r>
+              <a:rPr lang="de-DE" altLang="de-DE" sz="2400" dirty="0" err="1" smtClean="0"/>
+              <a:t>which</a:t>
+            </a:r>
+            <a:r>
+              <a:rPr lang="de-DE" altLang="de-DE" sz="2400" dirty="0" smtClean="0"/>
+              <a:t> do not </a:t>
+            </a:r>
+            <a:r>
+              <a:rPr lang="de-DE" altLang="de-DE" sz="2400" dirty="0" err="1" smtClean="0"/>
+              <a:t>evaluate</a:t>
+            </a:r>
+            <a:r>
+              <a:rPr lang="de-DE" altLang="de-DE" sz="2400" dirty="0" smtClean="0"/>
+              <a:t> </a:t>
+            </a:r>
+            <a:r>
+              <a:rPr lang="de-DE" altLang="de-DE" sz="2400" dirty="0" err="1" smtClean="0"/>
+              <a:t>to</a:t>
+            </a:r>
+            <a:r>
+              <a:rPr lang="de-DE" altLang="de-DE" sz="2400" dirty="0" smtClean="0"/>
+              <a:t> </a:t>
+            </a:r>
+            <a:r>
+              <a:rPr lang="de-DE" altLang="de-DE" sz="2400" dirty="0" err="1" smtClean="0"/>
+              <a:t>boolean</a:t>
             </a:r>
             <a:endParaRPr lang="de-DE" altLang="de-DE" sz="2400" dirty="0"/>
           </a:p>
@@ -6725,11 +6778,11 @@
             <a:pPr marL="338137" lvl="1" indent="-342900"/>
             <a:r>
               <a:rPr lang="de-DE" altLang="de-DE" sz="2400" dirty="0"/>
-              <a:t>Writing </a:t>
+              <a:t>The XINFO(XML) </a:t>
             </a:r>
             <a:r>
               <a:rPr lang="de-DE" altLang="de-DE" sz="2400" dirty="0" err="1"/>
-              <a:t>your</a:t>
+              <a:t>directive</a:t>
             </a:r>
             <a:r>
               <a:rPr lang="de-DE" altLang="de-DE" sz="2400" dirty="0"/>
@@ -6737,7 +6790,7 @@
             </a:r>
             <a:r>
               <a:rPr lang="de-DE" altLang="de-DE" sz="2400" dirty="0" err="1"/>
-              <a:t>own</a:t>
+              <a:t>exports</a:t>
             </a:r>
             <a:r>
               <a:rPr lang="de-DE" altLang="de-DE" sz="2400" dirty="0"/>
@@ -6745,7 +6798,7 @@
             </a:r>
             <a:r>
               <a:rPr lang="de-DE" altLang="de-DE" sz="2400" dirty="0" err="1"/>
-              <a:t>plugin</a:t>
+              <a:t>the</a:t>
             </a:r>
             <a:r>
               <a:rPr lang="de-DE" altLang="de-DE" sz="2400" dirty="0"/>
@@ -6753,84 +6806,100 @@
             </a:r>
             <a:r>
               <a:rPr lang="de-DE" altLang="de-DE" sz="2400" dirty="0" err="1"/>
-              <a:t>is</a:t>
+              <a:t>compiler</a:t>
             </a:r>
             <a:r>
               <a:rPr lang="de-DE" altLang="de-DE" sz="2400" dirty="0"/>
-              <a:t> not trivial but </a:t>
+              <a:t> </a:t>
             </a:r>
             <a:r>
               <a:rPr lang="de-DE" altLang="de-DE" sz="2400" dirty="0" err="1"/>
-              <a:t>there</a:t>
+              <a:t>messages</a:t>
             </a:r>
             <a:r>
               <a:rPr lang="de-DE" altLang="de-DE" sz="2400" dirty="0"/>
-              <a:t> </a:t>
+              <a:t> in XML </a:t>
             </a:r>
             <a:r>
               <a:rPr lang="de-DE" altLang="de-DE" sz="2400" dirty="0" err="1"/>
-              <a:t>are</a:t>
-            </a:r>
-            <a:r>
-              <a:rPr lang="de-DE" altLang="de-DE" sz="2400" dirty="0"/>
-              <a:t> </a:t>
-            </a:r>
-            <a:r>
-              <a:rPr lang="de-DE" altLang="de-DE" sz="2400" dirty="0" err="1"/>
-              <a:t>some</a:t>
-            </a:r>
-            <a:r>
-              <a:rPr lang="de-DE" altLang="de-DE" sz="2400" dirty="0"/>
-              <a:t> </a:t>
-            </a:r>
-            <a:r>
-              <a:rPr lang="de-DE" altLang="de-DE" sz="2400" dirty="0" err="1"/>
-              <a:t>good</a:t>
-            </a:r>
-            <a:r>
-              <a:rPr lang="de-DE" altLang="de-DE" sz="2400" dirty="0"/>
-              <a:t> </a:t>
-            </a:r>
-            <a:r>
-              <a:rPr lang="de-DE" altLang="de-DE" sz="2400" dirty="0" err="1"/>
-              <a:t>examples</a:t>
+              <a:t>format</a:t>
             </a:r>
             <a:endParaRPr lang="de-DE" altLang="de-DE" sz="2400" dirty="0"/>
           </a:p>
           <a:p>
-            <a:pPr marL="338137" lvl="1" indent="-342900"/>
-            <a:r>
-              <a:rPr lang="de-DE" altLang="de-DE" sz="2400" dirty="0" err="1"/>
-              <a:t>Documentation</a:t>
-            </a:r>
-            <a:r>
-              <a:rPr lang="de-DE" altLang="de-DE" sz="2400" dirty="0"/>
-              <a:t> </a:t>
-            </a:r>
-            <a:r>
-              <a:rPr lang="de-DE" altLang="de-DE" sz="2400" dirty="0" err="1"/>
+            <a:pPr marL="1062038" lvl="3" indent="-4763">
+              <a:buNone/>
+            </a:pPr>
+            <a:r>
+              <a:rPr lang="de-DE" sz="1200" dirty="0"/>
+              <a:t>&lt;MESSAGE&gt;</a:t>
+            </a:r>
+          </a:p>
+          <a:p>
+            <a:pPr marL="1062038" lvl="3" indent="-4763">
+              <a:buNone/>
+            </a:pPr>
+            <a:r>
+              <a:rPr lang="de-DE" sz="1200" dirty="0"/>
+              <a:t>   &lt;MSGNUMBER&gt;IBM2418I E&lt;/MSGNUMBER&gt;</a:t>
+            </a:r>
+          </a:p>
+          <a:p>
+            <a:pPr marL="1062038" lvl="3" indent="-4763">
+              <a:buNone/>
+            </a:pPr>
+            <a:r>
+              <a:rPr lang="de-DE" sz="1200" dirty="0"/>
+              <a:t>   &lt;MSGLINE&gt;22&lt;/MSGLINE&gt;</a:t>
+            </a:r>
+          </a:p>
+          <a:p>
+            <a:pPr marL="1062038" lvl="3" indent="-4763">
+              <a:buNone/>
+            </a:pPr>
+            <a:r>
+              <a:rPr lang="de-DE" sz="1200" dirty="0"/>
+              <a:t>   &lt;MSGFILE&gt;21&lt;/MSGFILE&gt;</a:t>
+            </a:r>
+          </a:p>
+          <a:p>
+            <a:pPr marL="1062038" lvl="3" indent="-4763">
+              <a:buNone/>
+            </a:pPr>
+            <a:r>
+              <a:rPr lang="de-DE" sz="1200" dirty="0"/>
+              <a:t>   &lt;MSGTEXT&gt;Variable </a:t>
+            </a:r>
+            <a:r>
+              <a:rPr lang="de-DE" sz="1200" dirty="0" smtClean="0"/>
+              <a:t>FORCE </a:t>
+            </a:r>
+            <a:r>
+              <a:rPr lang="de-DE" sz="1200" dirty="0" err="1"/>
               <a:t>is</a:t>
             </a:r>
             <a:r>
-              <a:rPr lang="de-DE" altLang="de-DE" sz="2400" dirty="0"/>
-              <a:t> </a:t>
-            </a:r>
-            <a:r>
-              <a:rPr lang="de-DE" altLang="de-DE" sz="2400" dirty="0" err="1"/>
-              <a:t>provided</a:t>
-            </a:r>
-            <a:r>
-              <a:rPr lang="de-DE" altLang="de-DE" sz="2400" dirty="0"/>
-              <a:t> </a:t>
-            </a:r>
-            <a:r>
-              <a:rPr lang="de-DE" altLang="de-DE" sz="2400" dirty="0" err="1"/>
-              <a:t>here</a:t>
-            </a:r>
-            <a:r>
-              <a:rPr lang="de-DE" altLang="de-DE" sz="2400" dirty="0"/>
-              <a:t>: https://docs.sonarqube.org/display/DEV/Extension+Guide</a:t>
-            </a:r>
+              <a:rPr lang="de-DE" sz="1200" dirty="0"/>
+              <a:t> </a:t>
+            </a:r>
+            <a:r>
+              <a:rPr lang="de-DE" sz="1200" dirty="0" err="1"/>
+              <a:t>unreferenced</a:t>
+            </a:r>
+            <a:r>
+              <a:rPr lang="de-DE" sz="1200" dirty="0"/>
+              <a:t>.&lt;/MSGTEXT&gt;</a:t>
+            </a:r>
+          </a:p>
+          <a:p>
+            <a:pPr marL="1062038" lvl="3" indent="-4763">
+              <a:buNone/>
+            </a:pPr>
+            <a:r>
+              <a:rPr lang="de-DE" sz="1200" dirty="0"/>
+              <a:t>&lt;/MESSAGE&gt;</a:t>
+            </a:r>
+            <a:endParaRPr lang="de-DE" altLang="de-DE" sz="1200" dirty="0"/>
           </a:p>
         </p:txBody>
       </p:sp>
@@ -7023,89 +7092,64 @@
           <a:p>
             <a:pPr indent="-461963"/>
             <a:r>
+              <a:rPr lang="de-DE" altLang="de-DE" sz="1800" dirty="0"/>
+              <a:t>The Enterprise PL/I Compiler </a:t>
+            </a:r>
+            <a:r>
+              <a:rPr lang="de-DE" altLang="de-DE" sz="1800" dirty="0" err="1"/>
+              <a:t>provides</a:t>
+            </a:r>
+            <a:r>
+              <a:rPr lang="de-DE" altLang="de-DE" sz="1800" dirty="0"/>
+              <a:t> 2 </a:t>
+            </a:r>
+            <a:r>
+              <a:rPr lang="de-DE" altLang="de-DE" sz="1800" dirty="0" err="1"/>
+              <a:t>highly</a:t>
+            </a:r>
+            <a:r>
+              <a:rPr lang="de-DE" altLang="de-DE" sz="1800" dirty="0"/>
+              <a:t> </a:t>
+            </a:r>
+            <a:r>
+              <a:rPr lang="de-DE" altLang="de-DE" sz="1800" dirty="0" err="1"/>
+              <a:t>useful</a:t>
+            </a:r>
+            <a:r>
+              <a:rPr lang="de-DE" altLang="de-DE" sz="1800" dirty="0"/>
+              <a:t> </a:t>
+            </a:r>
+            <a:r>
               <a:rPr lang="de-DE" altLang="de-DE" sz="1800" dirty="0" err="1" smtClean="0"/>
-              <a:t>With</a:t>
+              <a:t>features</a:t>
             </a:r>
             <a:r>
               <a:rPr lang="de-DE" altLang="de-DE" sz="1800" dirty="0" smtClean="0"/>
-              <a:t> </a:t>
+              <a:t>:</a:t>
+            </a:r>
+            <a:r>
+              <a:rPr lang="de-DE" altLang="de-DE" sz="1800" dirty="0"/>
+              <a:t> </a:t>
+            </a:r>
+            <a:r>
+              <a:rPr lang="de-DE" altLang="de-DE" sz="1800" dirty="0" smtClean="0"/>
+              <a:t>RULES </a:t>
             </a:r>
             <a:r>
               <a:rPr lang="de-DE" altLang="de-DE" sz="1800" dirty="0" err="1" smtClean="0"/>
-              <a:t>its</a:t>
+              <a:t>and</a:t>
             </a:r>
             <a:r>
               <a:rPr lang="de-DE" altLang="de-DE" sz="1800" dirty="0" smtClean="0"/>
-              <a:t> </a:t>
-            </a:r>
-            <a:r>
-              <a:rPr lang="de-DE" altLang="de-DE" sz="1800" dirty="0" err="1" smtClean="0"/>
-              <a:t>custom</a:t>
-            </a:r>
-            <a:r>
-              <a:rPr lang="de-DE" altLang="de-DE" sz="1800" dirty="0" smtClean="0"/>
-              <a:t> </a:t>
-            </a:r>
-            <a:r>
-              <a:rPr lang="de-DE" altLang="de-DE" sz="1800" dirty="0" err="1" smtClean="0"/>
-              <a:t>language</a:t>
-            </a:r>
-            <a:r>
-              <a:rPr lang="de-DE" altLang="de-DE" sz="1800" dirty="0" smtClean="0"/>
-              <a:t> </a:t>
-            </a:r>
-            <a:r>
-              <a:rPr lang="de-DE" altLang="de-DE" sz="1800" dirty="0" err="1" smtClean="0"/>
-              <a:t>support</a:t>
-            </a:r>
-            <a:r>
-              <a:rPr lang="de-DE" altLang="de-DE" sz="1800" dirty="0" smtClean="0"/>
-              <a:t> </a:t>
-            </a:r>
-            <a:r>
-              <a:rPr lang="de-DE" altLang="de-DE" sz="1800" dirty="0" err="1" smtClean="0"/>
-              <a:t>you</a:t>
-            </a:r>
-            <a:r>
-              <a:rPr lang="de-DE" altLang="de-DE" sz="1800" dirty="0" smtClean="0"/>
-              <a:t> </a:t>
-            </a:r>
-            <a:r>
-              <a:rPr lang="de-DE" altLang="de-DE" sz="1800" dirty="0" err="1" smtClean="0"/>
-              <a:t>may</a:t>
-            </a:r>
-            <a:r>
-              <a:rPr lang="de-DE" altLang="de-DE" sz="1800" dirty="0" smtClean="0"/>
-              <a:t> „</a:t>
-            </a:r>
-            <a:r>
-              <a:rPr lang="de-DE" altLang="de-DE" sz="1800" dirty="0" err="1" smtClean="0"/>
-              <a:t>teach</a:t>
-            </a:r>
-            <a:r>
-              <a:rPr lang="de-DE" altLang="de-DE" sz="1800" smtClean="0"/>
-              <a:t>“ SonarQube</a:t>
-            </a:r>
-            <a:r>
-              <a:rPr lang="de-DE" altLang="de-DE" sz="1800" dirty="0" smtClean="0"/>
-              <a:t> </a:t>
-            </a:r>
-            <a:r>
-              <a:rPr lang="de-DE" altLang="de-DE" sz="1800" dirty="0" smtClean="0"/>
-              <a:t>additional </a:t>
-            </a:r>
-            <a:r>
-              <a:rPr lang="de-DE" altLang="de-DE" sz="1800" dirty="0" err="1" smtClean="0"/>
-              <a:t>languages</a:t>
-            </a:r>
-            <a:endParaRPr lang="de-DE" altLang="de-DE" sz="1800" dirty="0" smtClean="0"/>
+              <a:t> XINFO</a:t>
+            </a:r>
           </a:p>
         </p:txBody>
       </p:sp>
     </p:spTree>
     <p:extLst>
       <p:ext uri="{BB962C8B-B14F-4D97-AF65-F5344CB8AC3E}">
-        <p14:creationId xmlns:p14="http://schemas.microsoft.com/office/powerpoint/2010/main" val="3727543072"/>
+        <p14:creationId xmlns:p14="http://schemas.microsoft.com/office/powerpoint/2010/main" val="2032387191"/>
       </p:ext>
     </p:extLst>
   </p:cSld>
@@ -7455,20 +7499,8 @@
           <a:lstStyle/>
           <a:p>
             <a:r>
-              <a:rPr lang="de-DE" altLang="de-DE" dirty="0" smtClean="0"/>
-              <a:t>The </a:t>
-            </a:r>
-            <a:r>
               <a:rPr lang="de-DE" altLang="de-DE" dirty="0" err="1" smtClean="0"/>
-              <a:t>Xinfo</a:t>
-            </a:r>
-            <a:r>
-              <a:rPr lang="de-DE" altLang="de-DE" dirty="0" smtClean="0"/>
-              <a:t> </a:t>
-            </a:r>
-            <a:r>
-              <a:rPr lang="de-DE" altLang="de-DE" dirty="0" err="1" smtClean="0"/>
-              <a:t>plugin</a:t>
+              <a:t>SonarQube</a:t>
             </a:r>
             <a:endParaRPr lang="de-DE" altLang="de-DE" dirty="0" smtClean="0"/>
           </a:p>
@@ -7497,112 +7529,60 @@
           <a:p>
             <a:pPr marL="338137" lvl="1" indent="-342900"/>
             <a:r>
+              <a:rPr lang="de-DE" altLang="de-DE" sz="2400" dirty="0" err="1"/>
+              <a:t>SonarQube</a:t>
+            </a:r>
+            <a:r>
               <a:rPr lang="de-DE" altLang="de-DE" sz="2400" dirty="0"/>
-              <a:t>The </a:t>
-            </a:r>
-            <a:r>
-              <a:rPr lang="de-DE" altLang="de-DE" sz="2400" dirty="0" err="1" smtClean="0"/>
+              <a:t> </a:t>
+            </a:r>
+            <a:r>
+              <a:rPr lang="de-DE" altLang="de-DE" sz="2400" dirty="0" err="1"/>
+              <a:t>is</a:t>
+            </a:r>
+            <a:r>
+              <a:rPr lang="de-DE" altLang="de-DE" sz="2400" dirty="0"/>
+              <a:t> extensible </a:t>
+            </a:r>
+            <a:r>
+              <a:rPr lang="de-DE" altLang="de-DE" sz="2400" dirty="0" err="1"/>
+              <a:t>through</a:t>
+            </a:r>
+            <a:r>
+              <a:rPr lang="de-DE" altLang="de-DE" sz="2400" dirty="0"/>
+              <a:t> </a:t>
+            </a:r>
+            <a:r>
+              <a:rPr lang="de-DE" altLang="de-DE" sz="2400" dirty="0" err="1"/>
+              <a:t>its</a:t>
+            </a:r>
+            <a:r>
+              <a:rPr lang="de-DE" altLang="de-DE" sz="2400" dirty="0"/>
+              <a:t> </a:t>
+            </a:r>
+            <a:r>
+              <a:rPr lang="de-DE" altLang="de-DE" sz="2400" dirty="0" err="1"/>
               <a:t>plugin</a:t>
             </a:r>
             <a:r>
-              <a:rPr lang="de-DE" altLang="de-DE" sz="2400" dirty="0" smtClean="0"/>
+              <a:rPr lang="de-DE" altLang="de-DE" sz="2400" dirty="0"/>
               <a:t> </a:t>
             </a:r>
             <a:r>
               <a:rPr lang="de-DE" altLang="de-DE" sz="2400" dirty="0" err="1"/>
-              <a:t>parses</a:t>
-            </a:r>
-            <a:r>
-              <a:rPr lang="de-DE" altLang="de-DE" sz="2400" dirty="0"/>
-              <a:t> </a:t>
-            </a:r>
-            <a:r>
-              <a:rPr lang="de-DE" altLang="de-DE" sz="2400" dirty="0" err="1"/>
-              <a:t>the</a:t>
-            </a:r>
-            <a:r>
-              <a:rPr lang="de-DE" altLang="de-DE" sz="2400" dirty="0"/>
-              <a:t> </a:t>
-            </a:r>
-            <a:r>
-              <a:rPr lang="de-DE" altLang="de-DE" sz="2400" dirty="0" err="1"/>
-              <a:t>compilers</a:t>
-            </a:r>
-            <a:r>
-              <a:rPr lang="de-DE" altLang="de-DE" sz="2400" dirty="0"/>
-              <a:t> XML </a:t>
-            </a:r>
-            <a:r>
-              <a:rPr lang="de-DE" altLang="de-DE" sz="2400" dirty="0" err="1"/>
-              <a:t>output</a:t>
-            </a:r>
-            <a:r>
-              <a:rPr lang="de-DE" altLang="de-DE" sz="2400" dirty="0"/>
-              <a:t> </a:t>
-            </a:r>
-            <a:r>
-              <a:rPr lang="de-DE" altLang="de-DE" sz="2400" dirty="0" err="1"/>
-              <a:t>and</a:t>
-            </a:r>
-            <a:r>
-              <a:rPr lang="de-DE" altLang="de-DE" sz="2400" dirty="0"/>
-              <a:t> </a:t>
-            </a:r>
-            <a:r>
-              <a:rPr lang="de-DE" altLang="de-DE" sz="2400" dirty="0" err="1"/>
-              <a:t>feeds</a:t>
-            </a:r>
-            <a:r>
-              <a:rPr lang="de-DE" altLang="de-DE" sz="2400" dirty="0"/>
-              <a:t> </a:t>
-            </a:r>
-            <a:r>
-              <a:rPr lang="de-DE" altLang="de-DE" sz="2400" dirty="0" err="1"/>
-              <a:t>it</a:t>
-            </a:r>
-            <a:r>
-              <a:rPr lang="de-DE" altLang="de-DE" sz="2400" dirty="0"/>
-              <a:t> </a:t>
-            </a:r>
-            <a:r>
-              <a:rPr lang="de-DE" altLang="de-DE" sz="2400" dirty="0" err="1"/>
-              <a:t>to</a:t>
-            </a:r>
-            <a:r>
-              <a:rPr lang="de-DE" altLang="de-DE" sz="2400" dirty="0"/>
-              <a:t> </a:t>
-            </a:r>
-            <a:r>
-              <a:rPr lang="de-DE" altLang="de-DE" sz="2400" dirty="0" err="1"/>
-              <a:t>SonarQube‘s</a:t>
-            </a:r>
-            <a:r>
-              <a:rPr lang="de-DE" altLang="de-DE" sz="2400" dirty="0"/>
-              <a:t> REST </a:t>
-            </a:r>
-            <a:r>
-              <a:rPr lang="de-DE" altLang="de-DE" sz="2400" dirty="0" err="1"/>
-              <a:t>interface</a:t>
+              <a:t>concept</a:t>
             </a:r>
             <a:endParaRPr lang="de-DE" altLang="de-DE" sz="2400" dirty="0"/>
           </a:p>
           <a:p>
             <a:pPr marL="338137" lvl="1" indent="-342900"/>
             <a:r>
-              <a:rPr lang="de-DE" altLang="de-DE" sz="2400" dirty="0" smtClean="0"/>
-              <a:t>This </a:t>
-            </a:r>
-            <a:r>
-              <a:rPr lang="de-DE" altLang="de-DE" sz="2400" dirty="0" err="1" smtClean="0"/>
-              <a:t>works</a:t>
-            </a:r>
-            <a:r>
-              <a:rPr lang="de-DE" altLang="de-DE" sz="2400" dirty="0" smtClean="0"/>
-              <a:t> </a:t>
+              <a:rPr lang="de-DE" altLang="de-DE" sz="2400" dirty="0"/>
+              <a:t>Writing </a:t>
             </a:r>
             <a:r>
               <a:rPr lang="de-DE" altLang="de-DE" sz="2400" dirty="0" err="1"/>
-              <a:t>for</a:t>
+              <a:t>your</a:t>
             </a:r>
             <a:r>
               <a:rPr lang="de-DE" altLang="de-DE" sz="2400" dirty="0"/>
@@ -7610,7 +7590,7 @@
             </a:r>
             <a:r>
               <a:rPr lang="de-DE" altLang="de-DE" sz="2400" dirty="0" err="1"/>
-              <a:t>every</a:t>
+              <a:t>own</a:t>
             </a:r>
             <a:r>
               <a:rPr lang="de-DE" altLang="de-DE" sz="2400" dirty="0"/>
@@ -7618,7 +7598,7 @@
             </a:r>
             <a:r>
               <a:rPr lang="de-DE" altLang="de-DE" sz="2400" dirty="0" err="1"/>
-              <a:t>language</a:t>
+              <a:t>plugin</a:t>
             </a:r>
             <a:r>
               <a:rPr lang="de-DE" altLang="de-DE" sz="2400" dirty="0"/>
@@ -7626,38 +7606,63 @@
             </a:r>
             <a:r>
               <a:rPr lang="de-DE" altLang="de-DE" sz="2400" dirty="0" err="1"/>
-              <a:t>that</a:t>
+              <a:t>is</a:t>
             </a:r>
             <a:r>
               <a:rPr lang="de-DE" altLang="de-DE" sz="2400" dirty="0"/>
-              <a:t> </a:t>
+              <a:t> not trivial but </a:t>
             </a:r>
             <a:r>
               <a:rPr lang="de-DE" altLang="de-DE" sz="2400" dirty="0" err="1"/>
-              <a:t>supports</a:t>
+              <a:t>there</a:t>
             </a:r>
             <a:r>
               <a:rPr lang="de-DE" altLang="de-DE" sz="2400" dirty="0"/>
-              <a:t> a XINFO-like </a:t>
+              <a:t> </a:t>
             </a:r>
             <a:r>
               <a:rPr lang="de-DE" altLang="de-DE" sz="2400" dirty="0" err="1"/>
-              <a:t>directive</a:t>
+              <a:t>are</a:t>
             </a:r>
             <a:r>
               <a:rPr lang="de-DE" altLang="de-DE" sz="2400" dirty="0"/>
-              <a:t>: PL/I, COBOL, C/C++, Assembler</a:t>
-            </a:r>
+              <a:t> </a:t>
+            </a:r>
+            <a:r>
+              <a:rPr lang="de-DE" altLang="de-DE" sz="2400" dirty="0" err="1"/>
+              <a:t>some</a:t>
+            </a:r>
+            <a:r>
+              <a:rPr lang="de-DE" altLang="de-DE" sz="2400" dirty="0"/>
+              <a:t> </a:t>
+            </a:r>
+            <a:r>
+              <a:rPr lang="de-DE" altLang="de-DE" sz="2400" dirty="0" err="1"/>
+              <a:t>good</a:t>
+            </a:r>
+            <a:r>
+              <a:rPr lang="de-DE" altLang="de-DE" sz="2400" dirty="0"/>
+              <a:t> </a:t>
+            </a:r>
+            <a:r>
+              <a:rPr lang="de-DE" altLang="de-DE" sz="2400" dirty="0" err="1"/>
+              <a:t>examples</a:t>
+            </a:r>
+            <a:endParaRPr lang="de-DE" altLang="de-DE" sz="2400" dirty="0"/>
           </a:p>
           <a:p>
             <a:pPr marL="338137" lvl="1" indent="-342900"/>
             <a:r>
+              <a:rPr lang="de-DE" altLang="de-DE" sz="2400" dirty="0" err="1"/>
+              <a:t>Documentation</a:t>
+            </a:r>
+            <a:r>
               <a:rPr lang="de-DE" altLang="de-DE" sz="2400" dirty="0"/>
-              <a:t>Scans </a:t>
+              <a:t> </a:t>
             </a:r>
             <a:r>
               <a:rPr lang="de-DE" altLang="de-DE" sz="2400" dirty="0" err="1"/>
-              <a:t>may</a:t>
+              <a:t>is</a:t>
             </a:r>
             <a:r>
               <a:rPr lang="de-DE" altLang="de-DE" sz="2400" dirty="0"/>
@@ -7665,106 +7670,19 @@
             </a:r>
             <a:r>
               <a:rPr lang="de-DE" altLang="de-DE" sz="2400" dirty="0" err="1"/>
-              <a:t>run</a:t>
+              <a:t>provided</a:t>
             </a:r>
             <a:r>
               <a:rPr lang="de-DE" altLang="de-DE" sz="2400" dirty="0"/>
-              <a:t> on </a:t>
+              <a:t> </a:t>
             </a:r>
             <a:r>
               <a:rPr lang="de-DE" altLang="de-DE" sz="2400" dirty="0" err="1"/>
-              <a:t>every</a:t>
+              <a:t>here</a:t>
             </a:r>
             <a:r>
               <a:rPr lang="de-DE" altLang="de-DE" sz="2400" dirty="0"/>
-              <a:t> </a:t>
-            </a:r>
-            <a:r>
-              <a:rPr lang="de-DE" altLang="de-DE" sz="2400" dirty="0" err="1"/>
-              <a:t>kind</a:t>
-            </a:r>
-            <a:r>
-              <a:rPr lang="de-DE" altLang="de-DE" sz="2400" dirty="0"/>
-              <a:t> </a:t>
-            </a:r>
-            <a:r>
-              <a:rPr lang="de-DE" altLang="de-DE" sz="2400" dirty="0" err="1"/>
-              <a:t>of</a:t>
-            </a:r>
-            <a:r>
-              <a:rPr lang="de-DE" altLang="de-DE" sz="2400" dirty="0"/>
-              <a:t> </a:t>
-            </a:r>
-            <a:r>
-              <a:rPr lang="de-DE" altLang="de-DE" sz="2400" dirty="0" err="1"/>
-              <a:t>server</a:t>
-            </a:r>
-            <a:r>
-              <a:rPr lang="de-DE" altLang="de-DE" sz="2400" dirty="0"/>
-              <a:t>: Windows, Unix, z/OS.</a:t>
-            </a:r>
-          </a:p>
-          <a:p>
-            <a:pPr marL="338137" lvl="1" indent="-342900"/>
-            <a:r>
-              <a:rPr lang="de-DE" altLang="de-DE" sz="2400" dirty="0" err="1">
-                <a:sym typeface="Wingdings" panose="05000000000000000000" pitchFamily="2" charset="2"/>
-              </a:rPr>
-              <a:t>Restriction</a:t>
-            </a:r>
-            <a:r>
-              <a:rPr lang="de-DE" altLang="de-DE" sz="2400" dirty="0">
-                <a:sym typeface="Wingdings" panose="05000000000000000000" pitchFamily="2" charset="2"/>
-              </a:rPr>
-              <a:t> on z/OS: PL/I </a:t>
-            </a:r>
-            <a:r>
-              <a:rPr lang="de-DE" altLang="de-DE" sz="2400" dirty="0" err="1">
-                <a:sym typeface="Wingdings" panose="05000000000000000000" pitchFamily="2" charset="2"/>
-              </a:rPr>
-              <a:t>source</a:t>
-            </a:r>
-            <a:r>
-              <a:rPr lang="de-DE" altLang="de-DE" sz="2400" dirty="0">
-                <a:sym typeface="Wingdings" panose="05000000000000000000" pitchFamily="2" charset="2"/>
-              </a:rPr>
-              <a:t> </a:t>
-            </a:r>
-            <a:r>
-              <a:rPr lang="de-DE" altLang="de-DE" sz="2400" dirty="0" err="1">
-                <a:sym typeface="Wingdings" panose="05000000000000000000" pitchFamily="2" charset="2"/>
-              </a:rPr>
-              <a:t>and</a:t>
-            </a:r>
-            <a:r>
-              <a:rPr lang="de-DE" altLang="de-DE" sz="2400" dirty="0">
-                <a:sym typeface="Wingdings" panose="05000000000000000000" pitchFamily="2" charset="2"/>
-              </a:rPr>
-              <a:t> XML </a:t>
-            </a:r>
-            <a:r>
-              <a:rPr lang="de-DE" altLang="de-DE" sz="2400" dirty="0" err="1">
-                <a:sym typeface="Wingdings" panose="05000000000000000000" pitchFamily="2" charset="2"/>
-              </a:rPr>
-              <a:t>output</a:t>
-            </a:r>
-            <a:r>
-              <a:rPr lang="de-DE" altLang="de-DE" sz="2400" dirty="0">
-                <a:sym typeface="Wingdings" panose="05000000000000000000" pitchFamily="2" charset="2"/>
-              </a:rPr>
-              <a:t> must </a:t>
-            </a:r>
-            <a:r>
-              <a:rPr lang="de-DE" altLang="de-DE" sz="2400" dirty="0" err="1">
-                <a:sym typeface="Wingdings" panose="05000000000000000000" pitchFamily="2" charset="2"/>
-              </a:rPr>
-              <a:t>reside</a:t>
-            </a:r>
-            <a:r>
-              <a:rPr lang="de-DE" altLang="de-DE" sz="2400" dirty="0">
-                <a:sym typeface="Wingdings" panose="05000000000000000000" pitchFamily="2" charset="2"/>
-              </a:rPr>
-              <a:t> on OMVS</a:t>
+              <a:t>: https://docs.sonarqube.org/display/DEV/Extension+Guide</a:t>
             </a:r>
           </a:p>
         </p:txBody>
@@ -7958,44 +7876,16 @@
           <a:p>
             <a:pPr indent="-461963"/>
             <a:r>
+              <a:rPr lang="de-DE" altLang="de-DE" sz="1800" dirty="0" err="1" smtClean="0"/>
+              <a:t>With</a:t>
+            </a:r>
+            <a:r>
               <a:rPr lang="de-DE" altLang="de-DE" sz="1800" dirty="0" smtClean="0"/>
-              <a:t>The </a:t>
+              <a:t> </a:t>
             </a:r>
             <a:r>
               <a:rPr lang="de-DE" altLang="de-DE" sz="1800" dirty="0" err="1" smtClean="0"/>
-              <a:t>Xinfo</a:t>
-            </a:r>
-            <a:r>
-              <a:rPr lang="de-DE" altLang="de-DE" sz="1800" dirty="0" smtClean="0"/>
-              <a:t> </a:t>
-            </a:r>
-            <a:r>
-              <a:rPr lang="de-DE" altLang="de-DE" sz="1800" dirty="0" err="1" smtClean="0"/>
-              <a:t>plugin</a:t>
-            </a:r>
-            <a:r>
-              <a:rPr lang="de-DE" altLang="de-DE" sz="1800" dirty="0" smtClean="0"/>
-              <a:t> </a:t>
-            </a:r>
-            <a:r>
-              <a:rPr lang="de-DE" altLang="de-DE" sz="1800" dirty="0" err="1" smtClean="0"/>
-              <a:t>combines</a:t>
-            </a:r>
-            <a:r>
-              <a:rPr lang="de-DE" altLang="de-DE" sz="1800" dirty="0" smtClean="0"/>
-              <a:t> Enterprise PL/I </a:t>
-            </a:r>
-            <a:r>
-              <a:rPr lang="de-DE" altLang="de-DE" sz="1800" dirty="0" err="1" smtClean="0"/>
-              <a:t>with</a:t>
-            </a:r>
-            <a:r>
-              <a:rPr lang="de-DE" altLang="de-DE" sz="1800" dirty="0" smtClean="0"/>
-              <a:t> </a:t>
-            </a:r>
-            <a:r>
-              <a:rPr lang="de-DE" altLang="de-DE" sz="1800" dirty="0" err="1" smtClean="0"/>
-              <a:t>SonarQube‘s</a:t>
+              <a:t>its</a:t>
             </a:r>
             <a:r>
               <a:rPr lang="de-DE" altLang="de-DE" sz="1800" dirty="0" smtClean="0"/>
@@ -8020,6 +7910,70 @@
             <a:r>
               <a:rPr lang="de-DE" altLang="de-DE" sz="1800" dirty="0" err="1" smtClean="0"/>
               <a:t>support</a:t>
+            </a:r>
+            <a:r>
+              <a:rPr lang="de-DE" altLang="de-DE" sz="1800" dirty="0" smtClean="0"/>
+              <a:t> </a:t>
+            </a:r>
+            <a:r>
+              <a:rPr lang="de-DE" altLang="de-DE" sz="1800" dirty="0" err="1" smtClean="0"/>
+              <a:t>SonarQube</a:t>
+            </a:r>
+            <a:r>
+              <a:rPr lang="de-DE" altLang="de-DE" sz="1800" dirty="0" smtClean="0"/>
+              <a:t> </a:t>
+            </a:r>
+            <a:r>
+              <a:rPr lang="de-DE" altLang="de-DE" sz="1800" dirty="0" err="1" smtClean="0"/>
+              <a:t>can</a:t>
+            </a:r>
+            <a:r>
+              <a:rPr lang="de-DE" altLang="de-DE" sz="1800" dirty="0" smtClean="0"/>
+              <a:t> </a:t>
+            </a:r>
+            <a:r>
+              <a:rPr lang="de-DE" altLang="de-DE" sz="1800" dirty="0" err="1" smtClean="0"/>
+              <a:t>be</a:t>
+            </a:r>
+            <a:r>
+              <a:rPr lang="de-DE" altLang="de-DE" sz="1800" dirty="0" smtClean="0"/>
+              <a:t> </a:t>
+            </a:r>
+            <a:r>
+              <a:rPr lang="de-DE" altLang="de-DE" sz="1800" dirty="0" err="1" smtClean="0"/>
+              <a:t>extended</a:t>
+            </a:r>
+            <a:r>
+              <a:rPr lang="de-DE" altLang="de-DE" sz="1800" dirty="0" smtClean="0"/>
+              <a:t> </a:t>
+            </a:r>
+            <a:r>
+              <a:rPr lang="de-DE" altLang="de-DE" sz="1800" dirty="0" err="1" smtClean="0"/>
+              <a:t>to</a:t>
+            </a:r>
+            <a:r>
+              <a:rPr lang="de-DE" altLang="de-DE" sz="1800" dirty="0" smtClean="0"/>
+              <a:t> </a:t>
+            </a:r>
+            <a:r>
+              <a:rPr lang="de-DE" altLang="de-DE" sz="1800" dirty="0" err="1" smtClean="0"/>
+              <a:t>analyze</a:t>
+            </a:r>
+            <a:r>
+              <a:rPr lang="de-DE" altLang="de-DE" sz="1800" dirty="0" smtClean="0"/>
+              <a:t> </a:t>
+            </a:r>
+            <a:r>
+              <a:rPr lang="de-DE" altLang="de-DE" sz="1800" dirty="0" err="1" smtClean="0"/>
+              <a:t>new</a:t>
+            </a:r>
+            <a:r>
+              <a:rPr lang="de-DE" altLang="de-DE" sz="1800" dirty="0" smtClean="0"/>
+              <a:t> </a:t>
+            </a:r>
+            <a:r>
+              <a:rPr lang="de-DE" altLang="de-DE" sz="1800" dirty="0" err="1" smtClean="0"/>
+              <a:t>languages</a:t>
             </a:r>
             <a:endParaRPr lang="de-DE" altLang="de-DE" sz="1800" dirty="0" smtClean="0"/>
           </a:p>
@@ -8028,7 +7982,7 @@
     </p:spTree>
     <p:extLst>
       <p:ext uri="{BB962C8B-B14F-4D97-AF65-F5344CB8AC3E}">
-        <p14:creationId xmlns:p14="http://schemas.microsoft.com/office/powerpoint/2010/main" val="644223187"/>
+        <p14:creationId xmlns:p14="http://schemas.microsoft.com/office/powerpoint/2010/main" val="3727543072"/>
       </p:ext>
     </p:extLst>
   </p:cSld>
@@ -8393,22 +8347,6 @@
               <a:rPr lang="de-DE" altLang="de-DE" dirty="0" err="1" smtClean="0"/>
               <a:t>plugin</a:t>
             </a:r>
-            <a:r>
-              <a:rPr lang="de-DE" altLang="de-DE" dirty="0" smtClean="0"/>
-              <a:t>: </a:t>
-            </a:r>
-            <a:r>
-              <a:rPr lang="de-DE" altLang="de-DE" dirty="0" err="1" smtClean="0"/>
-              <a:t>Executing</a:t>
-            </a:r>
-            <a:r>
-              <a:rPr lang="de-DE" altLang="de-DE" dirty="0" smtClean="0"/>
-              <a:t> </a:t>
-            </a:r>
-            <a:r>
-              <a:rPr lang="de-DE" altLang="de-DE" dirty="0" err="1" smtClean="0"/>
-              <a:t>scans</a:t>
-            </a:r>
             <a:endParaRPr lang="de-DE" altLang="de-DE" dirty="0" smtClean="0"/>
           </a:p>
         </p:txBody>
@@ -8437,11 +8375,19 @@
             <a:pPr marL="338137" lvl="1" indent="-342900"/>
             <a:r>
               <a:rPr lang="de-DE" altLang="de-DE" sz="2400" dirty="0"/>
-              <a:t>Scan </a:t>
+              <a:t>The </a:t>
+            </a:r>
+            <a:r>
+              <a:rPr lang="de-DE" altLang="de-DE" sz="2400" dirty="0" err="1" smtClean="0"/>
+              <a:t>plugin</a:t>
+            </a:r>
+            <a:r>
+              <a:rPr lang="de-DE" altLang="de-DE" sz="2400" dirty="0" smtClean="0"/>
+              <a:t> </a:t>
             </a:r>
             <a:r>
               <a:rPr lang="de-DE" altLang="de-DE" sz="2400" dirty="0" err="1"/>
-              <a:t>is</a:t>
+              <a:t>parses</a:t>
             </a:r>
             <a:r>
               <a:rPr lang="de-DE" altLang="de-DE" sz="2400" dirty="0"/>
@@ -8449,23 +8395,23 @@
             </a:r>
             <a:r>
               <a:rPr lang="de-DE" altLang="de-DE" sz="2400" dirty="0" err="1"/>
-              <a:t>invoked</a:t>
+              <a:t>the</a:t>
             </a:r>
             <a:r>
               <a:rPr lang="de-DE" altLang="de-DE" sz="2400" dirty="0"/>
-              <a:t> via </a:t>
+              <a:t> </a:t>
             </a:r>
             <a:r>
               <a:rPr lang="de-DE" altLang="de-DE" sz="2400" dirty="0" err="1"/>
-              <a:t>SonarQube</a:t>
+              <a:t>compilers</a:t>
             </a:r>
             <a:r>
               <a:rPr lang="de-DE" altLang="de-DE" sz="2400" dirty="0"/>
-              <a:t> </a:t>
+              <a:t> XML </a:t>
             </a:r>
             <a:r>
               <a:rPr lang="de-DE" altLang="de-DE" sz="2400" dirty="0" err="1"/>
-              <a:t>commandline</a:t>
+              <a:t>output</a:t>
             </a:r>
             <a:r>
               <a:rPr lang="de-DE" altLang="de-DE" sz="2400" dirty="0"/>
@@ -8473,15 +8419,67 @@
             </a:r>
             <a:r>
               <a:rPr lang="de-DE" altLang="de-DE" sz="2400" dirty="0" err="1"/>
-              <a:t>client</a:t>
+              <a:t>and</a:t>
+            </a:r>
+            <a:r>
+              <a:rPr lang="de-DE" altLang="de-DE" sz="2400" dirty="0"/>
+              <a:t> </a:t>
+            </a:r>
+            <a:r>
+              <a:rPr lang="de-DE" altLang="de-DE" sz="2400" dirty="0" err="1"/>
+              <a:t>feeds</a:t>
+            </a:r>
+            <a:r>
+              <a:rPr lang="de-DE" altLang="de-DE" sz="2400" dirty="0"/>
+              <a:t> </a:t>
+            </a:r>
+            <a:r>
+              <a:rPr lang="de-DE" altLang="de-DE" sz="2400" dirty="0" err="1"/>
+              <a:t>it</a:t>
+            </a:r>
+            <a:r>
+              <a:rPr lang="de-DE" altLang="de-DE" sz="2400" dirty="0"/>
+              <a:t> </a:t>
+            </a:r>
+            <a:r>
+              <a:rPr lang="de-DE" altLang="de-DE" sz="2400" dirty="0" err="1"/>
+              <a:t>to</a:t>
+            </a:r>
+            <a:r>
+              <a:rPr lang="de-DE" altLang="de-DE" sz="2400" dirty="0"/>
+              <a:t> </a:t>
+            </a:r>
+            <a:r>
+              <a:rPr lang="de-DE" altLang="de-DE" sz="2400" dirty="0" err="1"/>
+              <a:t>SonarQube‘s</a:t>
+            </a:r>
+            <a:r>
+              <a:rPr lang="de-DE" altLang="de-DE" sz="2400" dirty="0"/>
+              <a:t> REST </a:t>
+            </a:r>
+            <a:r>
+              <a:rPr lang="de-DE" altLang="de-DE" sz="2400" dirty="0" err="1"/>
+              <a:t>interface</a:t>
             </a:r>
             <a:endParaRPr lang="de-DE" altLang="de-DE" sz="2400" dirty="0"/>
           </a:p>
           <a:p>
             <a:pPr marL="338137" lvl="1" indent="-342900"/>
             <a:r>
+              <a:rPr lang="de-DE" altLang="de-DE" sz="2400" dirty="0" smtClean="0"/>
+              <a:t>This </a:t>
+            </a:r>
+            <a:r>
+              <a:rPr lang="de-DE" altLang="de-DE" sz="2400" dirty="0" err="1" smtClean="0"/>
+              <a:t>works</a:t>
+            </a:r>
+            <a:r>
+              <a:rPr lang="de-DE" altLang="de-DE" sz="2400" dirty="0" smtClean="0"/>
+              <a:t> </a:t>
+            </a:r>
+            <a:r>
               <a:rPr lang="de-DE" altLang="de-DE" sz="2400" dirty="0" err="1"/>
-              <a:t>Successfully</a:t>
+              <a:t>for</a:t>
             </a:r>
             <a:r>
               <a:rPr lang="de-DE" altLang="de-DE" sz="2400" dirty="0"/>
@@ -8489,102 +8487,161 @@
             </a:r>
             <a:r>
               <a:rPr lang="de-DE" altLang="de-DE" sz="2400" dirty="0" err="1"/>
-              <a:t>tested</a:t>
+              <a:t>every</a:t>
             </a:r>
             <a:r>
               <a:rPr lang="de-DE" altLang="de-DE" sz="2400" dirty="0"/>
-              <a:t> on Windows, Unix</a:t>
+              <a:t> </a:t>
+            </a:r>
+            <a:r>
+              <a:rPr lang="de-DE" altLang="de-DE" sz="2400" dirty="0" err="1"/>
+              <a:t>language</a:t>
+            </a:r>
+            <a:r>
+              <a:rPr lang="de-DE" altLang="de-DE" sz="2400" dirty="0"/>
+              <a:t> </a:t>
+            </a:r>
+            <a:r>
+              <a:rPr lang="de-DE" altLang="de-DE" sz="2400" dirty="0" err="1"/>
+              <a:t>that</a:t>
+            </a:r>
+            <a:r>
+              <a:rPr lang="de-DE" altLang="de-DE" sz="2400" dirty="0"/>
+              <a:t> </a:t>
+            </a:r>
+            <a:r>
+              <a:rPr lang="de-DE" altLang="de-DE" sz="2400" dirty="0" err="1"/>
+              <a:t>supports</a:t>
+            </a:r>
+            <a:r>
+              <a:rPr lang="de-DE" altLang="de-DE" sz="2400" dirty="0"/>
+              <a:t> a XINFO-like </a:t>
+            </a:r>
+            <a:r>
+              <a:rPr lang="de-DE" altLang="de-DE" sz="2400" dirty="0" err="1"/>
+              <a:t>directive</a:t>
+            </a:r>
+            <a:r>
+              <a:rPr lang="de-DE" altLang="de-DE" sz="2400" dirty="0"/>
+              <a:t>: PL/I, COBOL, C/C++, Assembler</a:t>
             </a:r>
           </a:p>
           <a:p>
             <a:pPr marL="338137" lvl="1" indent="-342900"/>
             <a:r>
+              <a:rPr lang="de-DE" altLang="de-DE" sz="2400" dirty="0"/>
+              <a:t>Scans </a:t>
+            </a:r>
+            <a:r>
               <a:rPr lang="de-DE" altLang="de-DE" sz="2400" dirty="0" err="1"/>
-              <a:t>Prereq</a:t>
+              <a:t>may</a:t>
             </a:r>
             <a:r>
               <a:rPr lang="de-DE" altLang="de-DE" sz="2400" dirty="0"/>
-              <a:t>: Sonar Server 6.3 </a:t>
+              <a:t> </a:t>
             </a:r>
             <a:r>
               <a:rPr lang="de-DE" altLang="de-DE" sz="2400" dirty="0" err="1"/>
-              <a:t>or</a:t>
+              <a:t>run</a:t>
             </a:r>
             <a:r>
               <a:rPr lang="de-DE" altLang="de-DE" sz="2400" dirty="0"/>
-              <a:t> </a:t>
+              <a:t> on </a:t>
             </a:r>
             <a:r>
               <a:rPr lang="de-DE" altLang="de-DE" sz="2400" dirty="0" err="1"/>
-              <a:t>higher</a:t>
-            </a:r>
-            <a:endParaRPr lang="de-DE" altLang="de-DE" sz="2400" dirty="0"/>
+              <a:t>every</a:t>
+            </a:r>
+            <a:r>
+              <a:rPr lang="de-DE" altLang="de-DE" sz="2400" dirty="0"/>
+              <a:t> </a:t>
+            </a:r>
+            <a:r>
+              <a:rPr lang="de-DE" altLang="de-DE" sz="2400" dirty="0" err="1"/>
+              <a:t>kind</a:t>
+            </a:r>
+            <a:r>
+              <a:rPr lang="de-DE" altLang="de-DE" sz="2400" dirty="0"/>
+              <a:t> </a:t>
+            </a:r>
+            <a:r>
+              <a:rPr lang="de-DE" altLang="de-DE" sz="2400" dirty="0" err="1"/>
+              <a:t>of</a:t>
+            </a:r>
+            <a:r>
+              <a:rPr lang="de-DE" altLang="de-DE" sz="2400" dirty="0"/>
+              <a:t> </a:t>
+            </a:r>
+            <a:r>
+              <a:rPr lang="de-DE" altLang="de-DE" sz="2400" dirty="0" err="1"/>
+              <a:t>server</a:t>
+            </a:r>
+            <a:r>
+              <a:rPr lang="de-DE" altLang="de-DE" sz="2400" dirty="0"/>
+              <a:t>: Windows, Unix, z/OS.</a:t>
+            </a:r>
           </a:p>
           <a:p>
             <a:pPr marL="338137" lvl="1" indent="-342900"/>
             <a:r>
-              <a:rPr lang="de-DE" altLang="de-DE" sz="2400" dirty="0"/>
-              <a:t>On z/OS </a:t>
-            </a:r>
-            <a:r>
-              <a:rPr lang="de-DE" altLang="de-DE" sz="2400" dirty="0" err="1" smtClean="0"/>
-              <a:t>scans</a:t>
-            </a:r>
-            <a:r>
-              <a:rPr lang="de-DE" altLang="de-DE" sz="2400" dirty="0" smtClean="0"/>
-              <a:t> </a:t>
-            </a:r>
-            <a:r>
-              <a:rPr lang="de-DE" altLang="de-DE" sz="2400" dirty="0" err="1"/>
-              <a:t>can</a:t>
-            </a:r>
-            <a:r>
-              <a:rPr lang="de-DE" altLang="de-DE" sz="2400" dirty="0"/>
-              <a:t> </a:t>
-            </a:r>
-            <a:r>
-              <a:rPr lang="de-DE" altLang="de-DE" sz="2400" dirty="0" err="1"/>
-              <a:t>be</a:t>
-            </a:r>
-            <a:r>
-              <a:rPr lang="de-DE" altLang="de-DE" sz="2400" dirty="0"/>
-              <a:t> </a:t>
-            </a:r>
-            <a:r>
-              <a:rPr lang="de-DE" altLang="de-DE" sz="2400" dirty="0" err="1"/>
-              <a:t>invoked</a:t>
-            </a:r>
-            <a:r>
-              <a:rPr lang="de-DE" altLang="de-DE" sz="2400" dirty="0"/>
-              <a:t> </a:t>
-            </a:r>
-            <a:r>
-              <a:rPr lang="de-DE" altLang="de-DE" sz="2400" dirty="0" err="1" smtClean="0"/>
-              <a:t>using</a:t>
-            </a:r>
-            <a:r>
-              <a:rPr lang="de-DE" altLang="de-DE" sz="2400" dirty="0" smtClean="0"/>
-              <a:t> </a:t>
-            </a:r>
-            <a:r>
-              <a:rPr lang="de-DE" altLang="de-DE" sz="2400" dirty="0" err="1" smtClean="0"/>
-              <a:t>the</a:t>
-            </a:r>
-            <a:r>
-              <a:rPr lang="de-DE" altLang="de-DE" sz="2400" smtClean="0"/>
-              <a:t> IBM </a:t>
-            </a:r>
-            <a:r>
-              <a:rPr lang="de-DE" altLang="de-DE" sz="2400" dirty="0" err="1" smtClean="0"/>
-              <a:t>utility</a:t>
-            </a:r>
-            <a:r>
-              <a:rPr lang="de-DE" altLang="de-DE" sz="2400" dirty="0" smtClean="0"/>
-              <a:t> </a:t>
-            </a:r>
-            <a:r>
-              <a:rPr lang="de-DE" altLang="de-DE" sz="2400" dirty="0"/>
-              <a:t>BPXBATCH:</a:t>
+              <a:rPr lang="de-DE" altLang="de-DE" sz="2400" dirty="0" err="1">
+                <a:sym typeface="Wingdings" panose="05000000000000000000" pitchFamily="2" charset="2"/>
+              </a:rPr>
+              <a:t>Restriction</a:t>
+            </a:r>
+            <a:r>
+              <a:rPr lang="de-DE" altLang="de-DE" sz="2400" dirty="0">
+                <a:sym typeface="Wingdings" panose="05000000000000000000" pitchFamily="2" charset="2"/>
+              </a:rPr>
+              <a:t> on z/OS: PL/I </a:t>
+            </a:r>
+            <a:r>
+              <a:rPr lang="de-DE" altLang="de-DE" sz="2400" dirty="0" err="1">
+                <a:sym typeface="Wingdings" panose="05000000000000000000" pitchFamily="2" charset="2"/>
+              </a:rPr>
+              <a:t>source</a:t>
+            </a:r>
+            <a:r>
+              <a:rPr lang="de-DE" altLang="de-DE" sz="2400" dirty="0">
+                <a:sym typeface="Wingdings" panose="05000000000000000000" pitchFamily="2" charset="2"/>
+              </a:rPr>
+              <a:t> </a:t>
+            </a:r>
+            <a:r>
+              <a:rPr lang="de-DE" altLang="de-DE" sz="2400" dirty="0" err="1">
+                <a:sym typeface="Wingdings" panose="05000000000000000000" pitchFamily="2" charset="2"/>
+              </a:rPr>
+              <a:t>and</a:t>
+            </a:r>
+            <a:r>
+              <a:rPr lang="de-DE" altLang="de-DE" sz="2400" dirty="0">
+                <a:sym typeface="Wingdings" panose="05000000000000000000" pitchFamily="2" charset="2"/>
+              </a:rPr>
+              <a:t> XML </a:t>
+            </a:r>
+            <a:r>
+              <a:rPr lang="de-DE" altLang="de-DE" sz="2400" dirty="0" err="1">
+                <a:sym typeface="Wingdings" panose="05000000000000000000" pitchFamily="2" charset="2"/>
+              </a:rPr>
+              <a:t>output</a:t>
+            </a:r>
+            <a:r>
+              <a:rPr lang="de-DE" altLang="de-DE" sz="2400" dirty="0">
+                <a:sym typeface="Wingdings" panose="05000000000000000000" pitchFamily="2" charset="2"/>
+              </a:rPr>
+              <a:t> must </a:t>
+            </a:r>
+            <a:r>
+              <a:rPr lang="de-DE" altLang="de-DE" sz="2400" dirty="0" err="1">
+                <a:sym typeface="Wingdings" panose="05000000000000000000" pitchFamily="2" charset="2"/>
+              </a:rPr>
+              <a:t>reside</a:t>
+            </a:r>
+            <a:r>
+              <a:rPr lang="de-DE" altLang="de-DE" sz="2400" dirty="0">
+                <a:sym typeface="Wingdings" panose="05000000000000000000" pitchFamily="2" charset="2"/>
+              </a:rPr>
+              <a:t> on OMVS</a:t>
             </a:r>
           </a:p>
         </p:txBody>
@@ -8779,11 +8836,11 @@
             <a:pPr indent="-461963"/>
             <a:r>
               <a:rPr lang="de-DE" altLang="de-DE" sz="1800" dirty="0" smtClean="0"/>
-              <a:t>A simple </a:t>
+              <a:t>The </a:t>
             </a:r>
             <a:r>
               <a:rPr lang="de-DE" altLang="de-DE" sz="1800" dirty="0" err="1" smtClean="0"/>
-              <a:t>shell</a:t>
+              <a:t>Xinfo</a:t>
             </a:r>
             <a:r>
               <a:rPr lang="de-DE" altLang="de-DE" sz="1800" dirty="0" smtClean="0"/>
@@ -8791,7 +8848,7 @@
             </a:r>
             <a:r>
               <a:rPr lang="de-DE" altLang="de-DE" sz="1800" dirty="0" err="1" smtClean="0"/>
-              <a:t>or</a:t>
+              <a:t>plugin</a:t>
             </a:r>
             <a:r>
               <a:rPr lang="de-DE" altLang="de-DE" sz="1800" dirty="0" smtClean="0"/>
@@ -8799,23 +8856,15 @@
             </a:r>
             <a:r>
               <a:rPr lang="de-DE" altLang="de-DE" sz="1800" dirty="0" err="1" smtClean="0"/>
-              <a:t>batch</a:t>
+              <a:t>combines</a:t>
             </a:r>
             <a:r>
               <a:rPr lang="de-DE" altLang="de-DE" sz="1800" dirty="0" smtClean="0"/>
-              <a:t> </a:t>
-            </a:r>
-            <a:r>
-              <a:rPr lang="de-DE" altLang="de-DE" sz="1800" dirty="0" err="1"/>
-              <a:t>script</a:t>
-            </a:r>
-            <a:r>
-              <a:rPr lang="de-DE" altLang="de-DE" sz="1800" dirty="0"/>
-              <a:t> </a:t>
+              <a:t> Enterprise PL/I </a:t>
             </a:r>
             <a:r>
               <a:rPr lang="de-DE" altLang="de-DE" sz="1800" dirty="0" err="1" smtClean="0"/>
-              <a:t>executes</a:t>
+              <a:t>with</a:t>
             </a:r>
             <a:r>
               <a:rPr lang="de-DE" altLang="de-DE" sz="1800" dirty="0" smtClean="0"/>
@@ -8823,7 +8872,7 @@
             </a:r>
             <a:r>
               <a:rPr lang="de-DE" altLang="de-DE" sz="1800" dirty="0" err="1" smtClean="0"/>
-              <a:t>the</a:t>
+              <a:t>SonarQube‘s</a:t>
             </a:r>
             <a:r>
               <a:rPr lang="de-DE" altLang="de-DE" sz="1800" dirty="0" smtClean="0"/>
@@ -8831,15 +8880,15 @@
             </a:r>
             <a:r>
               <a:rPr lang="de-DE" altLang="de-DE" sz="1800" dirty="0" err="1" smtClean="0"/>
-              <a:t>scan</a:t>
+              <a:t>custom</a:t>
             </a:r>
             <a:r>
               <a:rPr lang="de-DE" altLang="de-DE" sz="1800" dirty="0" smtClean="0"/>
-              <a:t>. </a:t>
+              <a:t> </a:t>
             </a:r>
             <a:r>
               <a:rPr lang="de-DE" altLang="de-DE" sz="1800" dirty="0" err="1" smtClean="0"/>
-              <a:t>You</a:t>
+              <a:t>language</a:t>
             </a:r>
             <a:r>
               <a:rPr lang="de-DE" altLang="de-DE" sz="1800" dirty="0" smtClean="0"/>
@@ -8847,105 +8896,16 @@
             </a:r>
             <a:r>
               <a:rPr lang="de-DE" altLang="de-DE" sz="1800" dirty="0" err="1" smtClean="0"/>
-              <a:t>may</a:t>
-            </a:r>
-            <a:r>
-              <a:rPr lang="de-DE" altLang="de-DE" sz="1800" dirty="0" smtClean="0"/>
-              <a:t> </a:t>
-            </a:r>
-            <a:r>
-              <a:rPr lang="de-DE" altLang="de-DE" sz="1800" dirty="0" err="1" smtClean="0"/>
-              <a:t>even</a:t>
-            </a:r>
-            <a:r>
-              <a:rPr lang="de-DE" altLang="de-DE" sz="1800" dirty="0" smtClean="0"/>
-              <a:t> </a:t>
-            </a:r>
-            <a:r>
-              <a:rPr lang="de-DE" altLang="de-DE" sz="1800" dirty="0" err="1" smtClean="0"/>
-              <a:t>invoke</a:t>
-            </a:r>
-            <a:r>
-              <a:rPr lang="de-DE" altLang="de-DE" sz="1800" dirty="0" smtClean="0"/>
-              <a:t> </a:t>
-            </a:r>
-            <a:r>
-              <a:rPr lang="de-DE" altLang="de-DE" sz="1800" dirty="0" err="1" smtClean="0"/>
-              <a:t>it</a:t>
-            </a:r>
-            <a:r>
-              <a:rPr lang="de-DE" altLang="de-DE" sz="1800" dirty="0" smtClean="0"/>
-              <a:t> </a:t>
-            </a:r>
-            <a:r>
-              <a:rPr lang="de-DE" altLang="de-DE" sz="1800" dirty="0" err="1" smtClean="0"/>
-              <a:t>by</a:t>
-            </a:r>
-            <a:r>
-              <a:rPr lang="de-DE" altLang="de-DE" sz="1800" dirty="0" smtClean="0"/>
-              <a:t> JCL.</a:t>
-            </a:r>
+              <a:t>support</a:t>
+            </a:r>
+            <a:endParaRPr lang="de-DE" altLang="de-DE" sz="1800" dirty="0" smtClean="0"/>
           </a:p>
         </p:txBody>
       </p:sp>
-      <p:pic>
-        <p:nvPicPr>
-          <p:cNvPr id="9" name="Picture 2"/>
-          <p:cNvPicPr>
-            <a:picLocks noChangeAspect="1" noChangeArrowheads="1"/>
-          </p:cNvPicPr>
-          <p:nvPr/>
-        </p:nvPicPr>
-        <p:blipFill>
-          <a:blip r:embed="rId2">
-            <a:extLst>
-              <a:ext uri="{28A0092B-C50C-407E-A947-70E740481C1C}">
-                <a14:useLocalDpi xmlns:a14="http://schemas.microsoft.com/office/drawing/2010/main" val="0"/>
-              </a:ext>
-            </a:extLst>
-          </a:blip>
-          <a:srcRect/>
-          <a:stretch>
-            <a:fillRect/>
-          </a:stretch>
-        </p:blipFill>
-        <p:spPr bwMode="auto">
-          <a:xfrm>
-            <a:off x="1187127" y="4426813"/>
-            <a:ext cx="7057281" cy="1090419"/>
-          </a:xfrm>
-          <a:prstGeom prst="rect">
-            <a:avLst/>
-          </a:prstGeom>
-          <a:noFill/>
-          <a:ln>
-            <a:noFill/>
-          </a:ln>
-          <a:extLst>
-            <a:ext uri="{909E8E84-426E-40DD-AFC4-6F175D3DCCD1}">
-              <a14:hiddenFill xmlns:a14="http://schemas.microsoft.com/office/drawing/2010/main">
-                <a:solidFill>
-                  <a:schemeClr val="accent1"/>
-                </a:solidFill>
-              </a14:hiddenFill>
-            </a:ext>
-            <a:ext uri="{91240B29-F687-4F45-9708-019B960494DF}">
-              <a14:hiddenLine xmlns:a14="http://schemas.microsoft.com/office/drawing/2010/main" w="9525">
-                <a:solidFill>
-                  <a:schemeClr val="tx1"/>
-                </a:solidFill>
-                <a:miter lim="800000"/>
-                <a:headEnd/>
-                <a:tailEnd/>
-              </a14:hiddenLine>
-            </a:ext>
-          </a:extLst>
-        </p:spPr>
-      </p:pic>
     </p:spTree>
     <p:extLst>
       <p:ext uri="{BB962C8B-B14F-4D97-AF65-F5344CB8AC3E}">
-        <p14:creationId xmlns:p14="http://schemas.microsoft.com/office/powerpoint/2010/main" val="639395188"/>
+        <p14:creationId xmlns:p14="http://schemas.microsoft.com/office/powerpoint/2010/main" val="644223187"/>
       </p:ext>
     </p:extLst>
   </p:cSld>
@@ -9286,7 +9246,7 @@
         <p:spPr>
           <a:xfrm>
             <a:off x="755576" y="548680"/>
-            <a:ext cx="7561337" cy="503833"/>
+            <a:ext cx="7632848" cy="503833"/>
           </a:xfrm>
           <a:noFill/>
         </p:spPr>
@@ -9295,16 +9255,36 @@
           <a:lstStyle/>
           <a:p>
             <a:r>
-              <a:rPr lang="en-US" altLang="de-DE" dirty="0" smtClean="0"/>
+              <a:rPr lang="de-DE" altLang="de-DE" dirty="0" smtClean="0"/>
               <a:t>The </a:t>
             </a:r>
             <a:r>
-              <a:rPr lang="en-US" altLang="de-DE" dirty="0" err="1" smtClean="0"/>
+              <a:rPr lang="de-DE" altLang="de-DE" dirty="0" err="1" smtClean="0"/>
               <a:t>Xinfo</a:t>
             </a:r>
             <a:r>
-              <a:rPr lang="en-US" altLang="de-DE" dirty="0" smtClean="0"/>
-              <a:t> plugin</a:t>
+              <a:rPr lang="de-DE" altLang="de-DE" dirty="0" smtClean="0"/>
+              <a:t> </a:t>
+            </a:r>
+            <a:r>
+              <a:rPr lang="de-DE" altLang="de-DE" dirty="0" err="1" smtClean="0"/>
+              <a:t>plugin</a:t>
+            </a:r>
+            <a:r>
+              <a:rPr lang="de-DE" altLang="de-DE" dirty="0" smtClean="0"/>
+              <a:t>: </a:t>
+            </a:r>
+            <a:r>
+              <a:rPr lang="de-DE" altLang="de-DE" dirty="0" err="1" smtClean="0"/>
+              <a:t>Executing</a:t>
+            </a:r>
+            <a:r>
+              <a:rPr lang="de-DE" altLang="de-DE" dirty="0" smtClean="0"/>
+              <a:t> </a:t>
+            </a:r>
+            <a:r>
+              <a:rPr lang="de-DE" altLang="de-DE" dirty="0" err="1" smtClean="0"/>
+              <a:t>scans</a:t>
             </a:r>
             <a:endParaRPr lang="de-DE" altLang="de-DE" dirty="0" smtClean="0"/>
           </a:p>
@@ -9312,37 +9292,566 @@
       </p:sp>
       <p:sp>
         <p:nvSpPr>
-          <p:cNvPr id="2" name="Rechteck 1"/>
-          <p:cNvSpPr/>
-          <p:nvPr/>
+          <p:cNvPr id="8196" name="Rectangle 3"/>
+          <p:cNvSpPr>
+            <a:spLocks noGrp="1" noChangeArrowheads="1"/>
+          </p:cNvSpPr>
+          <p:nvPr>
+            <p:ph type="body" idx="1"/>
+          </p:nvPr>
         </p:nvSpPr>
         <p:spPr>
           <a:xfrm>
-            <a:off x="2769263" y="3228945"/>
-            <a:ext cx="3605474" cy="1569660"/>
+            <a:off x="837133" y="2060849"/>
+            <a:ext cx="7407275" cy="3888431"/>
+          </a:xfrm>
+          <a:noFill/>
+        </p:spPr>
+        <p:txBody>
+          <a:bodyPr/>
+          <a:lstStyle/>
+          <a:p>
+            <a:pPr marL="338137" lvl="1" indent="-342900"/>
+            <a:r>
+              <a:rPr lang="de-DE" altLang="de-DE" sz="2400" dirty="0"/>
+              <a:t>Scan </a:t>
+            </a:r>
+            <a:r>
+              <a:rPr lang="de-DE" altLang="de-DE" sz="2400" dirty="0" err="1"/>
+              <a:t>is</a:t>
+            </a:r>
+            <a:r>
+              <a:rPr lang="de-DE" altLang="de-DE" sz="2400" dirty="0"/>
+              <a:t> </a:t>
+            </a:r>
+            <a:r>
+              <a:rPr lang="de-DE" altLang="de-DE" sz="2400" dirty="0" err="1"/>
+              <a:t>invoked</a:t>
+            </a:r>
+            <a:r>
+              <a:rPr lang="de-DE" altLang="de-DE" sz="2400" dirty="0"/>
+              <a:t> via </a:t>
+            </a:r>
+            <a:r>
+              <a:rPr lang="de-DE" altLang="de-DE" sz="2400" dirty="0" err="1"/>
+              <a:t>SonarQube</a:t>
+            </a:r>
+            <a:r>
+              <a:rPr lang="de-DE" altLang="de-DE" sz="2400" dirty="0"/>
+              <a:t> </a:t>
+            </a:r>
+            <a:r>
+              <a:rPr lang="de-DE" altLang="de-DE" sz="2400" dirty="0" err="1"/>
+              <a:t>commandline</a:t>
+            </a:r>
+            <a:r>
+              <a:rPr lang="de-DE" altLang="de-DE" sz="2400" dirty="0"/>
+              <a:t> </a:t>
+            </a:r>
+            <a:r>
+              <a:rPr lang="de-DE" altLang="de-DE" sz="2400" dirty="0" err="1"/>
+              <a:t>client</a:t>
+            </a:r>
+            <a:endParaRPr lang="de-DE" altLang="de-DE" sz="2400" dirty="0"/>
+          </a:p>
+          <a:p>
+            <a:pPr marL="338137" lvl="1" indent="-342900"/>
+            <a:r>
+              <a:rPr lang="de-DE" altLang="de-DE" sz="2400" dirty="0" err="1"/>
+              <a:t>Successfully</a:t>
+            </a:r>
+            <a:r>
+              <a:rPr lang="de-DE" altLang="de-DE" sz="2400" dirty="0"/>
+              <a:t> </a:t>
+            </a:r>
+            <a:r>
+              <a:rPr lang="de-DE" altLang="de-DE" sz="2400" dirty="0" err="1"/>
+              <a:t>tested</a:t>
+            </a:r>
+            <a:r>
+              <a:rPr lang="de-DE" altLang="de-DE" sz="2400" dirty="0"/>
+              <a:t> on Windows, Unix</a:t>
+            </a:r>
+          </a:p>
+          <a:p>
+            <a:pPr marL="338137" lvl="1" indent="-342900"/>
+            <a:r>
+              <a:rPr lang="de-DE" altLang="de-DE" sz="2400" dirty="0" err="1"/>
+              <a:t>Prereq</a:t>
+            </a:r>
+            <a:r>
+              <a:rPr lang="de-DE" altLang="de-DE" sz="2400" dirty="0"/>
+              <a:t>: Sonar Server 6.3 </a:t>
+            </a:r>
+            <a:r>
+              <a:rPr lang="de-DE" altLang="de-DE" sz="2400" dirty="0" err="1"/>
+              <a:t>or</a:t>
+            </a:r>
+            <a:r>
+              <a:rPr lang="de-DE" altLang="de-DE" sz="2400" dirty="0"/>
+              <a:t> </a:t>
+            </a:r>
+            <a:r>
+              <a:rPr lang="de-DE" altLang="de-DE" sz="2400" dirty="0" err="1"/>
+              <a:t>higher</a:t>
+            </a:r>
+            <a:endParaRPr lang="de-DE" altLang="de-DE" sz="2400" dirty="0"/>
+          </a:p>
+          <a:p>
+            <a:pPr marL="338137" lvl="1" indent="-342900"/>
+            <a:r>
+              <a:rPr lang="de-DE" altLang="de-DE" sz="2400" dirty="0"/>
+              <a:t>On z/OS </a:t>
+            </a:r>
+            <a:r>
+              <a:rPr lang="de-DE" altLang="de-DE" sz="2400" dirty="0" err="1" smtClean="0"/>
+              <a:t>the</a:t>
+            </a:r>
+            <a:r>
+              <a:rPr lang="de-DE" altLang="de-DE" sz="2400" dirty="0" smtClean="0"/>
+              <a:t> </a:t>
+            </a:r>
+            <a:r>
+              <a:rPr lang="de-DE" altLang="de-DE" sz="2400" dirty="0" err="1" smtClean="0"/>
+              <a:t>scan</a:t>
+            </a:r>
+            <a:r>
+              <a:rPr lang="de-DE" altLang="de-DE" sz="2400" dirty="0" smtClean="0"/>
+              <a:t> </a:t>
+            </a:r>
+            <a:r>
+              <a:rPr lang="de-DE" altLang="de-DE" sz="2400" dirty="0" err="1" smtClean="0"/>
+              <a:t>is</a:t>
+            </a:r>
+            <a:r>
+              <a:rPr lang="de-DE" altLang="de-DE" sz="2400" dirty="0" smtClean="0"/>
+              <a:t> </a:t>
+            </a:r>
+            <a:r>
+              <a:rPr lang="de-DE" altLang="de-DE" sz="2400" dirty="0" err="1"/>
+              <a:t>invoked</a:t>
+            </a:r>
+            <a:r>
+              <a:rPr lang="de-DE" altLang="de-DE" sz="2400" dirty="0"/>
+              <a:t> </a:t>
+            </a:r>
+            <a:r>
+              <a:rPr lang="de-DE" altLang="de-DE" sz="2400" dirty="0" err="1" smtClean="0"/>
+              <a:t>using</a:t>
+            </a:r>
+            <a:r>
+              <a:rPr lang="de-DE" altLang="de-DE" sz="2400" dirty="0" smtClean="0"/>
+              <a:t> </a:t>
+            </a:r>
+            <a:r>
+              <a:rPr lang="de-DE" altLang="de-DE" sz="2400" dirty="0" err="1" smtClean="0"/>
+              <a:t>the</a:t>
+            </a:r>
+            <a:r>
+              <a:rPr lang="de-DE" altLang="de-DE" sz="2400" dirty="0" smtClean="0"/>
+              <a:t> IBM </a:t>
+            </a:r>
+            <a:r>
+              <a:rPr lang="de-DE" altLang="de-DE" sz="2400" dirty="0" err="1" smtClean="0"/>
+              <a:t>utility</a:t>
+            </a:r>
+            <a:r>
+              <a:rPr lang="de-DE" altLang="de-DE" sz="2400" dirty="0" smtClean="0"/>
+              <a:t> </a:t>
+            </a:r>
+            <a:r>
+              <a:rPr lang="de-DE" altLang="de-DE" sz="2400" dirty="0"/>
+              <a:t>BPXBATCH:</a:t>
+            </a:r>
+          </a:p>
+        </p:txBody>
+      </p:sp>
+      <p:sp>
+        <p:nvSpPr>
+          <p:cNvPr id="8" name="Rectangle 2"/>
+          <p:cNvSpPr txBox="1">
+            <a:spLocks noChangeArrowheads="1"/>
+          </p:cNvSpPr>
+          <p:nvPr/>
+        </p:nvSpPr>
+        <p:spPr bwMode="auto">
+          <a:xfrm>
+            <a:off x="755576" y="1196976"/>
+            <a:ext cx="7561337" cy="575840"/>
           </a:xfrm>
           <a:prstGeom prst="rect">
             <a:avLst/>
           </a:prstGeom>
+          <a:noFill/>
+          <a:ln>
+            <a:noFill/>
+          </a:ln>
+          <a:effectLst/>
+          <a:extLst>
+            <a:ext uri="{909E8E84-426E-40DD-AFC4-6F175D3DCCD1}">
+              <a14:hiddenFill xmlns:a14="http://schemas.microsoft.com/office/drawing/2010/main">
+                <a:solidFill>
+                  <a:schemeClr val="bg2"/>
+                </a:solidFill>
+              </a14:hiddenFill>
+            </a:ext>
+            <a:ext uri="{91240B29-F687-4F45-9708-019B960494DF}">
+              <a14:hiddenLine xmlns:a14="http://schemas.microsoft.com/office/drawing/2010/main" w="9525">
+                <a:solidFill>
+                  <a:schemeClr val="tx1"/>
+                </a:solidFill>
+                <a:miter lim="800000"/>
+                <a:headEnd/>
+                <a:tailEnd/>
+              </a14:hiddenLine>
+            </a:ext>
+            <a:ext uri="{AF507438-7753-43E0-B8FC-AC1667EBCBE1}">
+              <a14:hiddenEffects xmlns:a14="http://schemas.microsoft.com/office/drawing/2010/main">
+                <a:effectLst>
+                  <a:outerShdw dist="35921" dir="2700000" algn="ctr" rotWithShape="0">
+                    <a:schemeClr val="bg2"/>
+                  </a:outerShdw>
+                </a:effectLst>
+              </a14:hiddenEffects>
+            </a:ext>
+          </a:extLst>
         </p:spPr>
         <p:txBody>
-          <a:bodyPr wrap="none">
-            <a:spAutoFit/>
+          <a:bodyPr vert="horz" wrap="square" lIns="0" tIns="0" rIns="0" bIns="0" numCol="1" anchor="t" anchorCtr="0" compatLnSpc="1">
+            <a:prstTxWarp prst="textNoShape">
+              <a:avLst/>
+            </a:prstTxWarp>
           </a:bodyPr>
-          <a:lstStyle/>
+          <a:lstStyle>
+            <a:lvl1pPr algn="l" rtl="0" eaLnBrk="0" fontAlgn="base" hangingPunct="0">
+              <a:spcBef>
+                <a:spcPct val="0"/>
+              </a:spcBef>
+              <a:spcAft>
+                <a:spcPct val="0"/>
+              </a:spcAft>
+              <a:defRPr sz="3000" b="1">
+                <a:solidFill>
+                  <a:schemeClr val="accent2"/>
+                </a:solidFill>
+                <a:latin typeface="+mj-lt"/>
+                <a:ea typeface="+mj-ea"/>
+                <a:cs typeface="+mj-cs"/>
+              </a:defRPr>
+            </a:lvl1pPr>
+            <a:lvl2pPr algn="l" rtl="0" eaLnBrk="0" fontAlgn="base" hangingPunct="0">
+              <a:spcBef>
+                <a:spcPct val="0"/>
+              </a:spcBef>
+              <a:spcAft>
+                <a:spcPct val="0"/>
+              </a:spcAft>
+              <a:defRPr sz="3000" b="1">
+                <a:solidFill>
+                  <a:schemeClr val="accent2"/>
+                </a:solidFill>
+                <a:latin typeface="Arial" charset="0"/>
+              </a:defRPr>
+            </a:lvl2pPr>
+            <a:lvl3pPr algn="l" rtl="0" eaLnBrk="0" fontAlgn="base" hangingPunct="0">
+              <a:spcBef>
+                <a:spcPct val="0"/>
+              </a:spcBef>
+              <a:spcAft>
+                <a:spcPct val="0"/>
+              </a:spcAft>
+              <a:defRPr sz="3000" b="1">
+                <a:solidFill>
+                  <a:schemeClr val="accent2"/>
+                </a:solidFill>
+                <a:latin typeface="Arial" charset="0"/>
+              </a:defRPr>
+            </a:lvl3pPr>
+            <a:lvl4pPr algn="l" rtl="0" eaLnBrk="0" fontAlgn="base" hangingPunct="0">
+              <a:spcBef>
+                <a:spcPct val="0"/>
+              </a:spcBef>
+              <a:spcAft>
+                <a:spcPct val="0"/>
+              </a:spcAft>
+              <a:defRPr sz="3000" b="1">
+                <a:solidFill>
+                  <a:schemeClr val="accent2"/>
+                </a:solidFill>
+                <a:latin typeface="Arial" charset="0"/>
+              </a:defRPr>
+            </a:lvl4pPr>
+            <a:lvl5pPr algn="l" rtl="0" eaLnBrk="0" fontAlgn="base" hangingPunct="0">
+              <a:spcBef>
+                <a:spcPct val="0"/>
+              </a:spcBef>
+              <a:spcAft>
+                <a:spcPct val="0"/>
+              </a:spcAft>
+              <a:defRPr sz="3000" b="1">
+                <a:solidFill>
+                  <a:schemeClr val="accent2"/>
+                </a:solidFill>
+                <a:latin typeface="Arial" charset="0"/>
+              </a:defRPr>
+            </a:lvl5pPr>
+            <a:lvl6pPr marL="457200" algn="l" rtl="0" eaLnBrk="0" fontAlgn="base" hangingPunct="0">
+              <a:spcBef>
+                <a:spcPct val="0"/>
+              </a:spcBef>
+              <a:spcAft>
+                <a:spcPct val="0"/>
+              </a:spcAft>
+              <a:defRPr sz="3000" b="1">
+                <a:solidFill>
+                  <a:schemeClr val="accent2"/>
+                </a:solidFill>
+                <a:latin typeface="Arial" charset="0"/>
+              </a:defRPr>
+            </a:lvl6pPr>
+            <a:lvl7pPr marL="914400" algn="l" rtl="0" eaLnBrk="0" fontAlgn="base" hangingPunct="0">
+              <a:spcBef>
+                <a:spcPct val="0"/>
+              </a:spcBef>
+              <a:spcAft>
+                <a:spcPct val="0"/>
+              </a:spcAft>
+              <a:defRPr sz="3000" b="1">
+                <a:solidFill>
+                  <a:schemeClr val="accent2"/>
+                </a:solidFill>
+                <a:latin typeface="Arial" charset="0"/>
+              </a:defRPr>
+            </a:lvl7pPr>
+            <a:lvl8pPr marL="1371600" algn="l" rtl="0" eaLnBrk="0" fontAlgn="base" hangingPunct="0">
+              <a:spcBef>
+                <a:spcPct val="0"/>
+              </a:spcBef>
+              <a:spcAft>
+                <a:spcPct val="0"/>
+              </a:spcAft>
+              <a:defRPr sz="3000" b="1">
+                <a:solidFill>
+                  <a:schemeClr val="accent2"/>
+                </a:solidFill>
+                <a:latin typeface="Arial" charset="0"/>
+              </a:defRPr>
+            </a:lvl8pPr>
+            <a:lvl9pPr marL="1828800" algn="l" rtl="0" eaLnBrk="0" fontAlgn="base" hangingPunct="0">
+              <a:spcBef>
+                <a:spcPct val="0"/>
+              </a:spcBef>
+              <a:spcAft>
+                <a:spcPct val="0"/>
+              </a:spcAft>
+              <a:defRPr sz="3000" b="1">
+                <a:solidFill>
+                  <a:schemeClr val="accent2"/>
+                </a:solidFill>
+                <a:latin typeface="Arial" charset="0"/>
+              </a:defRPr>
+            </a:lvl9pPr>
+          </a:lstStyle>
           <a:p>
-            <a:pPr algn="ctr"/>
-            <a:r>
-              <a:rPr lang="de-DE" altLang="de-DE" sz="9600" b="1" dirty="0"/>
-              <a:t>Demo</a:t>
-            </a:r>
+            <a:pPr indent="-461963"/>
+            <a:r>
+              <a:rPr lang="de-DE" altLang="de-DE" sz="1800" dirty="0" smtClean="0"/>
+              <a:t>A simple </a:t>
+            </a:r>
+            <a:r>
+              <a:rPr lang="de-DE" altLang="de-DE" sz="1800" dirty="0" err="1" smtClean="0"/>
+              <a:t>shell</a:t>
+            </a:r>
+            <a:r>
+              <a:rPr lang="de-DE" altLang="de-DE" sz="1800" dirty="0" smtClean="0"/>
+              <a:t>-, batch- </a:t>
+            </a:r>
+            <a:r>
+              <a:rPr lang="de-DE" altLang="de-DE" sz="1800" dirty="0" err="1" smtClean="0"/>
+              <a:t>or</a:t>
+            </a:r>
+            <a:r>
+              <a:rPr lang="de-DE" altLang="de-DE" sz="1800" dirty="0" smtClean="0"/>
+              <a:t> JCL </a:t>
+            </a:r>
+            <a:r>
+              <a:rPr lang="de-DE" altLang="de-DE" sz="1800" dirty="0" err="1" smtClean="0"/>
+              <a:t>script</a:t>
+            </a:r>
+            <a:r>
+              <a:rPr lang="de-DE" altLang="de-DE" sz="1800" dirty="0" smtClean="0"/>
+              <a:t> </a:t>
+            </a:r>
+            <a:r>
+              <a:rPr lang="de-DE" altLang="de-DE" sz="1800" dirty="0" err="1" smtClean="0"/>
+              <a:t>executes</a:t>
+            </a:r>
+            <a:r>
+              <a:rPr lang="de-DE" altLang="de-DE" sz="1800" dirty="0" smtClean="0"/>
+              <a:t> </a:t>
+            </a:r>
+            <a:r>
+              <a:rPr lang="de-DE" altLang="de-DE" sz="1800" dirty="0" err="1" smtClean="0"/>
+              <a:t>the</a:t>
+            </a:r>
+            <a:r>
+              <a:rPr lang="de-DE" altLang="de-DE" sz="1800" dirty="0" smtClean="0"/>
+              <a:t> </a:t>
+            </a:r>
+            <a:r>
+              <a:rPr lang="de-DE" altLang="de-DE" sz="1800" dirty="0" err="1" smtClean="0"/>
+              <a:t>scan</a:t>
+            </a:r>
+            <a:r>
+              <a:rPr lang="de-DE" altLang="de-DE" sz="1800" dirty="0" smtClean="0"/>
+              <a:t>. </a:t>
+            </a:r>
+            <a:r>
+              <a:rPr lang="de-DE" altLang="de-DE" sz="1800" dirty="0" err="1" smtClean="0"/>
+              <a:t>It</a:t>
+            </a:r>
+            <a:r>
+              <a:rPr lang="de-DE" altLang="de-DE" sz="1800" dirty="0" smtClean="0"/>
+              <a:t> </a:t>
+            </a:r>
+            <a:r>
+              <a:rPr lang="de-DE" altLang="de-DE" sz="1800" dirty="0" err="1" smtClean="0"/>
+              <a:t>uses</a:t>
+            </a:r>
+            <a:r>
+              <a:rPr lang="de-DE" altLang="de-DE" sz="1800" dirty="0" smtClean="0"/>
+              <a:t> </a:t>
+            </a:r>
+            <a:r>
+              <a:rPr lang="de-DE" altLang="de-DE" sz="1800" dirty="0" err="1" smtClean="0"/>
+              <a:t>the</a:t>
+            </a:r>
+            <a:r>
+              <a:rPr lang="de-DE" altLang="de-DE" sz="1800" dirty="0"/>
+              <a:t> </a:t>
+            </a:r>
+            <a:r>
+              <a:rPr lang="de-DE" altLang="de-DE" sz="1800" dirty="0" err="1" smtClean="0"/>
+              <a:t>command</a:t>
+            </a:r>
+            <a:r>
+              <a:rPr lang="de-DE" altLang="de-DE" sz="1800" dirty="0" smtClean="0"/>
+              <a:t> </a:t>
+            </a:r>
+            <a:r>
+              <a:rPr lang="de-DE" altLang="de-DE" sz="1800" dirty="0" err="1" smtClean="0"/>
+              <a:t>line</a:t>
+            </a:r>
+            <a:r>
+              <a:rPr lang="de-DE" altLang="de-DE" sz="1800" dirty="0" smtClean="0"/>
+              <a:t> </a:t>
+            </a:r>
+            <a:r>
+              <a:rPr lang="de-DE" altLang="de-DE" sz="1800" dirty="0" err="1" smtClean="0"/>
+              <a:t>client</a:t>
+            </a:r>
+            <a:r>
+              <a:rPr lang="de-DE" altLang="de-DE" sz="1800" dirty="0" smtClean="0"/>
+              <a:t> </a:t>
+            </a:r>
+            <a:r>
+              <a:rPr lang="de-DE" altLang="de-DE" sz="1800" dirty="0" err="1" smtClean="0"/>
+              <a:t>which</a:t>
+            </a:r>
+            <a:r>
+              <a:rPr lang="de-DE" altLang="de-DE" sz="1800" dirty="0" smtClean="0"/>
+              <a:t> </a:t>
+            </a:r>
+            <a:r>
+              <a:rPr lang="de-DE" altLang="de-DE" sz="1800" dirty="0" err="1" smtClean="0"/>
+              <a:t>comes</a:t>
+            </a:r>
+            <a:r>
+              <a:rPr lang="de-DE" altLang="de-DE" sz="1800" dirty="0" smtClean="0"/>
+              <a:t> </a:t>
+            </a:r>
+            <a:r>
+              <a:rPr lang="de-DE" altLang="de-DE" sz="1800" dirty="0" err="1" smtClean="0"/>
+              <a:t>along</a:t>
+            </a:r>
+            <a:r>
+              <a:rPr lang="de-DE" altLang="de-DE" sz="1800" dirty="0" smtClean="0"/>
+              <a:t> </a:t>
+            </a:r>
+            <a:r>
+              <a:rPr lang="de-DE" altLang="de-DE" sz="1800" dirty="0" err="1" smtClean="0"/>
+              <a:t>with</a:t>
+            </a:r>
+            <a:r>
+              <a:rPr lang="de-DE" altLang="de-DE" sz="1800" dirty="0" smtClean="0"/>
+              <a:t> </a:t>
+            </a:r>
+            <a:r>
+              <a:rPr lang="de-DE" altLang="de-DE" sz="1800" dirty="0" err="1" smtClean="0"/>
+              <a:t>SonarQube</a:t>
+            </a:r>
+            <a:endParaRPr lang="de-DE" altLang="de-DE" sz="1800" dirty="0" smtClean="0"/>
           </a:p>
         </p:txBody>
       </p:sp>
+      <p:pic>
+        <p:nvPicPr>
+          <p:cNvPr id="9" name="Picture 2"/>
+          <p:cNvPicPr>
+            <a:picLocks noChangeAspect="1" noChangeArrowheads="1"/>
+          </p:cNvPicPr>
+          <p:nvPr/>
+        </p:nvPicPr>
+        <p:blipFill>
+          <a:blip r:embed="rId2">
+            <a:extLst>
+              <a:ext uri="{28A0092B-C50C-407E-A947-70E740481C1C}">
+                <a14:useLocalDpi xmlns:a14="http://schemas.microsoft.com/office/drawing/2010/main" val="0"/>
+              </a:ext>
+            </a:extLst>
+          </a:blip>
+          <a:srcRect/>
+          <a:stretch>
+            <a:fillRect/>
+          </a:stretch>
+        </p:blipFill>
+        <p:spPr bwMode="auto">
+          <a:xfrm>
+            <a:off x="1187127" y="4426813"/>
+            <a:ext cx="7057281" cy="1090419"/>
+          </a:xfrm>
+          <a:prstGeom prst="rect">
+            <a:avLst/>
+          </a:prstGeom>
+          <a:noFill/>
+          <a:ln>
+            <a:noFill/>
+          </a:ln>
+          <a:extLst>
+            <a:ext uri="{909E8E84-426E-40DD-AFC4-6F175D3DCCD1}">
+              <a14:hiddenFill xmlns:a14="http://schemas.microsoft.com/office/drawing/2010/main">
+                <a:solidFill>
+                  <a:schemeClr val="accent1"/>
+                </a:solidFill>
+              </a14:hiddenFill>
+            </a:ext>
+            <a:ext uri="{91240B29-F687-4F45-9708-019B960494DF}">
+              <a14:hiddenLine xmlns:a14="http://schemas.microsoft.com/office/drawing/2010/main" w="9525">
+                <a:solidFill>
+                  <a:schemeClr val="tx1"/>
+                </a:solidFill>
+                <a:miter lim="800000"/>
+                <a:headEnd/>
+                <a:tailEnd/>
+              </a14:hiddenLine>
+            </a:ext>
+          </a:extLst>
+        </p:spPr>
+      </p:pic>
     </p:spTree>
     <p:extLst>
       <p:ext uri="{BB962C8B-B14F-4D97-AF65-F5344CB8AC3E}">
-        <p14:creationId xmlns:p14="http://schemas.microsoft.com/office/powerpoint/2010/main" val="421823670"/>
+        <p14:creationId xmlns:p14="http://schemas.microsoft.com/office/powerpoint/2010/main" val="639395188"/>
       </p:ext>
     </p:extLst>
   </p:cSld>
@@ -9683,7 +10192,7 @@
         <p:spPr>
           <a:xfrm>
             <a:off x="755576" y="548680"/>
-            <a:ext cx="7632848" cy="503833"/>
+            <a:ext cx="7561337" cy="503833"/>
           </a:xfrm>
           <a:noFill/>
         </p:spPr>
@@ -9692,28 +10201,16 @@
           <a:lstStyle/>
           <a:p>
             <a:r>
-              <a:rPr lang="de-DE" altLang="de-DE" dirty="0" err="1" smtClean="0"/>
-              <a:t>Exploiting</a:t>
-            </a:r>
-            <a:r>
-              <a:rPr lang="de-DE" altLang="de-DE" dirty="0" smtClean="0"/>
-              <a:t> </a:t>
-            </a:r>
-            <a:r>
-              <a:rPr lang="de-DE" altLang="de-DE" dirty="0" err="1" smtClean="0"/>
-              <a:t>more</a:t>
-            </a:r>
-            <a:r>
-              <a:rPr lang="de-DE" altLang="de-DE" dirty="0" smtClean="0"/>
-              <a:t> </a:t>
-            </a:r>
-            <a:r>
-              <a:rPr lang="de-DE" altLang="de-DE" dirty="0" err="1" smtClean="0"/>
-              <a:t>SonarQube</a:t>
-            </a:r>
-            <a:r>
-              <a:rPr lang="de-DE" altLang="de-DE" dirty="0" smtClean="0"/>
-              <a:t> APIs</a:t>
+              <a:rPr lang="en-US" altLang="de-DE" dirty="0" smtClean="0"/>
+              <a:t>The </a:t>
+            </a:r>
+            <a:r>
+              <a:rPr lang="en-US" altLang="de-DE" dirty="0" err="1" smtClean="0"/>
+              <a:t>Xinfo</a:t>
+            </a:r>
+            <a:r>
+              <a:rPr lang="en-US" altLang="de-DE" dirty="0" smtClean="0"/>
+              <a:t> plugin – PL/I Basic</a:t>
             </a:r>
             <a:endParaRPr lang="de-DE" altLang="de-DE" dirty="0" smtClean="0"/>
           </a:p>
@@ -9721,509 +10218,37 @@
       </p:sp>
       <p:sp>
         <p:nvSpPr>
-          <p:cNvPr id="8196" name="Rectangle 3"/>
-          <p:cNvSpPr>
-            <a:spLocks noGrp="1" noChangeArrowheads="1"/>
-          </p:cNvSpPr>
-          <p:nvPr>
-            <p:ph type="body" idx="1"/>
-          </p:nvPr>
+          <p:cNvPr id="2" name="Rechteck 1"/>
+          <p:cNvSpPr/>
+          <p:nvPr/>
         </p:nvSpPr>
         <p:spPr>
           <a:xfrm>
-            <a:off x="837133" y="2060849"/>
-            <a:ext cx="7407275" cy="3888431"/>
-          </a:xfrm>
-          <a:noFill/>
-        </p:spPr>
-        <p:txBody>
-          <a:bodyPr/>
-          <a:lstStyle/>
-          <a:p>
-            <a:pPr marL="342900" lvl="1" indent="-342900"/>
-            <a:r>
-              <a:rPr lang="de-DE" altLang="de-DE" sz="2400" dirty="0" smtClean="0">
-                <a:sym typeface="Wingdings" panose="05000000000000000000" pitchFamily="2" charset="2"/>
-              </a:rPr>
-              <a:t>A simple </a:t>
-            </a:r>
-            <a:r>
-              <a:rPr lang="de-DE" altLang="de-DE" sz="2400" dirty="0" err="1" smtClean="0">
-                <a:sym typeface="Wingdings" panose="05000000000000000000" pitchFamily="2" charset="2"/>
-              </a:rPr>
-              <a:t>converter</a:t>
-            </a:r>
-            <a:r>
-              <a:rPr lang="de-DE" altLang="de-DE" sz="2400" dirty="0" smtClean="0">
-                <a:sym typeface="Wingdings" panose="05000000000000000000" pitchFamily="2" charset="2"/>
-              </a:rPr>
-              <a:t> </a:t>
-            </a:r>
-            <a:r>
-              <a:rPr lang="de-DE" altLang="de-DE" sz="2400" dirty="0" err="1" smtClean="0">
-                <a:sym typeface="Wingdings" panose="05000000000000000000" pitchFamily="2" charset="2"/>
-              </a:rPr>
-              <a:t>transforms</a:t>
-            </a:r>
-            <a:r>
-              <a:rPr lang="de-DE" altLang="de-DE" sz="2400" dirty="0" smtClean="0">
-                <a:sym typeface="Wingdings" panose="05000000000000000000" pitchFamily="2" charset="2"/>
-              </a:rPr>
-              <a:t> </a:t>
-            </a:r>
-            <a:r>
-              <a:rPr lang="de-DE" altLang="de-DE" sz="2400" dirty="0" err="1" smtClean="0">
-                <a:sym typeface="Wingdings" panose="05000000000000000000" pitchFamily="2" charset="2"/>
-              </a:rPr>
-              <a:t>Debug</a:t>
-            </a:r>
-            <a:r>
-              <a:rPr lang="de-DE" altLang="de-DE" sz="2400" dirty="0" smtClean="0">
-                <a:sym typeface="Wingdings" panose="05000000000000000000" pitchFamily="2" charset="2"/>
-              </a:rPr>
-              <a:t> Tool Code </a:t>
-            </a:r>
-            <a:r>
-              <a:rPr lang="de-DE" altLang="de-DE" sz="2400" dirty="0" err="1" smtClean="0">
-                <a:sym typeface="Wingdings" panose="05000000000000000000" pitchFamily="2" charset="2"/>
-              </a:rPr>
-              <a:t>Coverage</a:t>
-            </a:r>
-            <a:r>
-              <a:rPr lang="de-DE" altLang="de-DE" sz="2400" dirty="0" smtClean="0">
-                <a:sym typeface="Wingdings" panose="05000000000000000000" pitchFamily="2" charset="2"/>
-              </a:rPr>
-              <a:t> </a:t>
-            </a:r>
-            <a:r>
-              <a:rPr lang="de-DE" altLang="de-DE" sz="2400" dirty="0" err="1" smtClean="0">
-                <a:sym typeface="Wingdings" panose="05000000000000000000" pitchFamily="2" charset="2"/>
-              </a:rPr>
-              <a:t>files</a:t>
-            </a:r>
-            <a:r>
-              <a:rPr lang="de-DE" altLang="de-DE" sz="2400" dirty="0" smtClean="0">
-                <a:sym typeface="Wingdings" panose="05000000000000000000" pitchFamily="2" charset="2"/>
-              </a:rPr>
-              <a:t> </a:t>
-            </a:r>
-            <a:r>
-              <a:rPr lang="de-DE" altLang="de-DE" sz="2400" dirty="0" err="1" smtClean="0">
-                <a:sym typeface="Wingdings" panose="05000000000000000000" pitchFamily="2" charset="2"/>
-              </a:rPr>
-              <a:t>into</a:t>
-            </a:r>
-            <a:r>
-              <a:rPr lang="de-DE" altLang="de-DE" sz="2400" dirty="0" smtClean="0">
-                <a:sym typeface="Wingdings" panose="05000000000000000000" pitchFamily="2" charset="2"/>
-              </a:rPr>
-              <a:t> </a:t>
-            </a:r>
-            <a:r>
-              <a:rPr lang="de-DE" altLang="de-DE" sz="2400" dirty="0" err="1" smtClean="0">
-                <a:sym typeface="Wingdings" panose="05000000000000000000" pitchFamily="2" charset="2"/>
-              </a:rPr>
-              <a:t>the</a:t>
-            </a:r>
-            <a:r>
-              <a:rPr lang="de-DE" altLang="de-DE" sz="2400" dirty="0" smtClean="0">
-                <a:sym typeface="Wingdings" panose="05000000000000000000" pitchFamily="2" charset="2"/>
-              </a:rPr>
-              <a:t> </a:t>
-            </a:r>
-            <a:r>
-              <a:rPr lang="de-DE" altLang="de-DE" sz="2400" dirty="0" err="1" smtClean="0">
-                <a:sym typeface="Wingdings" panose="05000000000000000000" pitchFamily="2" charset="2"/>
-              </a:rPr>
-              <a:t>corresponding</a:t>
-            </a:r>
-            <a:r>
-              <a:rPr lang="de-DE" altLang="de-DE" sz="2400" dirty="0" smtClean="0">
-                <a:sym typeface="Wingdings" panose="05000000000000000000" pitchFamily="2" charset="2"/>
-              </a:rPr>
-              <a:t> </a:t>
-            </a:r>
-            <a:r>
-              <a:rPr lang="de-DE" altLang="de-DE" sz="2400" dirty="0" err="1" smtClean="0">
-                <a:sym typeface="Wingdings" panose="05000000000000000000" pitchFamily="2" charset="2"/>
-              </a:rPr>
-              <a:t>SonarQube</a:t>
-            </a:r>
-            <a:r>
-              <a:rPr lang="de-DE" altLang="de-DE" sz="2400" dirty="0" smtClean="0">
-                <a:sym typeface="Wingdings" panose="05000000000000000000" pitchFamily="2" charset="2"/>
-              </a:rPr>
-              <a:t> </a:t>
-            </a:r>
-            <a:r>
-              <a:rPr lang="de-DE" altLang="de-DE" sz="2400" dirty="0" err="1" smtClean="0">
-                <a:sym typeface="Wingdings" panose="05000000000000000000" pitchFamily="2" charset="2"/>
-              </a:rPr>
-              <a:t>format</a:t>
-            </a:r>
-            <a:r>
-              <a:rPr lang="de-DE" altLang="de-DE" sz="2400" dirty="0" smtClean="0">
-                <a:sym typeface="Wingdings" panose="05000000000000000000" pitchFamily="2" charset="2"/>
-              </a:rPr>
-              <a:t>.</a:t>
-            </a:r>
-          </a:p>
-          <a:p>
-            <a:pPr marL="342900" lvl="1" indent="-342900"/>
-            <a:r>
-              <a:rPr lang="de-DE" altLang="de-DE" sz="2400" dirty="0" smtClean="0">
-                <a:sym typeface="Wingdings" panose="05000000000000000000" pitchFamily="2" charset="2"/>
-              </a:rPr>
-              <a:t>Split </a:t>
-            </a:r>
-            <a:r>
-              <a:rPr lang="de-DE" altLang="de-DE" sz="2400" dirty="0" err="1" smtClean="0">
-                <a:sym typeface="Wingdings" panose="05000000000000000000" pitchFamily="2" charset="2"/>
-              </a:rPr>
-              <a:t>the</a:t>
-            </a:r>
-            <a:r>
-              <a:rPr lang="de-DE" altLang="de-DE" sz="2400" dirty="0" smtClean="0">
-                <a:sym typeface="Wingdings" panose="05000000000000000000" pitchFamily="2" charset="2"/>
-              </a:rPr>
-              <a:t> </a:t>
-            </a:r>
-            <a:r>
-              <a:rPr lang="de-DE" altLang="de-DE" sz="2400" dirty="0" err="1" smtClean="0">
-                <a:sym typeface="Wingdings" panose="05000000000000000000" pitchFamily="2" charset="2"/>
-              </a:rPr>
-              <a:t>sourcecode</a:t>
-            </a:r>
-            <a:r>
-              <a:rPr lang="de-DE" altLang="de-DE" sz="2400" dirty="0" smtClean="0">
-                <a:sym typeface="Wingdings" panose="05000000000000000000" pitchFamily="2" charset="2"/>
-              </a:rPr>
-              <a:t> </a:t>
-            </a:r>
-            <a:r>
-              <a:rPr lang="de-DE" altLang="de-DE" sz="2400" dirty="0" err="1" smtClean="0">
-                <a:sym typeface="Wingdings" panose="05000000000000000000" pitchFamily="2" charset="2"/>
-              </a:rPr>
-              <a:t>into</a:t>
-            </a:r>
-            <a:r>
-              <a:rPr lang="de-DE" altLang="de-DE" sz="2400" dirty="0" smtClean="0">
-                <a:sym typeface="Wingdings" panose="05000000000000000000" pitchFamily="2" charset="2"/>
-              </a:rPr>
-              <a:t> </a:t>
-            </a:r>
-            <a:r>
-              <a:rPr lang="de-DE" altLang="de-DE" sz="2400" dirty="0" err="1" smtClean="0">
-                <a:sym typeface="Wingdings" panose="05000000000000000000" pitchFamily="2" charset="2"/>
-              </a:rPr>
-              <a:t>tokens</a:t>
-            </a:r>
-            <a:r>
-              <a:rPr lang="de-DE" altLang="de-DE" sz="2400" dirty="0" smtClean="0">
-                <a:sym typeface="Wingdings" panose="05000000000000000000" pitchFamily="2" charset="2"/>
-              </a:rPr>
-              <a:t> </a:t>
-            </a:r>
-            <a:r>
-              <a:rPr lang="de-DE" altLang="de-DE" sz="2400" dirty="0" err="1" smtClean="0">
-                <a:sym typeface="Wingdings" panose="05000000000000000000" pitchFamily="2" charset="2"/>
-              </a:rPr>
-              <a:t>and</a:t>
-            </a:r>
-            <a:r>
-              <a:rPr lang="de-DE" altLang="de-DE" sz="2400" dirty="0" smtClean="0">
-                <a:sym typeface="Wingdings" panose="05000000000000000000" pitchFamily="2" charset="2"/>
-              </a:rPr>
-              <a:t> </a:t>
-            </a:r>
-            <a:r>
-              <a:rPr lang="de-DE" altLang="de-DE" sz="2400" dirty="0" err="1" smtClean="0">
-                <a:sym typeface="Wingdings" panose="05000000000000000000" pitchFamily="2" charset="2"/>
-              </a:rPr>
-              <a:t>SonarQube</a:t>
-            </a:r>
-            <a:r>
-              <a:rPr lang="de-DE" altLang="de-DE" sz="2400" dirty="0" smtClean="0">
-                <a:sym typeface="Wingdings" panose="05000000000000000000" pitchFamily="2" charset="2"/>
-              </a:rPr>
-              <a:t> </a:t>
-            </a:r>
-            <a:r>
-              <a:rPr lang="de-DE" altLang="de-DE" sz="2400" dirty="0" err="1" smtClean="0">
-                <a:sym typeface="Wingdings" panose="05000000000000000000" pitchFamily="2" charset="2"/>
-              </a:rPr>
-              <a:t>computes</a:t>
-            </a:r>
-            <a:r>
-              <a:rPr lang="de-DE" altLang="de-DE" sz="2400" dirty="0" smtClean="0">
-                <a:sym typeface="Wingdings" panose="05000000000000000000" pitchFamily="2" charset="2"/>
-              </a:rPr>
-              <a:t> </a:t>
-            </a:r>
-            <a:r>
-              <a:rPr lang="de-DE" altLang="de-DE" sz="2400" dirty="0" err="1" smtClean="0">
-                <a:sym typeface="Wingdings" panose="05000000000000000000" pitchFamily="2" charset="2"/>
-              </a:rPr>
-              <a:t>duplications</a:t>
-            </a:r>
-            <a:r>
-              <a:rPr lang="de-DE" altLang="de-DE" sz="2400" dirty="0" smtClean="0">
-                <a:sym typeface="Wingdings" panose="05000000000000000000" pitchFamily="2" charset="2"/>
-              </a:rPr>
-              <a:t>.</a:t>
-            </a:r>
-            <a:endParaRPr lang="de-DE" altLang="de-DE" sz="2400" dirty="0" smtClean="0">
-              <a:sym typeface="Wingdings" panose="05000000000000000000" pitchFamily="2" charset="2"/>
-            </a:endParaRPr>
-          </a:p>
-          <a:p>
-            <a:pPr marL="342900" lvl="1" indent="-342900"/>
-            <a:endParaRPr lang="de-DE" altLang="de-DE" sz="2400" dirty="0">
-              <a:sym typeface="Wingdings" panose="05000000000000000000" pitchFamily="2" charset="2"/>
-            </a:endParaRPr>
-          </a:p>
-        </p:txBody>
-      </p:sp>
-      <p:sp>
-        <p:nvSpPr>
-          <p:cNvPr id="8" name="Rectangle 2"/>
-          <p:cNvSpPr txBox="1">
-            <a:spLocks noChangeArrowheads="1"/>
-          </p:cNvSpPr>
-          <p:nvPr/>
-        </p:nvSpPr>
-        <p:spPr bwMode="auto">
-          <a:xfrm>
-            <a:off x="755576" y="1196976"/>
-            <a:ext cx="7561337" cy="575840"/>
+            <a:off x="2769263" y="3228945"/>
+            <a:ext cx="3605474" cy="1569660"/>
           </a:xfrm>
           <a:prstGeom prst="rect">
             <a:avLst/>
           </a:prstGeom>
-          <a:noFill/>
-          <a:ln>
-            <a:noFill/>
-          </a:ln>
-          <a:effectLst/>
-          <a:extLst>
-            <a:ext uri="{909E8E84-426E-40DD-AFC4-6F175D3DCCD1}">
-              <a14:hiddenFill xmlns:a14="http://schemas.microsoft.com/office/drawing/2010/main">
-                <a:solidFill>
-                  <a:schemeClr val="bg2"/>
-                </a:solidFill>
-              </a14:hiddenFill>
-            </a:ext>
-            <a:ext uri="{91240B29-F687-4F45-9708-019B960494DF}">
-              <a14:hiddenLine xmlns:a14="http://schemas.microsoft.com/office/drawing/2010/main" w="9525">
-                <a:solidFill>
-                  <a:schemeClr val="tx1"/>
-                </a:solidFill>
-                <a:miter lim="800000"/>
-                <a:headEnd/>
-                <a:tailEnd/>
-              </a14:hiddenLine>
-            </a:ext>
-            <a:ext uri="{AF507438-7753-43E0-B8FC-AC1667EBCBE1}">
-              <a14:hiddenEffects xmlns:a14="http://schemas.microsoft.com/office/drawing/2010/main">
-                <a:effectLst>
-                  <a:outerShdw dist="35921" dir="2700000" algn="ctr" rotWithShape="0">
-                    <a:schemeClr val="bg2"/>
-                  </a:outerShdw>
-                </a:effectLst>
-              </a14:hiddenEffects>
-            </a:ext>
-          </a:extLst>
         </p:spPr>
         <p:txBody>
-          <a:bodyPr vert="horz" wrap="square" lIns="0" tIns="0" rIns="0" bIns="0" numCol="1" anchor="t" anchorCtr="0" compatLnSpc="1">
-            <a:prstTxWarp prst="textNoShape">
-              <a:avLst/>
-            </a:prstTxWarp>
+          <a:bodyPr wrap="none">
+            <a:spAutoFit/>
           </a:bodyPr>
-          <a:lstStyle>
-            <a:lvl1pPr algn="l" rtl="0" eaLnBrk="0" fontAlgn="base" hangingPunct="0">
-              <a:spcBef>
-                <a:spcPct val="0"/>
-              </a:spcBef>
-              <a:spcAft>
-                <a:spcPct val="0"/>
-              </a:spcAft>
-              <a:defRPr sz="3000" b="1">
-                <a:solidFill>
-                  <a:schemeClr val="accent2"/>
-                </a:solidFill>
-                <a:latin typeface="+mj-lt"/>
-                <a:ea typeface="+mj-ea"/>
-                <a:cs typeface="+mj-cs"/>
-              </a:defRPr>
-            </a:lvl1pPr>
-            <a:lvl2pPr algn="l" rtl="0" eaLnBrk="0" fontAlgn="base" hangingPunct="0">
-              <a:spcBef>
-                <a:spcPct val="0"/>
-              </a:spcBef>
-              <a:spcAft>
-                <a:spcPct val="0"/>
-              </a:spcAft>
-              <a:defRPr sz="3000" b="1">
-                <a:solidFill>
-                  <a:schemeClr val="accent2"/>
-                </a:solidFill>
-                <a:latin typeface="Arial" charset="0"/>
-              </a:defRPr>
-            </a:lvl2pPr>
-            <a:lvl3pPr algn="l" rtl="0" eaLnBrk="0" fontAlgn="base" hangingPunct="0">
-              <a:spcBef>
-                <a:spcPct val="0"/>
-              </a:spcBef>
-              <a:spcAft>
-                <a:spcPct val="0"/>
-              </a:spcAft>
-              <a:defRPr sz="3000" b="1">
-                <a:solidFill>
-                  <a:schemeClr val="accent2"/>
-                </a:solidFill>
-                <a:latin typeface="Arial" charset="0"/>
-              </a:defRPr>
-            </a:lvl3pPr>
-            <a:lvl4pPr algn="l" rtl="0" eaLnBrk="0" fontAlgn="base" hangingPunct="0">
-              <a:spcBef>
-                <a:spcPct val="0"/>
-              </a:spcBef>
-              <a:spcAft>
-                <a:spcPct val="0"/>
-              </a:spcAft>
-              <a:defRPr sz="3000" b="1">
-                <a:solidFill>
-                  <a:schemeClr val="accent2"/>
-                </a:solidFill>
-                <a:latin typeface="Arial" charset="0"/>
-              </a:defRPr>
-            </a:lvl4pPr>
-            <a:lvl5pPr algn="l" rtl="0" eaLnBrk="0" fontAlgn="base" hangingPunct="0">
-              <a:spcBef>
-                <a:spcPct val="0"/>
-              </a:spcBef>
-              <a:spcAft>
-                <a:spcPct val="0"/>
-              </a:spcAft>
-              <a:defRPr sz="3000" b="1">
-                <a:solidFill>
-                  <a:schemeClr val="accent2"/>
-                </a:solidFill>
-                <a:latin typeface="Arial" charset="0"/>
-              </a:defRPr>
-            </a:lvl5pPr>
-            <a:lvl6pPr marL="457200" algn="l" rtl="0" eaLnBrk="0" fontAlgn="base" hangingPunct="0">
-              <a:spcBef>
-                <a:spcPct val="0"/>
-              </a:spcBef>
-              <a:spcAft>
-                <a:spcPct val="0"/>
-              </a:spcAft>
-              <a:defRPr sz="3000" b="1">
-                <a:solidFill>
-                  <a:schemeClr val="accent2"/>
-                </a:solidFill>
-                <a:latin typeface="Arial" charset="0"/>
-              </a:defRPr>
-            </a:lvl6pPr>
-            <a:lvl7pPr marL="914400" algn="l" rtl="0" eaLnBrk="0" fontAlgn="base" hangingPunct="0">
-              <a:spcBef>
-                <a:spcPct val="0"/>
-              </a:spcBef>
-              <a:spcAft>
-                <a:spcPct val="0"/>
-              </a:spcAft>
-              <a:defRPr sz="3000" b="1">
-                <a:solidFill>
-                  <a:schemeClr val="accent2"/>
-                </a:solidFill>
-                <a:latin typeface="Arial" charset="0"/>
-              </a:defRPr>
-            </a:lvl7pPr>
-            <a:lvl8pPr marL="1371600" algn="l" rtl="0" eaLnBrk="0" fontAlgn="base" hangingPunct="0">
-              <a:spcBef>
-                <a:spcPct val="0"/>
-              </a:spcBef>
-              <a:spcAft>
-                <a:spcPct val="0"/>
-              </a:spcAft>
-              <a:defRPr sz="3000" b="1">
-                <a:solidFill>
-                  <a:schemeClr val="accent2"/>
-                </a:solidFill>
-                <a:latin typeface="Arial" charset="0"/>
-              </a:defRPr>
-            </a:lvl8pPr>
-            <a:lvl9pPr marL="1828800" algn="l" rtl="0" eaLnBrk="0" fontAlgn="base" hangingPunct="0">
-              <a:spcBef>
-                <a:spcPct val="0"/>
-              </a:spcBef>
-              <a:spcAft>
-                <a:spcPct val="0"/>
-              </a:spcAft>
-              <a:defRPr sz="3000" b="1">
-                <a:solidFill>
-                  <a:schemeClr val="accent2"/>
-                </a:solidFill>
-                <a:latin typeface="Arial" charset="0"/>
-              </a:defRPr>
-            </a:lvl9pPr>
-          </a:lstStyle>
+          <a:lstStyle/>
           <a:p>
-            <a:pPr indent="-461963"/>
-            <a:r>
-              <a:rPr lang="de-DE" altLang="de-DE" sz="1800" dirty="0" smtClean="0"/>
-              <a:t>Integration </a:t>
-            </a:r>
-            <a:r>
-              <a:rPr lang="de-DE" altLang="de-DE" sz="1800" dirty="0" err="1" smtClean="0"/>
-              <a:t>for</a:t>
-            </a:r>
-            <a:r>
-              <a:rPr lang="de-DE" altLang="de-DE" sz="1800" dirty="0" smtClean="0"/>
-              <a:t> </a:t>
-            </a:r>
-            <a:r>
-              <a:rPr lang="de-DE" altLang="de-DE" sz="1800" dirty="0" err="1" smtClean="0"/>
-              <a:t>Debug</a:t>
-            </a:r>
-            <a:r>
-              <a:rPr lang="de-DE" altLang="de-DE" sz="1800" dirty="0" smtClean="0"/>
-              <a:t> Tool </a:t>
-            </a:r>
-            <a:r>
-              <a:rPr lang="de-DE" altLang="de-DE" sz="1800" dirty="0" err="1" smtClean="0"/>
-              <a:t>and</a:t>
-            </a:r>
-            <a:r>
-              <a:rPr lang="de-DE" altLang="de-DE" sz="1800" dirty="0" smtClean="0"/>
-              <a:t> CPD (</a:t>
-            </a:r>
-            <a:r>
-              <a:rPr lang="de-DE" altLang="de-DE" sz="1800" dirty="0" err="1" smtClean="0"/>
-              <a:t>Copy</a:t>
-            </a:r>
-            <a:r>
-              <a:rPr lang="de-DE" altLang="de-DE" sz="1800" dirty="0" smtClean="0"/>
-              <a:t>/Paste </a:t>
-            </a:r>
-            <a:r>
-              <a:rPr lang="de-DE" altLang="de-DE" sz="1800" dirty="0" err="1" smtClean="0"/>
-              <a:t>Detection</a:t>
-            </a:r>
-            <a:r>
-              <a:rPr lang="de-DE" altLang="de-DE" sz="1800" dirty="0" smtClean="0"/>
-              <a:t>)</a:t>
-            </a:r>
-            <a:endParaRPr lang="de-DE" altLang="de-DE" sz="1800" dirty="0" smtClean="0"/>
+            <a:pPr algn="ctr"/>
+            <a:r>
+              <a:rPr lang="de-DE" altLang="de-DE" sz="9600" b="1" dirty="0"/>
+              <a:t>Demo</a:t>
+            </a:r>
           </a:p>
         </p:txBody>
       </p:sp>
     </p:spTree>
     <p:extLst>
       <p:ext uri="{BB962C8B-B14F-4D97-AF65-F5344CB8AC3E}">
-        <p14:creationId xmlns:p14="http://schemas.microsoft.com/office/powerpoint/2010/main" val="3314202749"/>
+        <p14:creationId xmlns:p14="http://schemas.microsoft.com/office/powerpoint/2010/main" val="421823670"/>
       </p:ext>
     </p:extLst>
   </p:cSld>
@@ -10574,7 +10599,7 @@
           <a:p>
             <a:r>
               <a:rPr lang="de-DE" altLang="de-DE" dirty="0" err="1" smtClean="0"/>
-              <a:t>Wanna</a:t>
+              <a:t>Exploiting</a:t>
             </a:r>
             <a:r>
               <a:rPr lang="de-DE" altLang="de-DE" dirty="0" smtClean="0"/>
@@ -10582,7 +10607,7 @@
             </a:r>
             <a:r>
               <a:rPr lang="de-DE" altLang="de-DE" dirty="0" err="1" smtClean="0"/>
-              <a:t>try</a:t>
+              <a:t>more</a:t>
             </a:r>
             <a:r>
               <a:rPr lang="de-DE" altLang="de-DE" dirty="0" smtClean="0"/>
@@ -10590,11 +10615,11 @@
             </a:r>
             <a:r>
               <a:rPr lang="de-DE" altLang="de-DE" dirty="0" err="1" smtClean="0"/>
-              <a:t>it</a:t>
+              <a:t>SonarQube</a:t>
             </a:r>
             <a:r>
               <a:rPr lang="de-DE" altLang="de-DE" dirty="0" smtClean="0"/>
-              <a:t>?</a:t>
+              <a:t> APIs</a:t>
             </a:r>
           </a:p>
         </p:txBody>
@@ -10622,10 +10647,16 @@
           <a:p>
             <a:pPr marL="342900" lvl="1" indent="-342900"/>
             <a:r>
+              <a:rPr lang="de-DE" altLang="de-DE" sz="2400" dirty="0" smtClean="0">
+                <a:sym typeface="Wingdings" panose="05000000000000000000" pitchFamily="2" charset="2"/>
+              </a:rPr>
+              <a:t>A </a:t>
+            </a:r>
+            <a:r>
               <a:rPr lang="de-DE" altLang="de-DE" sz="2400" dirty="0" err="1" smtClean="0">
                 <a:sym typeface="Wingdings" panose="05000000000000000000" pitchFamily="2" charset="2"/>
               </a:rPr>
-              <a:t>Xinfo</a:t>
+              <a:t>converter</a:t>
             </a:r>
             <a:r>
               <a:rPr lang="de-DE" altLang="de-DE" sz="2400" dirty="0" smtClean="0">
@@ -10637,7 +10668,7 @@
               <a:rPr lang="de-DE" altLang="de-DE" sz="2400" dirty="0" err="1" smtClean="0">
                 <a:sym typeface="Wingdings" panose="05000000000000000000" pitchFamily="2" charset="2"/>
               </a:rPr>
-              <a:t>plugin</a:t>
+              <a:t>transforms</a:t>
             </a:r>
             <a:r>
               <a:rPr lang="de-DE" altLang="de-DE" sz="2400" dirty="0" smtClean="0">
@@ -10649,19 +10680,19 @@
               <a:rPr lang="de-DE" altLang="de-DE" sz="2400" dirty="0" err="1" smtClean="0">
                 <a:sym typeface="Wingdings" panose="05000000000000000000" pitchFamily="2" charset="2"/>
               </a:rPr>
-              <a:t>source</a:t>
+              <a:t>Debug</a:t>
             </a:r>
             <a:r>
               <a:rPr lang="de-DE" altLang="de-DE" sz="2400" dirty="0" smtClean="0">
                 <a:sym typeface="Wingdings" panose="05000000000000000000" pitchFamily="2" charset="2"/>
               </a:rPr>
-              <a:t> </a:t>
+              <a:t> Tool Code </a:t>
             </a:r>
             <a:r>
               <a:rPr lang="de-DE" altLang="de-DE" sz="2400" dirty="0" err="1" smtClean="0">
                 <a:sym typeface="Wingdings" panose="05000000000000000000" pitchFamily="2" charset="2"/>
               </a:rPr>
-              <a:t>code</a:t>
+              <a:t>Coverage</a:t>
             </a:r>
             <a:r>
               <a:rPr lang="de-DE" altLang="de-DE" sz="2400" dirty="0" smtClean="0">
@@ -10673,7 +10704,7 @@
               <a:rPr lang="de-DE" altLang="de-DE" sz="2400" dirty="0" err="1" smtClean="0">
                 <a:sym typeface="Wingdings" panose="05000000000000000000" pitchFamily="2" charset="2"/>
               </a:rPr>
-              <a:t>is</a:t>
+              <a:t>files</a:t>
             </a:r>
             <a:r>
               <a:rPr lang="de-DE" altLang="de-DE" sz="2400" dirty="0" smtClean="0">
@@ -10685,7 +10716,7 @@
               <a:rPr lang="de-DE" altLang="de-DE" sz="2400" dirty="0" err="1" smtClean="0">
                 <a:sym typeface="Wingdings" panose="05000000000000000000" pitchFamily="2" charset="2"/>
               </a:rPr>
-              <a:t>published</a:t>
+              <a:t>into</a:t>
             </a:r>
             <a:r>
               <a:rPr lang="de-DE" altLang="de-DE" sz="2400" dirty="0" smtClean="0">
@@ -10697,107 +10728,227 @@
               <a:rPr lang="de-DE" altLang="de-DE" sz="2400" dirty="0" err="1" smtClean="0">
                 <a:sym typeface="Wingdings" panose="05000000000000000000" pitchFamily="2" charset="2"/>
               </a:rPr>
-              <a:t>under</a:t>
+              <a:t>the</a:t>
             </a:r>
             <a:r>
               <a:rPr lang="de-DE" altLang="de-DE" sz="2400" dirty="0" smtClean="0">
                 <a:sym typeface="Wingdings" panose="05000000000000000000" pitchFamily="2" charset="2"/>
               </a:rPr>
-              <a:t> Eclipse </a:t>
+              <a:t> </a:t>
+            </a:r>
+            <a:r>
+              <a:rPr lang="de-DE" altLang="de-DE" sz="2400" dirty="0" err="1" smtClean="0">
+                <a:sym typeface="Wingdings" panose="05000000000000000000" pitchFamily="2" charset="2"/>
+              </a:rPr>
+              <a:t>corresponding</a:t>
+            </a:r>
+            <a:r>
+              <a:rPr lang="de-DE" altLang="de-DE" sz="2400" dirty="0" smtClean="0">
+                <a:sym typeface="Wingdings" panose="05000000000000000000" pitchFamily="2" charset="2"/>
+              </a:rPr>
+              <a:t> </a:t>
+            </a:r>
+            <a:r>
+              <a:rPr lang="de-DE" altLang="de-DE" sz="2400" dirty="0" err="1" smtClean="0">
+                <a:sym typeface="Wingdings" panose="05000000000000000000" pitchFamily="2" charset="2"/>
+              </a:rPr>
+              <a:t>SonarQube</a:t>
+            </a:r>
+            <a:r>
+              <a:rPr lang="de-DE" altLang="de-DE" sz="2400" dirty="0" smtClean="0">
+                <a:sym typeface="Wingdings" panose="05000000000000000000" pitchFamily="2" charset="2"/>
+              </a:rPr>
+              <a:t> </a:t>
+            </a:r>
+            <a:r>
+              <a:rPr lang="de-DE" altLang="de-DE" sz="2400" dirty="0" err="1" smtClean="0">
+                <a:sym typeface="Wingdings" panose="05000000000000000000" pitchFamily="2" charset="2"/>
+              </a:rPr>
+              <a:t>format</a:t>
             </a:r>
             <a:r>
               <a:rPr lang="de-DE" altLang="de-DE" sz="2400" dirty="0">
                 <a:sym typeface="Wingdings" panose="05000000000000000000" pitchFamily="2" charset="2"/>
               </a:rPr>
-              <a:t>Public </a:t>
-            </a:r>
-            <a:r>
-              <a:rPr lang="de-DE" altLang="de-DE" sz="2400" dirty="0" err="1">
+              <a:t> </a:t>
+            </a:r>
+            <a:r>
+              <a:rPr lang="de-DE" altLang="de-DE" sz="2400" dirty="0" err="1" smtClean="0">
                 <a:sym typeface="Wingdings" panose="05000000000000000000" pitchFamily="2" charset="2"/>
               </a:rPr>
-              <a:t>License</a:t>
-            </a:r>
-            <a:r>
-              <a:rPr lang="de-DE" altLang="de-DE" sz="2400" dirty="0">
+              <a:t>to</a:t>
+            </a:r>
+            <a:r>
+              <a:rPr lang="de-DE" altLang="de-DE" sz="2400" dirty="0" smtClean="0">
                 <a:sym typeface="Wingdings" panose="05000000000000000000" pitchFamily="2" charset="2"/>
               </a:rPr>
-              <a:t> (EPL) v. 1.0</a:t>
-            </a:r>
-          </a:p>
-          <a:p>
-            <a:pPr marL="342900" lvl="1" indent="-342900"/>
-            <a:r>
-              <a:rPr lang="de-DE" altLang="de-DE" sz="2400" dirty="0" err="1">
+              <a:t> </a:t>
+            </a:r>
+            <a:r>
+              <a:rPr lang="de-DE" altLang="de-DE" sz="2400" dirty="0" err="1" smtClean="0">
                 <a:sym typeface="Wingdings" panose="05000000000000000000" pitchFamily="2" charset="2"/>
               </a:rPr>
-              <a:t>Clone</a:t>
-            </a:r>
-            <a:r>
-              <a:rPr lang="de-DE" altLang="de-DE" sz="2400" dirty="0">
+              <a:t>determine</a:t>
+            </a:r>
+            <a:r>
+              <a:rPr lang="de-DE" altLang="de-DE" sz="2400" dirty="0" smtClean="0">
                 <a:sym typeface="Wingdings" panose="05000000000000000000" pitchFamily="2" charset="2"/>
               </a:rPr>
-              <a:t>-URL on last </a:t>
-            </a:r>
-            <a:r>
-              <a:rPr lang="de-DE" altLang="de-DE" sz="2400" dirty="0" err="1">
+              <a:t> </a:t>
+            </a:r>
+            <a:r>
+              <a:rPr lang="de-DE" altLang="de-DE" sz="2400" dirty="0" err="1" smtClean="0">
                 <a:sym typeface="Wingdings" panose="05000000000000000000" pitchFamily="2" charset="2"/>
               </a:rPr>
-              <a:t>slide</a:t>
-            </a:r>
-            <a:endParaRPr lang="de-DE" altLang="de-DE" sz="2400" dirty="0">
+              <a:t>the</a:t>
+            </a:r>
+            <a:r>
+              <a:rPr lang="de-DE" altLang="de-DE" sz="2400" dirty="0" smtClean="0">
+                <a:sym typeface="Wingdings" panose="05000000000000000000" pitchFamily="2" charset="2"/>
+              </a:rPr>
+              <a:t> </a:t>
+            </a:r>
+            <a:r>
+              <a:rPr lang="de-DE" altLang="de-DE" sz="2400" dirty="0" err="1" smtClean="0">
+                <a:sym typeface="Wingdings" panose="05000000000000000000" pitchFamily="2" charset="2"/>
+              </a:rPr>
+              <a:t>test</a:t>
+            </a:r>
+            <a:r>
+              <a:rPr lang="de-DE" altLang="de-DE" sz="2400" dirty="0" smtClean="0">
+                <a:sym typeface="Wingdings" panose="05000000000000000000" pitchFamily="2" charset="2"/>
+              </a:rPr>
+              <a:t> </a:t>
+            </a:r>
+            <a:r>
+              <a:rPr lang="de-DE" altLang="de-DE" sz="2400" dirty="0" err="1" smtClean="0">
+                <a:sym typeface="Wingdings" panose="05000000000000000000" pitchFamily="2" charset="2"/>
+              </a:rPr>
+              <a:t>coverage</a:t>
+            </a:r>
+            <a:endParaRPr lang="de-DE" altLang="de-DE" sz="2400" dirty="0" smtClean="0">
               <a:sym typeface="Wingdings" panose="05000000000000000000" pitchFamily="2" charset="2"/>
             </a:endParaRPr>
           </a:p>
           <a:p>
             <a:pPr marL="342900" lvl="1" indent="-342900"/>
             <a:r>
-              <a:rPr lang="de-DE" altLang="de-DE" sz="2400" dirty="0">
+              <a:rPr lang="de-DE" altLang="de-DE" sz="2400" dirty="0" smtClean="0">
                 <a:sym typeface="Wingdings" panose="05000000000000000000" pitchFamily="2" charset="2"/>
               </a:rPr>
-              <a:t>Every </a:t>
-            </a:r>
-            <a:r>
-              <a:rPr lang="de-DE" altLang="de-DE" sz="2400" dirty="0" err="1">
+              <a:t>Split </a:t>
+            </a:r>
+            <a:r>
+              <a:rPr lang="de-DE" altLang="de-DE" sz="2400" dirty="0" err="1" smtClean="0">
                 <a:sym typeface="Wingdings" panose="05000000000000000000" pitchFamily="2" charset="2"/>
               </a:rPr>
-              <a:t>comment</a:t>
-            </a:r>
-            <a:r>
-              <a:rPr lang="de-DE" altLang="de-DE" sz="2400" dirty="0">
+              <a:t>the</a:t>
+            </a:r>
+            <a:r>
+              <a:rPr lang="de-DE" altLang="de-DE" sz="2400" dirty="0" smtClean="0">
                 <a:sym typeface="Wingdings" panose="05000000000000000000" pitchFamily="2" charset="2"/>
               </a:rPr>
               <a:t> </a:t>
             </a:r>
             <a:r>
-              <a:rPr lang="de-DE" altLang="de-DE" sz="2400" dirty="0" err="1">
+              <a:rPr lang="de-DE" altLang="de-DE" sz="2400" dirty="0" err="1" smtClean="0">
                 <a:sym typeface="Wingdings" panose="05000000000000000000" pitchFamily="2" charset="2"/>
               </a:rPr>
-              <a:t>is</a:t>
-            </a:r>
-            <a:r>
-              <a:rPr lang="de-DE" altLang="de-DE" sz="2400" dirty="0">
+              <a:t>sourcecode</a:t>
+            </a:r>
+            <a:r>
+              <a:rPr lang="de-DE" altLang="de-DE" sz="2400" dirty="0" smtClean="0">
                 <a:sym typeface="Wingdings" panose="05000000000000000000" pitchFamily="2" charset="2"/>
               </a:rPr>
               <a:t> </a:t>
             </a:r>
             <a:r>
-              <a:rPr lang="de-DE" altLang="de-DE" sz="2400" dirty="0" err="1">
+              <a:rPr lang="de-DE" altLang="de-DE" sz="2400" dirty="0" err="1" smtClean="0">
                 <a:sym typeface="Wingdings" panose="05000000000000000000" pitchFamily="2" charset="2"/>
               </a:rPr>
-              <a:t>honestly</a:t>
-            </a:r>
-            <a:r>
-              <a:rPr lang="de-DE" altLang="de-DE" sz="2400" dirty="0">
+              <a:t>into</a:t>
+            </a:r>
+            <a:r>
+              <a:rPr lang="de-DE" altLang="de-DE" sz="2400" dirty="0" smtClean="0">
                 <a:sym typeface="Wingdings" panose="05000000000000000000" pitchFamily="2" charset="2"/>
               </a:rPr>
               <a:t> </a:t>
             </a:r>
             <a:r>
-              <a:rPr lang="de-DE" altLang="de-DE" sz="2400" dirty="0" err="1">
+              <a:rPr lang="de-DE" altLang="de-DE" sz="2400" dirty="0" err="1" smtClean="0">
                 <a:sym typeface="Wingdings" panose="05000000000000000000" pitchFamily="2" charset="2"/>
               </a:rPr>
-              <a:t>appreciated</a:t>
-            </a:r>
+              <a:t>tokens</a:t>
+            </a:r>
+            <a:r>
+              <a:rPr lang="de-DE" altLang="de-DE" sz="2400" dirty="0" smtClean="0">
+                <a:sym typeface="Wingdings" panose="05000000000000000000" pitchFamily="2" charset="2"/>
+              </a:rPr>
+              <a:t> </a:t>
+            </a:r>
+            <a:r>
+              <a:rPr lang="de-DE" altLang="de-DE" sz="2400" dirty="0" err="1" smtClean="0">
+                <a:sym typeface="Wingdings" panose="05000000000000000000" pitchFamily="2" charset="2"/>
+              </a:rPr>
+              <a:t>and</a:t>
+            </a:r>
+            <a:r>
+              <a:rPr lang="de-DE" altLang="de-DE" sz="2400" dirty="0" smtClean="0">
+                <a:sym typeface="Wingdings" panose="05000000000000000000" pitchFamily="2" charset="2"/>
+              </a:rPr>
+              <a:t> </a:t>
+            </a:r>
+            <a:r>
+              <a:rPr lang="de-DE" altLang="de-DE" sz="2400" dirty="0" err="1" smtClean="0">
+                <a:sym typeface="Wingdings" panose="05000000000000000000" pitchFamily="2" charset="2"/>
+              </a:rPr>
+              <a:t>let</a:t>
+            </a:r>
+            <a:r>
+              <a:rPr lang="de-DE" altLang="de-DE" sz="2400" dirty="0" smtClean="0">
+                <a:sym typeface="Wingdings" panose="05000000000000000000" pitchFamily="2" charset="2"/>
+              </a:rPr>
+              <a:t> </a:t>
+            </a:r>
+            <a:r>
+              <a:rPr lang="de-DE" altLang="de-DE" sz="2400" dirty="0" err="1" smtClean="0">
+                <a:sym typeface="Wingdings" panose="05000000000000000000" pitchFamily="2" charset="2"/>
+              </a:rPr>
+              <a:t>SonarQube</a:t>
+            </a:r>
+            <a:r>
+              <a:rPr lang="de-DE" altLang="de-DE" sz="2400" dirty="0" smtClean="0">
+                <a:sym typeface="Wingdings" panose="05000000000000000000" pitchFamily="2" charset="2"/>
+              </a:rPr>
+              <a:t> </a:t>
+            </a:r>
+            <a:r>
+              <a:rPr lang="de-DE" altLang="de-DE" sz="2400" dirty="0" err="1" smtClean="0">
+                <a:sym typeface="Wingdings" panose="05000000000000000000" pitchFamily="2" charset="2"/>
+              </a:rPr>
+              <a:t>compute</a:t>
+            </a:r>
+            <a:r>
+              <a:rPr lang="de-DE" altLang="de-DE" sz="2400" dirty="0" smtClean="0">
+                <a:sym typeface="Wingdings" panose="05000000000000000000" pitchFamily="2" charset="2"/>
+              </a:rPr>
+              <a:t> </a:t>
+            </a:r>
+            <a:r>
+              <a:rPr lang="de-DE" altLang="de-DE" sz="2400" dirty="0" err="1" smtClean="0">
+                <a:sym typeface="Wingdings" panose="05000000000000000000" pitchFamily="2" charset="2"/>
+              </a:rPr>
+              <a:t>duplications</a:t>
+            </a:r>
+            <a:r>
+              <a:rPr lang="de-DE" altLang="de-DE" sz="2400" dirty="0" smtClean="0">
+                <a:sym typeface="Wingdings" panose="05000000000000000000" pitchFamily="2" charset="2"/>
+              </a:rPr>
+              <a:t>.</a:t>
+            </a:r>
+          </a:p>
+          <a:p>
+            <a:pPr marL="342900" lvl="1" indent="-342900"/>
             <a:endParaRPr lang="de-DE" altLang="de-DE" sz="2400" dirty="0">
               <a:sym typeface="Wingdings" panose="05000000000000000000" pitchFamily="2" charset="2"/>
             </a:endParaRPr>
@@ -10994,11 +11145,11 @@
             <a:pPr indent="-461963"/>
             <a:r>
               <a:rPr lang="de-DE" altLang="de-DE" sz="1800" dirty="0" smtClean="0"/>
-              <a:t>The </a:t>
+              <a:t>Integration </a:t>
             </a:r>
             <a:r>
               <a:rPr lang="de-DE" altLang="de-DE" sz="1800" dirty="0" err="1" smtClean="0"/>
-              <a:t>Xinfo</a:t>
+              <a:t>for</a:t>
             </a:r>
             <a:r>
               <a:rPr lang="de-DE" altLang="de-DE" sz="1800" dirty="0" smtClean="0"/>
@@ -11006,19 +11157,35 @@
             </a:r>
             <a:r>
               <a:rPr lang="de-DE" altLang="de-DE" sz="1800" dirty="0" err="1" smtClean="0"/>
-              <a:t>plugin</a:t>
+              <a:t>Debug</a:t>
             </a:r>
             <a:r>
               <a:rPr lang="de-DE" altLang="de-DE" sz="1800" dirty="0" smtClean="0"/>
-              <a:t> </a:t>
+              <a:t> Tool </a:t>
             </a:r>
             <a:r>
               <a:rPr lang="de-DE" altLang="de-DE" sz="1800" dirty="0" err="1" smtClean="0"/>
-              <a:t>is</a:t>
+              <a:t>and</a:t>
             </a:r>
             <a:r>
               <a:rPr lang="de-DE" altLang="de-DE" sz="1800" dirty="0" smtClean="0"/>
-              <a:t> Open Source</a:t>
+              <a:t> CPD (</a:t>
+            </a:r>
+            <a:r>
+              <a:rPr lang="de-DE" altLang="de-DE" sz="1800" dirty="0" err="1" smtClean="0"/>
+              <a:t>Copy</a:t>
+            </a:r>
+            <a:r>
+              <a:rPr lang="de-DE" altLang="de-DE" sz="1800" dirty="0" smtClean="0"/>
+              <a:t>/Paste </a:t>
+            </a:r>
+            <a:r>
+              <a:rPr lang="de-DE" altLang="de-DE" sz="1800" dirty="0" err="1" smtClean="0"/>
+              <a:t>Detection</a:t>
+            </a:r>
+            <a:r>
+              <a:rPr lang="de-DE" altLang="de-DE" sz="1800" dirty="0" smtClean="0"/>
+              <a:t>)</a:t>
             </a:r>
           </a:p>
         </p:txBody>
@@ -11026,7 +11193,7 @@
     </p:spTree>
     <p:extLst>
       <p:ext uri="{BB962C8B-B14F-4D97-AF65-F5344CB8AC3E}">
-        <p14:creationId xmlns:p14="http://schemas.microsoft.com/office/powerpoint/2010/main" val="3415391509"/>
+        <p14:creationId xmlns:p14="http://schemas.microsoft.com/office/powerpoint/2010/main" val="3314202749"/>
       </p:ext>
     </p:extLst>
   </p:cSld>
@@ -11367,6 +11534,1219 @@
         <p:spPr>
           <a:xfrm>
             <a:off x="755576" y="548680"/>
+            <a:ext cx="7561337" cy="503833"/>
+          </a:xfrm>
+          <a:noFill/>
+        </p:spPr>
+        <p:txBody>
+          <a:bodyPr/>
+          <a:lstStyle/>
+          <a:p>
+            <a:r>
+              <a:rPr lang="en-US" altLang="de-DE" dirty="0" smtClean="0"/>
+              <a:t>The </a:t>
+            </a:r>
+            <a:r>
+              <a:rPr lang="en-US" altLang="de-DE" dirty="0" err="1" smtClean="0"/>
+              <a:t>Xinfo</a:t>
+            </a:r>
+            <a:r>
+              <a:rPr lang="en-US" altLang="de-DE" dirty="0" smtClean="0"/>
+              <a:t> plugin – </a:t>
+            </a:r>
+            <a:r>
+              <a:rPr lang="en-US" altLang="de-DE" smtClean="0"/>
+              <a:t>PL/I extended</a:t>
+            </a:r>
+            <a:endParaRPr lang="de-DE" altLang="de-DE" dirty="0" smtClean="0"/>
+          </a:p>
+        </p:txBody>
+      </p:sp>
+      <p:sp>
+        <p:nvSpPr>
+          <p:cNvPr id="2" name="Rechteck 1"/>
+          <p:cNvSpPr/>
+          <p:nvPr/>
+        </p:nvSpPr>
+        <p:spPr>
+          <a:xfrm>
+            <a:off x="2769263" y="3228945"/>
+            <a:ext cx="3605474" cy="1569660"/>
+          </a:xfrm>
+          <a:prstGeom prst="rect">
+            <a:avLst/>
+          </a:prstGeom>
+        </p:spPr>
+        <p:txBody>
+          <a:bodyPr wrap="none">
+            <a:spAutoFit/>
+          </a:bodyPr>
+          <a:lstStyle/>
+          <a:p>
+            <a:pPr algn="ctr"/>
+            <a:r>
+              <a:rPr lang="de-DE" altLang="de-DE" sz="9600" b="1" dirty="0"/>
+              <a:t>Demo</a:t>
+            </a:r>
+          </a:p>
+        </p:txBody>
+      </p:sp>
+    </p:spTree>
+    <p:extLst>
+      <p:ext uri="{BB962C8B-B14F-4D97-AF65-F5344CB8AC3E}">
+        <p14:creationId xmlns:p14="http://schemas.microsoft.com/office/powerpoint/2010/main" val="2941360403"/>
+      </p:ext>
+    </p:extLst>
+  </p:cSld>
+  <p:clrMapOvr>
+    <a:masterClrMapping/>
+  </p:clrMapOvr>
+  <mc:AlternateContent xmlns:mc="http://schemas.openxmlformats.org/markup-compatibility/2006" xmlns:p14="http://schemas.microsoft.com/office/powerpoint/2010/main">
+    <mc:Choice Requires="p14">
+      <p:transition p14:dur="0"/>
+    </mc:Choice>
+    <mc:Fallback xmlns="">
+      <p:transition/>
+    </mc:Fallback>
+  </mc:AlternateContent>
+  <p:timing>
+    <p:tnLst>
+      <p:par>
+        <p:cTn id="1" dur="indefinite" restart="never" nodeType="tmRoot"/>
+      </p:par>
+    </p:tnLst>
+  </p:timing>
+</p:sld>
+</file>
+
+<file path=ppt/slides/slide17.xml><?xml version="1.0" encoding="utf-8"?>
+<p:sld xmlns:a="http://schemas.openxmlformats.org/drawingml/2006/main" xmlns:r="http://schemas.openxmlformats.org/officeDocument/2006/relationships" xmlns:p="http://schemas.openxmlformats.org/presentationml/2006/main">
+  <p:cSld>
+    <p:spTree>
+      <p:nvGrpSpPr>
+        <p:cNvPr id="1" name=""/>
+        <p:cNvGrpSpPr/>
+        <p:nvPr/>
+      </p:nvGrpSpPr>
+      <p:grpSpPr>
+        <a:xfrm>
+          <a:off x="0" y="0"/>
+          <a:ext cx="0" cy="0"/>
+          <a:chOff x="0" y="0"/>
+          <a:chExt cx="0" cy="0"/>
+        </a:xfrm>
+      </p:grpSpPr>
+      <p:grpSp>
+        <p:nvGrpSpPr>
+          <p:cNvPr id="8194" name="Group 4"/>
+          <p:cNvGrpSpPr>
+            <a:grpSpLocks/>
+          </p:cNvGrpSpPr>
+          <p:nvPr/>
+        </p:nvGrpSpPr>
+        <p:grpSpPr bwMode="auto">
+          <a:xfrm>
+            <a:off x="755576" y="1988840"/>
+            <a:ext cx="7488832" cy="3961110"/>
+            <a:chOff x="566" y="1473"/>
+            <a:chExt cx="4647" cy="2154"/>
+          </a:xfrm>
+        </p:grpSpPr>
+        <p:sp>
+          <p:nvSpPr>
+            <p:cNvPr id="8197" name="Rectangle 5"/>
+            <p:cNvSpPr>
+              <a:spLocks noChangeArrowheads="1"/>
+            </p:cNvSpPr>
+            <p:nvPr/>
+          </p:nvSpPr>
+          <p:spPr bwMode="auto">
+            <a:xfrm>
+              <a:off x="566" y="1473"/>
+              <a:ext cx="4647" cy="2154"/>
+            </a:xfrm>
+            <a:prstGeom prst="rect">
+              <a:avLst/>
+            </a:prstGeom>
+            <a:solidFill>
+              <a:schemeClr val="bg2"/>
+            </a:solidFill>
+            <a:ln>
+              <a:noFill/>
+            </a:ln>
+            <a:effectLst/>
+            <a:extLst>
+              <a:ext uri="{91240B29-F687-4F45-9708-019B960494DF}">
+                <a14:hiddenLine xmlns:a14="http://schemas.microsoft.com/office/drawing/2010/main" w="9525">
+                  <a:solidFill>
+                    <a:schemeClr val="tx1"/>
+                  </a:solidFill>
+                  <a:miter lim="800000"/>
+                  <a:headEnd/>
+                  <a:tailEnd/>
+                </a14:hiddenLine>
+              </a:ext>
+              <a:ext uri="{AF507438-7753-43E0-B8FC-AC1667EBCBE1}">
+                <a14:hiddenEffects xmlns:a14="http://schemas.microsoft.com/office/drawing/2010/main">
+                  <a:effectLst>
+                    <a:outerShdw dist="35921" dir="2700000" algn="ctr" rotWithShape="0">
+                      <a:schemeClr val="bg2"/>
+                    </a:outerShdw>
+                  </a:effectLst>
+                </a14:hiddenEffects>
+              </a:ext>
+            </a:extLst>
+          </p:spPr>
+          <p:txBody>
+            <a:bodyPr lIns="0" tIns="0" rIns="0" bIns="0" anchor="ctr"/>
+            <a:lstStyle>
+              <a:lvl1pPr>
+                <a:defRPr sz="2000">
+                  <a:solidFill>
+                    <a:schemeClr val="tx1"/>
+                  </a:solidFill>
+                  <a:latin typeface="Arial" charset="0"/>
+                </a:defRPr>
+              </a:lvl1pPr>
+              <a:lvl2pPr marL="742950" indent="-285750">
+                <a:defRPr sz="2000">
+                  <a:solidFill>
+                    <a:schemeClr val="tx1"/>
+                  </a:solidFill>
+                  <a:latin typeface="Arial" charset="0"/>
+                </a:defRPr>
+              </a:lvl2pPr>
+              <a:lvl3pPr marL="1143000" indent="-228600">
+                <a:defRPr sz="2000">
+                  <a:solidFill>
+                    <a:schemeClr val="tx1"/>
+                  </a:solidFill>
+                  <a:latin typeface="Arial" charset="0"/>
+                </a:defRPr>
+              </a:lvl3pPr>
+              <a:lvl4pPr marL="1600200" indent="-228600">
+                <a:defRPr sz="2000">
+                  <a:solidFill>
+                    <a:schemeClr val="tx1"/>
+                  </a:solidFill>
+                  <a:latin typeface="Arial" charset="0"/>
+                </a:defRPr>
+              </a:lvl4pPr>
+              <a:lvl5pPr marL="2057400" indent="-228600">
+                <a:defRPr sz="2000">
+                  <a:solidFill>
+                    <a:schemeClr val="tx1"/>
+                  </a:solidFill>
+                  <a:latin typeface="Arial" charset="0"/>
+                </a:defRPr>
+              </a:lvl5pPr>
+              <a:lvl6pPr marL="2514600" indent="-228600" eaLnBrk="0" fontAlgn="base" hangingPunct="0">
+                <a:spcBef>
+                  <a:spcPct val="0"/>
+                </a:spcBef>
+                <a:spcAft>
+                  <a:spcPct val="0"/>
+                </a:spcAft>
+                <a:defRPr sz="2000">
+                  <a:solidFill>
+                    <a:schemeClr val="tx1"/>
+                  </a:solidFill>
+                  <a:latin typeface="Arial" charset="0"/>
+                </a:defRPr>
+              </a:lvl6pPr>
+              <a:lvl7pPr marL="2971800" indent="-228600" eaLnBrk="0" fontAlgn="base" hangingPunct="0">
+                <a:spcBef>
+                  <a:spcPct val="0"/>
+                </a:spcBef>
+                <a:spcAft>
+                  <a:spcPct val="0"/>
+                </a:spcAft>
+                <a:defRPr sz="2000">
+                  <a:solidFill>
+                    <a:schemeClr val="tx1"/>
+                  </a:solidFill>
+                  <a:latin typeface="Arial" charset="0"/>
+                </a:defRPr>
+              </a:lvl7pPr>
+              <a:lvl8pPr marL="3429000" indent="-228600" eaLnBrk="0" fontAlgn="base" hangingPunct="0">
+                <a:spcBef>
+                  <a:spcPct val="0"/>
+                </a:spcBef>
+                <a:spcAft>
+                  <a:spcPct val="0"/>
+                </a:spcAft>
+                <a:defRPr sz="2000">
+                  <a:solidFill>
+                    <a:schemeClr val="tx1"/>
+                  </a:solidFill>
+                  <a:latin typeface="Arial" charset="0"/>
+                </a:defRPr>
+              </a:lvl8pPr>
+              <a:lvl9pPr marL="3886200" indent="-228600" eaLnBrk="0" fontAlgn="base" hangingPunct="0">
+                <a:spcBef>
+                  <a:spcPct val="0"/>
+                </a:spcBef>
+                <a:spcAft>
+                  <a:spcPct val="0"/>
+                </a:spcAft>
+                <a:defRPr sz="2000">
+                  <a:solidFill>
+                    <a:schemeClr val="tx1"/>
+                  </a:solidFill>
+                  <a:latin typeface="Arial" charset="0"/>
+                </a:defRPr>
+              </a:lvl9pPr>
+            </a:lstStyle>
+            <a:p>
+              <a:pPr algn="ctr"/>
+              <a:endParaRPr lang="de-DE" altLang="de-DE">
+                <a:solidFill>
+                  <a:srgbClr val="000000"/>
+                </a:solidFill>
+              </a:endParaRPr>
+            </a:p>
+          </p:txBody>
+        </p:sp>
+        <p:sp>
+          <p:nvSpPr>
+            <p:cNvPr id="8198" name="Line 6"/>
+            <p:cNvSpPr>
+              <a:spLocks noChangeShapeType="1"/>
+            </p:cNvSpPr>
+            <p:nvPr/>
+          </p:nvSpPr>
+          <p:spPr bwMode="auto">
+            <a:xfrm>
+              <a:off x="566" y="3627"/>
+              <a:ext cx="4647" cy="0"/>
+            </a:xfrm>
+            <a:prstGeom prst="line">
+              <a:avLst/>
+            </a:prstGeom>
+            <a:noFill/>
+            <a:ln w="9525">
+              <a:solidFill>
+                <a:schemeClr val="accent2"/>
+              </a:solidFill>
+              <a:round/>
+              <a:headEnd/>
+              <a:tailEnd/>
+            </a:ln>
+            <a:effectLst/>
+            <a:extLst>
+              <a:ext uri="{909E8E84-426E-40DD-AFC4-6F175D3DCCD1}">
+                <a14:hiddenFill xmlns:a14="http://schemas.microsoft.com/office/drawing/2010/main">
+                  <a:noFill/>
+                </a14:hiddenFill>
+              </a:ext>
+              <a:ext uri="{AF507438-7753-43E0-B8FC-AC1667EBCBE1}">
+                <a14:hiddenEffects xmlns:a14="http://schemas.microsoft.com/office/drawing/2010/main">
+                  <a:effectLst>
+                    <a:outerShdw dist="35921" dir="2700000" algn="ctr" rotWithShape="0">
+                      <a:schemeClr val="bg2"/>
+                    </a:outerShdw>
+                  </a:effectLst>
+                </a14:hiddenEffects>
+              </a:ext>
+            </a:extLst>
+          </p:spPr>
+          <p:txBody>
+            <a:bodyPr wrap="none" lIns="0" tIns="0" rIns="0" bIns="0" anchor="ctr">
+              <a:spAutoFit/>
+            </a:bodyPr>
+            <a:lstStyle/>
+            <a:p>
+              <a:endParaRPr lang="de-DE">
+                <a:solidFill>
+                  <a:srgbClr val="000000"/>
+                </a:solidFill>
+              </a:endParaRPr>
+            </a:p>
+          </p:txBody>
+        </p:sp>
+        <p:sp>
+          <p:nvSpPr>
+            <p:cNvPr id="8199" name="Line 7"/>
+            <p:cNvSpPr>
+              <a:spLocks noChangeShapeType="1"/>
+            </p:cNvSpPr>
+            <p:nvPr/>
+          </p:nvSpPr>
+          <p:spPr bwMode="auto">
+            <a:xfrm>
+              <a:off x="566" y="1473"/>
+              <a:ext cx="4647" cy="0"/>
+            </a:xfrm>
+            <a:prstGeom prst="line">
+              <a:avLst/>
+            </a:prstGeom>
+            <a:noFill/>
+            <a:ln w="19050">
+              <a:solidFill>
+                <a:schemeClr val="accent2"/>
+              </a:solidFill>
+              <a:round/>
+              <a:headEnd/>
+              <a:tailEnd/>
+            </a:ln>
+            <a:effectLst/>
+            <a:extLst>
+              <a:ext uri="{909E8E84-426E-40DD-AFC4-6F175D3DCCD1}">
+                <a14:hiddenFill xmlns:a14="http://schemas.microsoft.com/office/drawing/2010/main">
+                  <a:noFill/>
+                </a14:hiddenFill>
+              </a:ext>
+              <a:ext uri="{AF507438-7753-43E0-B8FC-AC1667EBCBE1}">
+                <a14:hiddenEffects xmlns:a14="http://schemas.microsoft.com/office/drawing/2010/main">
+                  <a:effectLst>
+                    <a:outerShdw dist="35921" dir="2700000" algn="ctr" rotWithShape="0">
+                      <a:schemeClr val="bg2"/>
+                    </a:outerShdw>
+                  </a:effectLst>
+                </a14:hiddenEffects>
+              </a:ext>
+            </a:extLst>
+          </p:spPr>
+          <p:txBody>
+            <a:bodyPr wrap="none" lIns="0" tIns="0" rIns="0" bIns="0" anchor="ctr">
+              <a:spAutoFit/>
+            </a:bodyPr>
+            <a:lstStyle/>
+            <a:p>
+              <a:endParaRPr lang="de-DE">
+                <a:solidFill>
+                  <a:srgbClr val="000000"/>
+                </a:solidFill>
+              </a:endParaRPr>
+            </a:p>
+          </p:txBody>
+        </p:sp>
+      </p:grpSp>
+      <p:sp>
+        <p:nvSpPr>
+          <p:cNvPr id="8195" name="Rectangle 2"/>
+          <p:cNvSpPr>
+            <a:spLocks noGrp="1" noChangeArrowheads="1"/>
+          </p:cNvSpPr>
+          <p:nvPr>
+            <p:ph type="title"/>
+          </p:nvPr>
+        </p:nvSpPr>
+        <p:spPr>
+          <a:xfrm>
+            <a:off x="755576" y="548680"/>
+            <a:ext cx="7632848" cy="503833"/>
+          </a:xfrm>
+          <a:noFill/>
+        </p:spPr>
+        <p:txBody>
+          <a:bodyPr/>
+          <a:lstStyle/>
+          <a:p>
+            <a:r>
+              <a:rPr lang="de-DE" altLang="de-DE" dirty="0" err="1" smtClean="0"/>
+              <a:t>Wanna</a:t>
+            </a:r>
+            <a:r>
+              <a:rPr lang="de-DE" altLang="de-DE" dirty="0" smtClean="0"/>
+              <a:t> </a:t>
+            </a:r>
+            <a:r>
+              <a:rPr lang="de-DE" altLang="de-DE" dirty="0" err="1" smtClean="0"/>
+              <a:t>try</a:t>
+            </a:r>
+            <a:r>
+              <a:rPr lang="de-DE" altLang="de-DE" dirty="0" smtClean="0"/>
+              <a:t> </a:t>
+            </a:r>
+            <a:r>
+              <a:rPr lang="de-DE" altLang="de-DE" dirty="0" err="1" smtClean="0"/>
+              <a:t>it</a:t>
+            </a:r>
+            <a:r>
+              <a:rPr lang="de-DE" altLang="de-DE" dirty="0" smtClean="0"/>
+              <a:t>?</a:t>
+            </a:r>
+          </a:p>
+        </p:txBody>
+      </p:sp>
+      <p:sp>
+        <p:nvSpPr>
+          <p:cNvPr id="8196" name="Rectangle 3"/>
+          <p:cNvSpPr>
+            <a:spLocks noGrp="1" noChangeArrowheads="1"/>
+          </p:cNvSpPr>
+          <p:nvPr>
+            <p:ph type="body" idx="1"/>
+          </p:nvPr>
+        </p:nvSpPr>
+        <p:spPr>
+          <a:xfrm>
+            <a:off x="837133" y="2060849"/>
+            <a:ext cx="7407275" cy="3888431"/>
+          </a:xfrm>
+          <a:noFill/>
+        </p:spPr>
+        <p:txBody>
+          <a:bodyPr/>
+          <a:lstStyle/>
+          <a:p>
+            <a:pPr marL="342900" lvl="1" indent="-342900"/>
+            <a:r>
+              <a:rPr lang="de-DE" altLang="de-DE" sz="2400" dirty="0" err="1" smtClean="0">
+                <a:sym typeface="Wingdings" panose="05000000000000000000" pitchFamily="2" charset="2"/>
+              </a:rPr>
+              <a:t>Xinfo</a:t>
+            </a:r>
+            <a:r>
+              <a:rPr lang="de-DE" altLang="de-DE" sz="2400" dirty="0" smtClean="0">
+                <a:sym typeface="Wingdings" panose="05000000000000000000" pitchFamily="2" charset="2"/>
+              </a:rPr>
+              <a:t> </a:t>
+            </a:r>
+            <a:r>
+              <a:rPr lang="de-DE" altLang="de-DE" sz="2400" dirty="0" err="1" smtClean="0">
+                <a:sym typeface="Wingdings" panose="05000000000000000000" pitchFamily="2" charset="2"/>
+              </a:rPr>
+              <a:t>plugin</a:t>
+            </a:r>
+            <a:r>
+              <a:rPr lang="de-DE" altLang="de-DE" sz="2400" dirty="0" smtClean="0">
+                <a:sym typeface="Wingdings" panose="05000000000000000000" pitchFamily="2" charset="2"/>
+              </a:rPr>
+              <a:t> </a:t>
+            </a:r>
+            <a:r>
+              <a:rPr lang="de-DE" altLang="de-DE" sz="2400" dirty="0" err="1" smtClean="0">
+                <a:sym typeface="Wingdings" panose="05000000000000000000" pitchFamily="2" charset="2"/>
+              </a:rPr>
+              <a:t>source</a:t>
+            </a:r>
+            <a:r>
+              <a:rPr lang="de-DE" altLang="de-DE" sz="2400" dirty="0" smtClean="0">
+                <a:sym typeface="Wingdings" panose="05000000000000000000" pitchFamily="2" charset="2"/>
+              </a:rPr>
+              <a:t> </a:t>
+            </a:r>
+            <a:r>
+              <a:rPr lang="de-DE" altLang="de-DE" sz="2400" dirty="0" err="1" smtClean="0">
+                <a:sym typeface="Wingdings" panose="05000000000000000000" pitchFamily="2" charset="2"/>
+              </a:rPr>
+              <a:t>code</a:t>
+            </a:r>
+            <a:r>
+              <a:rPr lang="de-DE" altLang="de-DE" sz="2400" dirty="0" smtClean="0">
+                <a:sym typeface="Wingdings" panose="05000000000000000000" pitchFamily="2" charset="2"/>
+              </a:rPr>
+              <a:t> </a:t>
+            </a:r>
+            <a:r>
+              <a:rPr lang="de-DE" altLang="de-DE" sz="2400" dirty="0" err="1" smtClean="0">
+                <a:sym typeface="Wingdings" panose="05000000000000000000" pitchFamily="2" charset="2"/>
+              </a:rPr>
+              <a:t>is</a:t>
+            </a:r>
+            <a:r>
+              <a:rPr lang="de-DE" altLang="de-DE" sz="2400" dirty="0" smtClean="0">
+                <a:sym typeface="Wingdings" panose="05000000000000000000" pitchFamily="2" charset="2"/>
+              </a:rPr>
+              <a:t> </a:t>
+            </a:r>
+            <a:r>
+              <a:rPr lang="de-DE" altLang="de-DE" sz="2400" dirty="0" err="1" smtClean="0">
+                <a:sym typeface="Wingdings" panose="05000000000000000000" pitchFamily="2" charset="2"/>
+              </a:rPr>
+              <a:t>published</a:t>
+            </a:r>
+            <a:r>
+              <a:rPr lang="de-DE" altLang="de-DE" sz="2400" dirty="0" smtClean="0">
+                <a:sym typeface="Wingdings" panose="05000000000000000000" pitchFamily="2" charset="2"/>
+              </a:rPr>
+              <a:t> </a:t>
+            </a:r>
+            <a:r>
+              <a:rPr lang="de-DE" altLang="de-DE" sz="2400" dirty="0" err="1" smtClean="0">
+                <a:sym typeface="Wingdings" panose="05000000000000000000" pitchFamily="2" charset="2"/>
+              </a:rPr>
+              <a:t>under</a:t>
+            </a:r>
+            <a:r>
+              <a:rPr lang="de-DE" altLang="de-DE" sz="2400" dirty="0" smtClean="0">
+                <a:sym typeface="Wingdings" panose="05000000000000000000" pitchFamily="2" charset="2"/>
+              </a:rPr>
+              <a:t> Eclipse </a:t>
+            </a:r>
+            <a:r>
+              <a:rPr lang="de-DE" altLang="de-DE" sz="2400" dirty="0">
+                <a:sym typeface="Wingdings" panose="05000000000000000000" pitchFamily="2" charset="2"/>
+              </a:rPr>
+              <a:t>Public </a:t>
+            </a:r>
+            <a:r>
+              <a:rPr lang="de-DE" altLang="de-DE" sz="2400" dirty="0" err="1">
+                <a:sym typeface="Wingdings" panose="05000000000000000000" pitchFamily="2" charset="2"/>
+              </a:rPr>
+              <a:t>License</a:t>
+            </a:r>
+            <a:r>
+              <a:rPr lang="de-DE" altLang="de-DE" sz="2400" dirty="0">
+                <a:sym typeface="Wingdings" panose="05000000000000000000" pitchFamily="2" charset="2"/>
+              </a:rPr>
+              <a:t> (EPL) v. </a:t>
+            </a:r>
+            <a:r>
+              <a:rPr lang="de-DE" altLang="de-DE" sz="2400" smtClean="0">
+                <a:sym typeface="Wingdings" panose="05000000000000000000" pitchFamily="2" charset="2"/>
+              </a:rPr>
+              <a:t>2.0</a:t>
+            </a:r>
+            <a:endParaRPr lang="de-DE" altLang="de-DE" sz="2400" dirty="0">
+              <a:sym typeface="Wingdings" panose="05000000000000000000" pitchFamily="2" charset="2"/>
+            </a:endParaRPr>
+          </a:p>
+          <a:p>
+            <a:pPr marL="342900" lvl="1" indent="-342900"/>
+            <a:r>
+              <a:rPr lang="de-DE" altLang="de-DE" sz="2400" dirty="0" err="1">
+                <a:sym typeface="Wingdings" panose="05000000000000000000" pitchFamily="2" charset="2"/>
+              </a:rPr>
+              <a:t>Clone</a:t>
+            </a:r>
+            <a:r>
+              <a:rPr lang="de-DE" altLang="de-DE" sz="2400" dirty="0">
+                <a:sym typeface="Wingdings" panose="05000000000000000000" pitchFamily="2" charset="2"/>
+              </a:rPr>
+              <a:t>-URL on last </a:t>
+            </a:r>
+            <a:r>
+              <a:rPr lang="de-DE" altLang="de-DE" sz="2400" dirty="0" err="1">
+                <a:sym typeface="Wingdings" panose="05000000000000000000" pitchFamily="2" charset="2"/>
+              </a:rPr>
+              <a:t>slide</a:t>
+            </a:r>
+            <a:endParaRPr lang="de-DE" altLang="de-DE" sz="2400" dirty="0">
+              <a:sym typeface="Wingdings" panose="05000000000000000000" pitchFamily="2" charset="2"/>
+            </a:endParaRPr>
+          </a:p>
+          <a:p>
+            <a:pPr marL="342900" lvl="1" indent="-342900"/>
+            <a:r>
+              <a:rPr lang="de-DE" altLang="de-DE" sz="2400" dirty="0">
+                <a:sym typeface="Wingdings" panose="05000000000000000000" pitchFamily="2" charset="2"/>
+              </a:rPr>
+              <a:t>Every </a:t>
+            </a:r>
+            <a:r>
+              <a:rPr lang="de-DE" altLang="de-DE" sz="2400" dirty="0" err="1">
+                <a:sym typeface="Wingdings" panose="05000000000000000000" pitchFamily="2" charset="2"/>
+              </a:rPr>
+              <a:t>comment</a:t>
+            </a:r>
+            <a:r>
+              <a:rPr lang="de-DE" altLang="de-DE" sz="2400" dirty="0">
+                <a:sym typeface="Wingdings" panose="05000000000000000000" pitchFamily="2" charset="2"/>
+              </a:rPr>
+              <a:t> </a:t>
+            </a:r>
+            <a:r>
+              <a:rPr lang="de-DE" altLang="de-DE" sz="2400" dirty="0" err="1">
+                <a:sym typeface="Wingdings" panose="05000000000000000000" pitchFamily="2" charset="2"/>
+              </a:rPr>
+              <a:t>is</a:t>
+            </a:r>
+            <a:r>
+              <a:rPr lang="de-DE" altLang="de-DE" sz="2400" dirty="0">
+                <a:sym typeface="Wingdings" panose="05000000000000000000" pitchFamily="2" charset="2"/>
+              </a:rPr>
+              <a:t> </a:t>
+            </a:r>
+            <a:r>
+              <a:rPr lang="de-DE" altLang="de-DE" sz="2400" dirty="0" err="1">
+                <a:sym typeface="Wingdings" panose="05000000000000000000" pitchFamily="2" charset="2"/>
+              </a:rPr>
+              <a:t>honestly</a:t>
+            </a:r>
+            <a:r>
+              <a:rPr lang="de-DE" altLang="de-DE" sz="2400" dirty="0">
+                <a:sym typeface="Wingdings" panose="05000000000000000000" pitchFamily="2" charset="2"/>
+              </a:rPr>
+              <a:t> </a:t>
+            </a:r>
+            <a:r>
+              <a:rPr lang="de-DE" altLang="de-DE" sz="2400" dirty="0" err="1">
+                <a:sym typeface="Wingdings" panose="05000000000000000000" pitchFamily="2" charset="2"/>
+              </a:rPr>
+              <a:t>appreciated</a:t>
+            </a:r>
+            <a:endParaRPr lang="de-DE" altLang="de-DE" sz="2400" dirty="0">
+              <a:sym typeface="Wingdings" panose="05000000000000000000" pitchFamily="2" charset="2"/>
+            </a:endParaRPr>
+          </a:p>
+        </p:txBody>
+      </p:sp>
+      <p:sp>
+        <p:nvSpPr>
+          <p:cNvPr id="8" name="Rectangle 2"/>
+          <p:cNvSpPr txBox="1">
+            <a:spLocks noChangeArrowheads="1"/>
+          </p:cNvSpPr>
+          <p:nvPr/>
+        </p:nvSpPr>
+        <p:spPr bwMode="auto">
+          <a:xfrm>
+            <a:off x="755576" y="1196976"/>
+            <a:ext cx="7561337" cy="575840"/>
+          </a:xfrm>
+          <a:prstGeom prst="rect">
+            <a:avLst/>
+          </a:prstGeom>
+          <a:noFill/>
+          <a:ln>
+            <a:noFill/>
+          </a:ln>
+          <a:effectLst/>
+          <a:extLst>
+            <a:ext uri="{909E8E84-426E-40DD-AFC4-6F175D3DCCD1}">
+              <a14:hiddenFill xmlns:a14="http://schemas.microsoft.com/office/drawing/2010/main">
+                <a:solidFill>
+                  <a:schemeClr val="bg2"/>
+                </a:solidFill>
+              </a14:hiddenFill>
+            </a:ext>
+            <a:ext uri="{91240B29-F687-4F45-9708-019B960494DF}">
+              <a14:hiddenLine xmlns:a14="http://schemas.microsoft.com/office/drawing/2010/main" w="9525">
+                <a:solidFill>
+                  <a:schemeClr val="tx1"/>
+                </a:solidFill>
+                <a:miter lim="800000"/>
+                <a:headEnd/>
+                <a:tailEnd/>
+              </a14:hiddenLine>
+            </a:ext>
+            <a:ext uri="{AF507438-7753-43E0-B8FC-AC1667EBCBE1}">
+              <a14:hiddenEffects xmlns:a14="http://schemas.microsoft.com/office/drawing/2010/main">
+                <a:effectLst>
+                  <a:outerShdw dist="35921" dir="2700000" algn="ctr" rotWithShape="0">
+                    <a:schemeClr val="bg2"/>
+                  </a:outerShdw>
+                </a:effectLst>
+              </a14:hiddenEffects>
+            </a:ext>
+          </a:extLst>
+        </p:spPr>
+        <p:txBody>
+          <a:bodyPr vert="horz" wrap="square" lIns="0" tIns="0" rIns="0" bIns="0" numCol="1" anchor="t" anchorCtr="0" compatLnSpc="1">
+            <a:prstTxWarp prst="textNoShape">
+              <a:avLst/>
+            </a:prstTxWarp>
+          </a:bodyPr>
+          <a:lstStyle>
+            <a:lvl1pPr algn="l" rtl="0" eaLnBrk="0" fontAlgn="base" hangingPunct="0">
+              <a:spcBef>
+                <a:spcPct val="0"/>
+              </a:spcBef>
+              <a:spcAft>
+                <a:spcPct val="0"/>
+              </a:spcAft>
+              <a:defRPr sz="3000" b="1">
+                <a:solidFill>
+                  <a:schemeClr val="accent2"/>
+                </a:solidFill>
+                <a:latin typeface="+mj-lt"/>
+                <a:ea typeface="+mj-ea"/>
+                <a:cs typeface="+mj-cs"/>
+              </a:defRPr>
+            </a:lvl1pPr>
+            <a:lvl2pPr algn="l" rtl="0" eaLnBrk="0" fontAlgn="base" hangingPunct="0">
+              <a:spcBef>
+                <a:spcPct val="0"/>
+              </a:spcBef>
+              <a:spcAft>
+                <a:spcPct val="0"/>
+              </a:spcAft>
+              <a:defRPr sz="3000" b="1">
+                <a:solidFill>
+                  <a:schemeClr val="accent2"/>
+                </a:solidFill>
+                <a:latin typeface="Arial" charset="0"/>
+              </a:defRPr>
+            </a:lvl2pPr>
+            <a:lvl3pPr algn="l" rtl="0" eaLnBrk="0" fontAlgn="base" hangingPunct="0">
+              <a:spcBef>
+                <a:spcPct val="0"/>
+              </a:spcBef>
+              <a:spcAft>
+                <a:spcPct val="0"/>
+              </a:spcAft>
+              <a:defRPr sz="3000" b="1">
+                <a:solidFill>
+                  <a:schemeClr val="accent2"/>
+                </a:solidFill>
+                <a:latin typeface="Arial" charset="0"/>
+              </a:defRPr>
+            </a:lvl3pPr>
+            <a:lvl4pPr algn="l" rtl="0" eaLnBrk="0" fontAlgn="base" hangingPunct="0">
+              <a:spcBef>
+                <a:spcPct val="0"/>
+              </a:spcBef>
+              <a:spcAft>
+                <a:spcPct val="0"/>
+              </a:spcAft>
+              <a:defRPr sz="3000" b="1">
+                <a:solidFill>
+                  <a:schemeClr val="accent2"/>
+                </a:solidFill>
+                <a:latin typeface="Arial" charset="0"/>
+              </a:defRPr>
+            </a:lvl4pPr>
+            <a:lvl5pPr algn="l" rtl="0" eaLnBrk="0" fontAlgn="base" hangingPunct="0">
+              <a:spcBef>
+                <a:spcPct val="0"/>
+              </a:spcBef>
+              <a:spcAft>
+                <a:spcPct val="0"/>
+              </a:spcAft>
+              <a:defRPr sz="3000" b="1">
+                <a:solidFill>
+                  <a:schemeClr val="accent2"/>
+                </a:solidFill>
+                <a:latin typeface="Arial" charset="0"/>
+              </a:defRPr>
+            </a:lvl5pPr>
+            <a:lvl6pPr marL="457200" algn="l" rtl="0" eaLnBrk="0" fontAlgn="base" hangingPunct="0">
+              <a:spcBef>
+                <a:spcPct val="0"/>
+              </a:spcBef>
+              <a:spcAft>
+                <a:spcPct val="0"/>
+              </a:spcAft>
+              <a:defRPr sz="3000" b="1">
+                <a:solidFill>
+                  <a:schemeClr val="accent2"/>
+                </a:solidFill>
+                <a:latin typeface="Arial" charset="0"/>
+              </a:defRPr>
+            </a:lvl6pPr>
+            <a:lvl7pPr marL="914400" algn="l" rtl="0" eaLnBrk="0" fontAlgn="base" hangingPunct="0">
+              <a:spcBef>
+                <a:spcPct val="0"/>
+              </a:spcBef>
+              <a:spcAft>
+                <a:spcPct val="0"/>
+              </a:spcAft>
+              <a:defRPr sz="3000" b="1">
+                <a:solidFill>
+                  <a:schemeClr val="accent2"/>
+                </a:solidFill>
+                <a:latin typeface="Arial" charset="0"/>
+              </a:defRPr>
+            </a:lvl7pPr>
+            <a:lvl8pPr marL="1371600" algn="l" rtl="0" eaLnBrk="0" fontAlgn="base" hangingPunct="0">
+              <a:spcBef>
+                <a:spcPct val="0"/>
+              </a:spcBef>
+              <a:spcAft>
+                <a:spcPct val="0"/>
+              </a:spcAft>
+              <a:defRPr sz="3000" b="1">
+                <a:solidFill>
+                  <a:schemeClr val="accent2"/>
+                </a:solidFill>
+                <a:latin typeface="Arial" charset="0"/>
+              </a:defRPr>
+            </a:lvl8pPr>
+            <a:lvl9pPr marL="1828800" algn="l" rtl="0" eaLnBrk="0" fontAlgn="base" hangingPunct="0">
+              <a:spcBef>
+                <a:spcPct val="0"/>
+              </a:spcBef>
+              <a:spcAft>
+                <a:spcPct val="0"/>
+              </a:spcAft>
+              <a:defRPr sz="3000" b="1">
+                <a:solidFill>
+                  <a:schemeClr val="accent2"/>
+                </a:solidFill>
+                <a:latin typeface="Arial" charset="0"/>
+              </a:defRPr>
+            </a:lvl9pPr>
+          </a:lstStyle>
+          <a:p>
+            <a:pPr indent="-461963"/>
+            <a:r>
+              <a:rPr lang="de-DE" altLang="de-DE" sz="1800" dirty="0" smtClean="0"/>
+              <a:t>The </a:t>
+            </a:r>
+            <a:r>
+              <a:rPr lang="de-DE" altLang="de-DE" sz="1800" dirty="0" err="1" smtClean="0"/>
+              <a:t>Xinfo</a:t>
+            </a:r>
+            <a:r>
+              <a:rPr lang="de-DE" altLang="de-DE" sz="1800" dirty="0" smtClean="0"/>
+              <a:t> </a:t>
+            </a:r>
+            <a:r>
+              <a:rPr lang="de-DE" altLang="de-DE" sz="1800" dirty="0" err="1" smtClean="0"/>
+              <a:t>plugin</a:t>
+            </a:r>
+            <a:r>
+              <a:rPr lang="de-DE" altLang="de-DE" sz="1800" dirty="0" smtClean="0"/>
+              <a:t> </a:t>
+            </a:r>
+            <a:r>
+              <a:rPr lang="de-DE" altLang="de-DE" sz="1800" dirty="0" err="1" smtClean="0"/>
+              <a:t>is</a:t>
+            </a:r>
+            <a:r>
+              <a:rPr lang="de-DE" altLang="de-DE" sz="1800" dirty="0" smtClean="0"/>
+              <a:t> Open Source</a:t>
+            </a:r>
+          </a:p>
+        </p:txBody>
+      </p:sp>
+    </p:spTree>
+    <p:extLst>
+      <p:ext uri="{BB962C8B-B14F-4D97-AF65-F5344CB8AC3E}">
+        <p14:creationId xmlns:p14="http://schemas.microsoft.com/office/powerpoint/2010/main" val="3415391509"/>
+      </p:ext>
+    </p:extLst>
+  </p:cSld>
+  <p:clrMapOvr>
+    <a:masterClrMapping/>
+  </p:clrMapOvr>
+  <mc:AlternateContent xmlns:mc="http://schemas.openxmlformats.org/markup-compatibility/2006" xmlns:p14="http://schemas.microsoft.com/office/powerpoint/2010/main">
+    <mc:Choice Requires="p14">
+      <p:transition p14:dur="0"/>
+    </mc:Choice>
+    <mc:Fallback xmlns="">
+      <p:transition/>
+    </mc:Fallback>
+  </mc:AlternateContent>
+  <p:timing>
+    <p:tnLst>
+      <p:par>
+        <p:cTn id="1" dur="indefinite" restart="never" nodeType="tmRoot"/>
+      </p:par>
+    </p:tnLst>
+  </p:timing>
+</p:sld>
+</file>
+
+<file path=ppt/slides/slide18.xml><?xml version="1.0" encoding="utf-8"?>
+<p:sld xmlns:a="http://schemas.openxmlformats.org/drawingml/2006/main" xmlns:r="http://schemas.openxmlformats.org/officeDocument/2006/relationships" xmlns:p="http://schemas.openxmlformats.org/presentationml/2006/main">
+  <p:cSld>
+    <p:spTree>
+      <p:nvGrpSpPr>
+        <p:cNvPr id="1" name=""/>
+        <p:cNvGrpSpPr/>
+        <p:nvPr/>
+      </p:nvGrpSpPr>
+      <p:grpSpPr>
+        <a:xfrm>
+          <a:off x="0" y="0"/>
+          <a:ext cx="0" cy="0"/>
+          <a:chOff x="0" y="0"/>
+          <a:chExt cx="0" cy="0"/>
+        </a:xfrm>
+      </p:grpSpPr>
+      <p:grpSp>
+        <p:nvGrpSpPr>
+          <p:cNvPr id="8194" name="Group 4"/>
+          <p:cNvGrpSpPr>
+            <a:grpSpLocks/>
+          </p:cNvGrpSpPr>
+          <p:nvPr/>
+        </p:nvGrpSpPr>
+        <p:grpSpPr bwMode="auto">
+          <a:xfrm>
+            <a:off x="755576" y="1988840"/>
+            <a:ext cx="7488832" cy="3961110"/>
+            <a:chOff x="566" y="1473"/>
+            <a:chExt cx="4647" cy="2154"/>
+          </a:xfrm>
+        </p:grpSpPr>
+        <p:sp>
+          <p:nvSpPr>
+            <p:cNvPr id="8197" name="Rectangle 5"/>
+            <p:cNvSpPr>
+              <a:spLocks noChangeArrowheads="1"/>
+            </p:cNvSpPr>
+            <p:nvPr/>
+          </p:nvSpPr>
+          <p:spPr bwMode="auto">
+            <a:xfrm>
+              <a:off x="566" y="1473"/>
+              <a:ext cx="4647" cy="2154"/>
+            </a:xfrm>
+            <a:prstGeom prst="rect">
+              <a:avLst/>
+            </a:prstGeom>
+            <a:solidFill>
+              <a:schemeClr val="bg2"/>
+            </a:solidFill>
+            <a:ln>
+              <a:noFill/>
+            </a:ln>
+            <a:effectLst/>
+            <a:extLst>
+              <a:ext uri="{91240B29-F687-4F45-9708-019B960494DF}">
+                <a14:hiddenLine xmlns:a14="http://schemas.microsoft.com/office/drawing/2010/main" w="9525">
+                  <a:solidFill>
+                    <a:schemeClr val="tx1"/>
+                  </a:solidFill>
+                  <a:miter lim="800000"/>
+                  <a:headEnd/>
+                  <a:tailEnd/>
+                </a14:hiddenLine>
+              </a:ext>
+              <a:ext uri="{AF507438-7753-43E0-B8FC-AC1667EBCBE1}">
+                <a14:hiddenEffects xmlns:a14="http://schemas.microsoft.com/office/drawing/2010/main">
+                  <a:effectLst>
+                    <a:outerShdw dist="35921" dir="2700000" algn="ctr" rotWithShape="0">
+                      <a:schemeClr val="bg2"/>
+                    </a:outerShdw>
+                  </a:effectLst>
+                </a14:hiddenEffects>
+              </a:ext>
+            </a:extLst>
+          </p:spPr>
+          <p:txBody>
+            <a:bodyPr lIns="0" tIns="0" rIns="0" bIns="0" anchor="ctr"/>
+            <a:lstStyle>
+              <a:lvl1pPr>
+                <a:defRPr sz="2000">
+                  <a:solidFill>
+                    <a:schemeClr val="tx1"/>
+                  </a:solidFill>
+                  <a:latin typeface="Arial" charset="0"/>
+                </a:defRPr>
+              </a:lvl1pPr>
+              <a:lvl2pPr marL="742950" indent="-285750">
+                <a:defRPr sz="2000">
+                  <a:solidFill>
+                    <a:schemeClr val="tx1"/>
+                  </a:solidFill>
+                  <a:latin typeface="Arial" charset="0"/>
+                </a:defRPr>
+              </a:lvl2pPr>
+              <a:lvl3pPr marL="1143000" indent="-228600">
+                <a:defRPr sz="2000">
+                  <a:solidFill>
+                    <a:schemeClr val="tx1"/>
+                  </a:solidFill>
+                  <a:latin typeface="Arial" charset="0"/>
+                </a:defRPr>
+              </a:lvl3pPr>
+              <a:lvl4pPr marL="1600200" indent="-228600">
+                <a:defRPr sz="2000">
+                  <a:solidFill>
+                    <a:schemeClr val="tx1"/>
+                  </a:solidFill>
+                  <a:latin typeface="Arial" charset="0"/>
+                </a:defRPr>
+              </a:lvl4pPr>
+              <a:lvl5pPr marL="2057400" indent="-228600">
+                <a:defRPr sz="2000">
+                  <a:solidFill>
+                    <a:schemeClr val="tx1"/>
+                  </a:solidFill>
+                  <a:latin typeface="Arial" charset="0"/>
+                </a:defRPr>
+              </a:lvl5pPr>
+              <a:lvl6pPr marL="2514600" indent="-228600" eaLnBrk="0" fontAlgn="base" hangingPunct="0">
+                <a:spcBef>
+                  <a:spcPct val="0"/>
+                </a:spcBef>
+                <a:spcAft>
+                  <a:spcPct val="0"/>
+                </a:spcAft>
+                <a:defRPr sz="2000">
+                  <a:solidFill>
+                    <a:schemeClr val="tx1"/>
+                  </a:solidFill>
+                  <a:latin typeface="Arial" charset="0"/>
+                </a:defRPr>
+              </a:lvl6pPr>
+              <a:lvl7pPr marL="2971800" indent="-228600" eaLnBrk="0" fontAlgn="base" hangingPunct="0">
+                <a:spcBef>
+                  <a:spcPct val="0"/>
+                </a:spcBef>
+                <a:spcAft>
+                  <a:spcPct val="0"/>
+                </a:spcAft>
+                <a:defRPr sz="2000">
+                  <a:solidFill>
+                    <a:schemeClr val="tx1"/>
+                  </a:solidFill>
+                  <a:latin typeface="Arial" charset="0"/>
+                </a:defRPr>
+              </a:lvl7pPr>
+              <a:lvl8pPr marL="3429000" indent="-228600" eaLnBrk="0" fontAlgn="base" hangingPunct="0">
+                <a:spcBef>
+                  <a:spcPct val="0"/>
+                </a:spcBef>
+                <a:spcAft>
+                  <a:spcPct val="0"/>
+                </a:spcAft>
+                <a:defRPr sz="2000">
+                  <a:solidFill>
+                    <a:schemeClr val="tx1"/>
+                  </a:solidFill>
+                  <a:latin typeface="Arial" charset="0"/>
+                </a:defRPr>
+              </a:lvl8pPr>
+              <a:lvl9pPr marL="3886200" indent="-228600" eaLnBrk="0" fontAlgn="base" hangingPunct="0">
+                <a:spcBef>
+                  <a:spcPct val="0"/>
+                </a:spcBef>
+                <a:spcAft>
+                  <a:spcPct val="0"/>
+                </a:spcAft>
+                <a:defRPr sz="2000">
+                  <a:solidFill>
+                    <a:schemeClr val="tx1"/>
+                  </a:solidFill>
+                  <a:latin typeface="Arial" charset="0"/>
+                </a:defRPr>
+              </a:lvl9pPr>
+            </a:lstStyle>
+            <a:p>
+              <a:pPr algn="ctr"/>
+              <a:endParaRPr lang="de-DE" altLang="de-DE">
+                <a:solidFill>
+                  <a:srgbClr val="000000"/>
+                </a:solidFill>
+              </a:endParaRPr>
+            </a:p>
+          </p:txBody>
+        </p:sp>
+        <p:sp>
+          <p:nvSpPr>
+            <p:cNvPr id="8198" name="Line 6"/>
+            <p:cNvSpPr>
+              <a:spLocks noChangeShapeType="1"/>
+            </p:cNvSpPr>
+            <p:nvPr/>
+          </p:nvSpPr>
+          <p:spPr bwMode="auto">
+            <a:xfrm>
+              <a:off x="566" y="3627"/>
+              <a:ext cx="4647" cy="0"/>
+            </a:xfrm>
+            <a:prstGeom prst="line">
+              <a:avLst/>
+            </a:prstGeom>
+            <a:noFill/>
+            <a:ln w="9525">
+              <a:solidFill>
+                <a:schemeClr val="accent2"/>
+              </a:solidFill>
+              <a:round/>
+              <a:headEnd/>
+              <a:tailEnd/>
+            </a:ln>
+            <a:effectLst/>
+            <a:extLst>
+              <a:ext uri="{909E8E84-426E-40DD-AFC4-6F175D3DCCD1}">
+                <a14:hiddenFill xmlns:a14="http://schemas.microsoft.com/office/drawing/2010/main">
+                  <a:noFill/>
+                </a14:hiddenFill>
+              </a:ext>
+              <a:ext uri="{AF507438-7753-43E0-B8FC-AC1667EBCBE1}">
+                <a14:hiddenEffects xmlns:a14="http://schemas.microsoft.com/office/drawing/2010/main">
+                  <a:effectLst>
+                    <a:outerShdw dist="35921" dir="2700000" algn="ctr" rotWithShape="0">
+                      <a:schemeClr val="bg2"/>
+                    </a:outerShdw>
+                  </a:effectLst>
+                </a14:hiddenEffects>
+              </a:ext>
+            </a:extLst>
+          </p:spPr>
+          <p:txBody>
+            <a:bodyPr wrap="none" lIns="0" tIns="0" rIns="0" bIns="0" anchor="ctr">
+              <a:spAutoFit/>
+            </a:bodyPr>
+            <a:lstStyle/>
+            <a:p>
+              <a:endParaRPr lang="de-DE">
+                <a:solidFill>
+                  <a:srgbClr val="000000"/>
+                </a:solidFill>
+              </a:endParaRPr>
+            </a:p>
+          </p:txBody>
+        </p:sp>
+        <p:sp>
+          <p:nvSpPr>
+            <p:cNvPr id="8199" name="Line 7"/>
+            <p:cNvSpPr>
+              <a:spLocks noChangeShapeType="1"/>
+            </p:cNvSpPr>
+            <p:nvPr/>
+          </p:nvSpPr>
+          <p:spPr bwMode="auto">
+            <a:xfrm>
+              <a:off x="566" y="1473"/>
+              <a:ext cx="4647" cy="0"/>
+            </a:xfrm>
+            <a:prstGeom prst="line">
+              <a:avLst/>
+            </a:prstGeom>
+            <a:noFill/>
+            <a:ln w="19050">
+              <a:solidFill>
+                <a:schemeClr val="accent2"/>
+              </a:solidFill>
+              <a:round/>
+              <a:headEnd/>
+              <a:tailEnd/>
+            </a:ln>
+            <a:effectLst/>
+            <a:extLst>
+              <a:ext uri="{909E8E84-426E-40DD-AFC4-6F175D3DCCD1}">
+                <a14:hiddenFill xmlns:a14="http://schemas.microsoft.com/office/drawing/2010/main">
+                  <a:noFill/>
+                </a14:hiddenFill>
+              </a:ext>
+              <a:ext uri="{AF507438-7753-43E0-B8FC-AC1667EBCBE1}">
+                <a14:hiddenEffects xmlns:a14="http://schemas.microsoft.com/office/drawing/2010/main">
+                  <a:effectLst>
+                    <a:outerShdw dist="35921" dir="2700000" algn="ctr" rotWithShape="0">
+                      <a:schemeClr val="bg2"/>
+                    </a:outerShdw>
+                  </a:effectLst>
+                </a14:hiddenEffects>
+              </a:ext>
+            </a:extLst>
+          </p:spPr>
+          <p:txBody>
+            <a:bodyPr wrap="none" lIns="0" tIns="0" rIns="0" bIns="0" anchor="ctr">
+              <a:spAutoFit/>
+            </a:bodyPr>
+            <a:lstStyle/>
+            <a:p>
+              <a:endParaRPr lang="de-DE">
+                <a:solidFill>
+                  <a:srgbClr val="000000"/>
+                </a:solidFill>
+              </a:endParaRPr>
+            </a:p>
+          </p:txBody>
+        </p:sp>
+      </p:grpSp>
+      <p:sp>
+        <p:nvSpPr>
+          <p:cNvPr id="8195" name="Rectangle 2"/>
+          <p:cNvSpPr>
+            <a:spLocks noGrp="1" noChangeArrowheads="1"/>
+          </p:cNvSpPr>
+          <p:nvPr>
+            <p:ph type="title"/>
+          </p:nvPr>
+        </p:nvSpPr>
+        <p:spPr>
+          <a:xfrm>
+            <a:off x="755576" y="548680"/>
             <a:ext cx="7632848" cy="503833"/>
           </a:xfrm>
           <a:noFill/>
@@ -11543,10 +12923,22 @@
               <a:t> </a:t>
             </a:r>
             <a:r>
+              <a:rPr lang="de-DE" altLang="de-DE" sz="2400" dirty="0" err="1" smtClean="0">
+                <a:sym typeface="Wingdings" panose="05000000000000000000" pitchFamily="2" charset="2"/>
+              </a:rPr>
+              <a:t>instance</a:t>
+            </a:r>
+            <a:r>
+              <a:rPr lang="de-DE" altLang="de-DE" sz="2400" dirty="0" smtClean="0">
+                <a:sym typeface="Wingdings" panose="05000000000000000000" pitchFamily="2" charset="2"/>
+              </a:rPr>
+              <a:t> </a:t>
+            </a:r>
+            <a:r>
               <a:rPr lang="de-DE" altLang="de-DE" sz="2400" dirty="0" err="1">
                 <a:sym typeface="Wingdings" panose="05000000000000000000" pitchFamily="2" charset="2"/>
               </a:rPr>
-              <a:t>example</a:t>
+              <a:t>refactor</a:t>
             </a:r>
             <a:r>
               <a:rPr lang="de-DE" altLang="de-DE" sz="2400" dirty="0">
@@ -11558,7 +12950,7 @@
               <a:rPr lang="de-DE" altLang="de-DE" sz="2400" dirty="0" err="1">
                 <a:sym typeface="Wingdings" panose="05000000000000000000" pitchFamily="2" charset="2"/>
               </a:rPr>
-              <a:t>refactor</a:t>
+              <a:t>programs</a:t>
             </a:r>
             <a:r>
               <a:rPr lang="de-DE" altLang="de-DE" sz="2400" dirty="0">
@@ -11570,7 +12962,7 @@
               <a:rPr lang="de-DE" altLang="de-DE" sz="2400" dirty="0" err="1">
                 <a:sym typeface="Wingdings" panose="05000000000000000000" pitchFamily="2" charset="2"/>
               </a:rPr>
-              <a:t>programs</a:t>
+              <a:t>with</a:t>
             </a:r>
             <a:r>
               <a:rPr lang="de-DE" altLang="de-DE" sz="2400" dirty="0">
@@ -11582,7 +12974,7 @@
               <a:rPr lang="de-DE" altLang="de-DE" sz="2400" dirty="0" err="1">
                 <a:sym typeface="Wingdings" panose="05000000000000000000" pitchFamily="2" charset="2"/>
               </a:rPr>
-              <a:t>with</a:t>
+              <a:t>too</a:t>
             </a:r>
             <a:r>
               <a:rPr lang="de-DE" altLang="de-DE" sz="2400" dirty="0">
@@ -11594,7 +12986,7 @@
               <a:rPr lang="de-DE" altLang="de-DE" sz="2400" dirty="0" err="1">
                 <a:sym typeface="Wingdings" panose="05000000000000000000" pitchFamily="2" charset="2"/>
               </a:rPr>
-              <a:t>too</a:t>
+              <a:t>many</a:t>
             </a:r>
             <a:r>
               <a:rPr lang="de-DE" altLang="de-DE" sz="2400" dirty="0">
@@ -11603,17 +12995,26 @@
               <a:t> </a:t>
             </a:r>
             <a:r>
-              <a:rPr lang="de-DE" altLang="de-DE" sz="2400" dirty="0" err="1">
+              <a:rPr lang="de-DE" altLang="de-DE" sz="2400" dirty="0" smtClean="0">
                 <a:sym typeface="Wingdings" panose="05000000000000000000" pitchFamily="2" charset="2"/>
               </a:rPr>
-              <a:t>many</a:t>
-            </a:r>
-            <a:r>
-              <a:rPr lang="de-DE" altLang="de-DE" sz="2400" dirty="0">
+              <a:t>INCLUDEs / </a:t>
+            </a:r>
+            <a:r>
+              <a:rPr lang="de-DE" altLang="de-DE" sz="2400" dirty="0" err="1" smtClean="0">
                 <a:sym typeface="Wingdings" panose="05000000000000000000" pitchFamily="2" charset="2"/>
               </a:rPr>
-              <a:t> INCLUDEs)</a:t>
-            </a:r>
+              <a:t>copybooks</a:t>
+            </a:r>
+            <a:r>
+              <a:rPr lang="de-DE" altLang="de-DE" sz="2400" dirty="0" smtClean="0">
+                <a:sym typeface="Wingdings" panose="05000000000000000000" pitchFamily="2" charset="2"/>
+              </a:rPr>
+              <a:t>)</a:t>
+            </a:r>
+            <a:endParaRPr lang="de-DE" altLang="de-DE" sz="2400" dirty="0">
+              <a:sym typeface="Wingdings" panose="05000000000000000000" pitchFamily="2" charset="2"/>
+            </a:endParaRPr>
           </a:p>
           <a:p>
             <a:pPr marL="338137" lvl="1" indent="-342900"/>
@@ -12007,7 +13408,7 @@
 </p:sld>
 </file>
 
-<file path=ppt/slides/slide17.xml><?xml version="1.0" encoding="utf-8"?>
+<file path=ppt/slides/slide19.xml><?xml version="1.0" encoding="utf-8"?>
 <p:sld xmlns:a="http://schemas.openxmlformats.org/drawingml/2006/main" xmlns:r="http://schemas.openxmlformats.org/officeDocument/2006/relationships" xmlns:p="http://schemas.openxmlformats.org/presentationml/2006/main">
   <p:cSld>
     <p:spTree>
@@ -12559,62 +13960,65 @@
             <a:pPr lvl="1"/>
             <a:r>
               <a:rPr lang="en-US" altLang="de-DE" sz="2400" dirty="0" smtClean="0"/>
-              <a:t>Very </a:t>
-            </a:r>
-            <a:r>
-              <a:rPr lang="en-US" altLang="de-DE" sz="2400" dirty="0"/>
-              <a:t>popular in the Open Source Community</a:t>
+              <a:t>700 enterprise customers worldwide + 80.000 other installations</a:t>
             </a:r>
           </a:p>
           <a:p>
             <a:pPr lvl="1"/>
             <a:r>
+              <a:rPr lang="en-US" altLang="de-DE" sz="2400" dirty="0" smtClean="0"/>
+              <a:t>Very </a:t>
+            </a:r>
+            <a:r>
               <a:rPr lang="en-US" altLang="de-DE" sz="2400" dirty="0"/>
-              <a:t>Maintained by </a:t>
-            </a:r>
-            <a:r>
-              <a:rPr lang="en-US" altLang="de-DE" sz="2400" dirty="0" err="1"/>
-              <a:t>SonarSource</a:t>
-            </a:r>
-            <a:r>
-              <a:rPr lang="en-US" altLang="de-DE" sz="2400" dirty="0"/>
-              <a:t>, Geneva, Switzerland</a:t>
+              <a:t>popular in the Open Source Community</a:t>
             </a:r>
           </a:p>
           <a:p>
             <a:pPr lvl="1"/>
             <a:r>
               <a:rPr lang="en-US" altLang="de-DE" sz="2400" dirty="0"/>
-              <a:t>IDE Plugins (</a:t>
-            </a:r>
-            <a:r>
-              <a:rPr lang="en-US" altLang="de-DE" sz="2400" dirty="0" err="1" smtClean="0"/>
-              <a:t>SonarLint</a:t>
+              <a:t>Maintained by </a:t>
+            </a:r>
+            <a:r>
+              <a:rPr lang="en-US" altLang="de-DE" sz="2400" dirty="0" err="1"/>
+              <a:t>SonarSource</a:t>
             </a:r>
             <a:r>
               <a:rPr lang="en-US" altLang="de-DE" sz="2400" dirty="0" smtClean="0"/>
-              <a:t>) for </a:t>
+              <a:t>, </a:t>
             </a:r>
             <a:r>
               <a:rPr lang="en-US" altLang="de-DE" sz="2400" dirty="0"/>
-              <a:t>Eclipse, </a:t>
-            </a:r>
-            <a:r>
-              <a:rPr lang="en-US" altLang="de-DE" sz="2400" dirty="0" smtClean="0"/>
-              <a:t>IntelliJ and </a:t>
-            </a:r>
-            <a:r>
-              <a:rPr lang="en-US" altLang="de-DE" sz="2400" dirty="0" err="1" smtClean="0"/>
-              <a:t>Netbeans</a:t>
-            </a:r>
-            <a:r>
-              <a:rPr lang="en-US" altLang="de-DE" sz="2400" dirty="0" smtClean="0"/>
-              <a:t> for instant feedback </a:t>
+              <a:t>Switzerland</a:t>
             </a:r>
           </a:p>
           <a:p>
             <a:pPr lvl="1"/>
             <a:r>
+              <a:rPr lang="en-US" altLang="de-DE" sz="2400" dirty="0"/>
+              <a:t>IDE Plugins (</a:t>
+            </a:r>
+            <a:r>
+              <a:rPr lang="en-US" altLang="de-DE" sz="2400" dirty="0" err="1" smtClean="0"/>
+              <a:t>SonarLint</a:t>
+            </a:r>
+            <a:r>
+              <a:rPr lang="en-US" altLang="de-DE" sz="2400" dirty="0" smtClean="0"/>
+              <a:t>) for </a:t>
+            </a:r>
+            <a:r>
+              <a:rPr lang="en-US" altLang="de-DE" sz="2400" dirty="0"/>
+              <a:t>Eclipse, </a:t>
+            </a:r>
+            <a:r>
+              <a:rPr lang="en-US" altLang="de-DE" sz="2400" dirty="0" smtClean="0"/>
+              <a:t>IntelliJ and Microsoft Visual Studio for instant feedback </a:t>
+            </a:r>
+          </a:p>
+          <a:p>
+            <a:pPr lvl="1"/>
+            <a:r>
               <a:rPr lang="en-US" altLang="de-DE" sz="2400" dirty="0" smtClean="0"/>
               <a:t>Batch-scans </a:t>
             </a:r>
@@ -12623,12 +14027,16 @@
               <a:t>are often integrated as ant, Maven or </a:t>
             </a:r>
             <a:r>
-              <a:rPr lang="en-US" altLang="de-DE" sz="2400" dirty="0" err="1"/>
-              <a:t>Gradle</a:t>
+              <a:rPr lang="en-US" altLang="de-DE" sz="2400" dirty="0" err="1" smtClean="0"/>
+              <a:t>MSBuild</a:t>
+            </a:r>
+            <a:r>
+              <a:rPr lang="en-US" altLang="de-DE" sz="2400" dirty="0" smtClean="0"/>
+              <a:t> </a:t>
             </a:r>
             <a:r>
               <a:rPr lang="en-US" altLang="de-DE" sz="2400" dirty="0"/>
-              <a:t> Tasks and run by a build server like </a:t>
+              <a:t>Tasks and run by a build server like </a:t>
             </a:r>
             <a:r>
               <a:rPr lang="en-US" altLang="de-DE" sz="2400" dirty="0" smtClean="0"/>
@@ -12844,19 +14252,19 @@
             </a:r>
             <a:r>
               <a:rPr lang="en-US" altLang="de-DE" sz="1800" dirty="0"/>
-              <a:t>for continuous Code </a:t>
-            </a:r>
-            <a:r>
-              <a:rPr lang="en-US" altLang="de-DE" sz="1800" dirty="0" err="1"/>
-              <a:t>Qualtity</a:t>
+              <a:t>for </a:t>
+            </a:r>
+            <a:r>
+              <a:rPr lang="en-US" altLang="de-DE" sz="1800" dirty="0" smtClean="0"/>
+              <a:t>Continuous </a:t>
             </a:r>
             <a:r>
               <a:rPr lang="en-US" altLang="de-DE" sz="1800" dirty="0"/>
-              <a:t> </a:t>
+              <a:t>Code </a:t>
             </a:r>
             <a:r>
               <a:rPr lang="en-US" altLang="de-DE" sz="1800" dirty="0" smtClean="0"/>
-              <a:t>Inspection</a:t>
+              <a:t>Quality Inspection</a:t>
             </a:r>
             <a:endParaRPr lang="de-DE" altLang="de-DE" sz="1800" kern="0" dirty="0" smtClean="0">
               <a:solidFill>
@@ -12955,7 +14363,7 @@
         <p:spPr bwMode="auto">
           <a:xfrm>
             <a:off x="755576" y="1196976"/>
-            <a:ext cx="7561337" cy="575840"/>
+            <a:ext cx="7561337" cy="863872"/>
           </a:xfrm>
           <a:prstGeom prst="rect">
             <a:avLst/>
@@ -13142,7 +14550,7 @@
             </a:r>
             <a:r>
               <a:rPr lang="en-US" altLang="de-DE" sz="1800" dirty="0" smtClean="0"/>
-              <a:t> from the SCM and feeds its results to the </a:t>
+              <a:t> from the SCM, analyzes them with language-specific scanners and feeds the results to the </a:t>
             </a:r>
             <a:r>
               <a:rPr lang="en-US" altLang="de-DE" sz="1800" dirty="0" err="1" smtClean="0"/>
@@ -13150,7 +14558,7 @@
             </a:r>
             <a:r>
               <a:rPr lang="en-US" altLang="de-DE" sz="1800" dirty="0" smtClean="0"/>
-              <a:t>-Web-UI</a:t>
+              <a:t>-Web-UI for review</a:t>
             </a:r>
             <a:endParaRPr lang="de-DE" altLang="de-DE" sz="1800" kern="0" dirty="0" smtClean="0">
               <a:solidFill>
@@ -13182,12 +14590,66 @@
         </p:blipFill>
         <p:spPr>
           <a:xfrm>
-            <a:off x="898525" y="1844393"/>
-            <a:ext cx="7407276" cy="4320911"/>
+            <a:off x="1187624" y="2204864"/>
+            <a:ext cx="6789326" cy="3960440"/>
           </a:xfrm>
           <a:prstGeom prst="rect">
             <a:avLst/>
           </a:prstGeom>
+        </p:spPr>
+      </p:pic>
+      <p:pic>
+        <p:nvPicPr>
+          <p:cNvPr id="2050" name="Picture 2"/>
+          <p:cNvPicPr>
+            <a:picLocks noChangeAspect="1" noChangeArrowheads="1"/>
+          </p:cNvPicPr>
+          <p:nvPr/>
+        </p:nvPicPr>
+        <p:blipFill>
+          <a:blip r:embed="rId3">
+            <a:extLst>
+              <a:ext uri="{28A0092B-C50C-407E-A947-70E740481C1C}">
+                <a14:useLocalDpi xmlns:a14="http://schemas.microsoft.com/office/drawing/2010/main" val="0"/>
+              </a:ext>
+            </a:extLst>
+          </a:blip>
+          <a:srcRect/>
+          <a:stretch>
+            <a:fillRect/>
+          </a:stretch>
+        </p:blipFill>
+        <p:spPr bwMode="auto">
+          <a:xfrm>
+            <a:off x="3024188" y="3005138"/>
+            <a:ext cx="3095625" cy="847725"/>
+          </a:xfrm>
+          <a:prstGeom prst="rect">
+            <a:avLst/>
+          </a:prstGeom>
+          <a:noFill/>
+          <a:ln>
+            <a:noFill/>
+          </a:ln>
+          <a:extLst>
+            <a:ext uri="{909E8E84-426E-40DD-AFC4-6F175D3DCCD1}">
+              <a14:hiddenFill xmlns:a14="http://schemas.microsoft.com/office/drawing/2010/main">
+                <a:solidFill>
+                  <a:schemeClr val="accent1"/>
+                </a:solidFill>
+              </a14:hiddenFill>
+            </a:ext>
+            <a:ext uri="{91240B29-F687-4F45-9708-019B960494DF}">
+              <a14:hiddenLine xmlns:a14="http://schemas.microsoft.com/office/drawing/2010/main" w="9525">
+                <a:solidFill>
+                  <a:schemeClr val="tx1"/>
+                </a:solidFill>
+                <a:miter lim="800000"/>
+                <a:headEnd/>
+                <a:tailEnd/>
+              </a14:hiddenLine>
+            </a:ext>
+          </a:extLst>
         </p:spPr>
       </p:pic>
     </p:spTree>
@@ -14040,8 +15502,21 @@
             <a:pPr lvl="2"/>
             <a:r>
               <a:rPr lang="de-DE" altLang="de-DE" sz="2400" dirty="0"/>
-              <a:t>Enterprise Features (Reporting, LDAP-Integration, …)</a:t>
-            </a:r>
+              <a:t>Enterprise Features </a:t>
+            </a:r>
+            <a:r>
+              <a:rPr lang="de-DE" altLang="de-DE" sz="2400" dirty="0" smtClean="0"/>
+              <a:t>(</a:t>
+            </a:r>
+            <a:r>
+              <a:rPr lang="de-DE" altLang="de-DE" sz="2400" dirty="0" err="1" smtClean="0"/>
+              <a:t>Governance</a:t>
+            </a:r>
+            <a:r>
+              <a:rPr lang="de-DE" altLang="de-DE" sz="2400" dirty="0" smtClean="0"/>
+              <a:t>, Reporting, …)</a:t>
+            </a:r>
+            <a:endParaRPr lang="de-DE" altLang="de-DE" sz="2400" dirty="0"/>
           </a:p>
           <a:p>
             <a:pPr lvl="2"/>
@@ -15019,11 +16494,19 @@
             </a:r>
             <a:r>
               <a:rPr lang="de-DE" altLang="de-DE" sz="2400" dirty="0" err="1" smtClean="0"/>
+              <a:t>at</a:t>
+            </a:r>
+            <a:r>
+              <a:rPr lang="de-DE" altLang="de-DE" sz="2400" dirty="0" smtClean="0"/>
+              <a:t> least </a:t>
+            </a:r>
+            <a:r>
+              <a:rPr lang="de-DE" altLang="de-DE" sz="2400" dirty="0" err="1" smtClean="0"/>
               <a:t>SonarQube</a:t>
             </a:r>
             <a:r>
               <a:rPr lang="de-DE" altLang="de-DE" sz="2400" dirty="0" smtClean="0"/>
-              <a:t> Enterprise + PLI/ </a:t>
+              <a:t> Professional + PL/I </a:t>
             </a:r>
             <a:r>
               <a:rPr lang="de-DE" altLang="de-DE" sz="2400" dirty="0" err="1" smtClean="0"/>
@@ -15031,7 +16514,7 @@
             </a:r>
             <a:r>
               <a:rPr lang="de-DE" altLang="de-DE" sz="2400" dirty="0" smtClean="0"/>
-              <a:t>. =&gt; 59.500 € / </a:t>
+              <a:t>. =&gt; 21.000 € / </a:t>
             </a:r>
             <a:r>
               <a:rPr lang="de-DE" altLang="de-DE" sz="2400" dirty="0" err="1" smtClean="0"/>
@@ -15042,12 +16525,79 @@
           <a:p>
             <a:pPr lvl="1"/>
             <a:r>
+              <a:rPr lang="de-DE" altLang="de-DE" sz="2400" dirty="0" smtClean="0"/>
+              <a:t>Scanner </a:t>
+            </a:r>
+            <a:r>
+              <a:rPr lang="de-DE" altLang="de-DE" sz="2400" dirty="0" err="1" smtClean="0"/>
+              <a:t>is</a:t>
+            </a:r>
+            <a:r>
+              <a:rPr lang="de-DE" altLang="de-DE" sz="2400" dirty="0" smtClean="0"/>
+              <a:t> </a:t>
+            </a:r>
+            <a:r>
+              <a:rPr lang="de-DE" altLang="de-DE" sz="2400" dirty="0" err="1" smtClean="0"/>
+              <a:t>meant</a:t>
+            </a:r>
+            <a:r>
+              <a:rPr lang="de-DE" altLang="de-DE" sz="2400" dirty="0" smtClean="0"/>
+              <a:t> </a:t>
+            </a:r>
+            <a:r>
+              <a:rPr lang="de-DE" altLang="de-DE" sz="2400" dirty="0" err="1" smtClean="0"/>
+              <a:t>for</a:t>
+            </a:r>
+            <a:r>
+              <a:rPr lang="de-DE" altLang="de-DE" sz="2400" dirty="0" smtClean="0"/>
+              <a:t> </a:t>
+            </a:r>
+            <a:r>
+              <a:rPr lang="de-DE" altLang="de-DE" sz="2400" dirty="0" err="1" smtClean="0"/>
+              <a:t>distributed</a:t>
+            </a:r>
+            <a:r>
+              <a:rPr lang="de-DE" altLang="de-DE" sz="2400" dirty="0" smtClean="0"/>
+              <a:t> PL/I, not z/OS</a:t>
+            </a:r>
+          </a:p>
+          <a:p>
+            <a:pPr lvl="1"/>
+            <a:r>
+              <a:rPr lang="de-DE" altLang="de-DE" sz="2400" dirty="0" err="1" smtClean="0"/>
+              <a:t>Plugin</a:t>
+            </a:r>
+            <a:r>
+              <a:rPr lang="de-DE" altLang="de-DE" sz="2400" dirty="0" smtClean="0"/>
+              <a:t> </a:t>
+            </a:r>
+            <a:r>
+              <a:rPr lang="de-DE" altLang="de-DE" sz="2400" dirty="0" err="1" smtClean="0"/>
+              <a:t>offers</a:t>
+            </a:r>
+            <a:r>
+              <a:rPr lang="de-DE" altLang="de-DE" sz="2400" dirty="0" smtClean="0"/>
+              <a:t> </a:t>
+            </a:r>
+            <a:r>
+              <a:rPr lang="de-DE" altLang="de-DE" sz="2400" dirty="0" err="1" smtClean="0"/>
+              <a:t>only</a:t>
+            </a:r>
+            <a:r>
+              <a:rPr lang="de-DE" altLang="de-DE" sz="2400" dirty="0" smtClean="0"/>
+              <a:t> 21 </a:t>
+            </a:r>
+            <a:r>
+              <a:rPr lang="de-DE" altLang="de-DE" sz="2400" dirty="0" err="1"/>
+              <a:t>rules</a:t>
+            </a:r>
+            <a:r>
               <a:rPr lang="de-DE" altLang="de-DE" sz="2400" dirty="0"/>
-              <a:t>Apart </a:t>
+              <a:t> </a:t>
             </a:r>
             <a:r>
               <a:rPr lang="de-DE" altLang="de-DE" sz="2400" dirty="0" err="1"/>
-              <a:t>from</a:t>
+              <a:t>for</a:t>
             </a:r>
             <a:r>
               <a:rPr lang="de-DE" altLang="de-DE" sz="2400" dirty="0"/>
@@ -15059,91 +16609,19 @@
             </a:r>
             <a:r>
               <a:rPr lang="de-DE" altLang="de-DE" sz="2400" dirty="0"/>
-              <a:t> </a:t>
-            </a:r>
-            <a:r>
-              <a:rPr lang="de-DE" altLang="de-DE" sz="2400" dirty="0" err="1"/>
-              <a:t>fact</a:t>
-            </a:r>
-            <a:r>
-              <a:rPr lang="de-DE" altLang="de-DE" sz="2400" dirty="0"/>
-              <a:t> </a:t>
-            </a:r>
-            <a:r>
-              <a:rPr lang="de-DE" altLang="de-DE" sz="2400" dirty="0" err="1"/>
-              <a:t>that</a:t>
-            </a:r>
-            <a:r>
-              <a:rPr lang="de-DE" altLang="de-DE" sz="2400" dirty="0"/>
-              <a:t> </a:t>
-            </a:r>
-            <a:r>
-              <a:rPr lang="de-DE" altLang="de-DE" sz="2400" dirty="0" err="1"/>
-              <a:t>SonarQube</a:t>
-            </a:r>
-            <a:r>
-              <a:rPr lang="de-DE" altLang="de-DE" sz="2400" dirty="0"/>
-              <a:t> </a:t>
-            </a:r>
-            <a:r>
-              <a:rPr lang="de-DE" altLang="de-DE" sz="2400" dirty="0" err="1"/>
-              <a:t>has</a:t>
-            </a:r>
-            <a:r>
-              <a:rPr lang="de-DE" altLang="de-DE" sz="2400" dirty="0"/>
-              <a:t> </a:t>
-            </a:r>
-            <a:r>
-              <a:rPr lang="de-DE" altLang="de-DE" sz="2400" dirty="0" err="1"/>
-              <a:t>only</a:t>
-            </a:r>
-            <a:r>
-              <a:rPr lang="de-DE" altLang="de-DE" sz="2400" dirty="0"/>
-              <a:t> </a:t>
-            </a:r>
+              <a:t> PL/I </a:t>
+            </a:r>
+            <a:r>
+              <a:rPr lang="de-DE" altLang="de-DE" sz="2400" dirty="0" err="1" smtClean="0"/>
+              <a:t>language</a:t>
+            </a:r>
+            <a:endParaRPr lang="de-DE" altLang="de-DE" sz="2400" dirty="0" smtClean="0"/>
+          </a:p>
+          <a:p>
+            <a:pPr lvl="1"/>
             <a:r>
               <a:rPr lang="de-DE" altLang="de-DE" sz="2400" dirty="0" smtClean="0"/>
-              <a:t>21 </a:t>
-            </a:r>
-            <a:r>
-              <a:rPr lang="de-DE" altLang="de-DE" sz="2400" dirty="0" err="1"/>
-              <a:t>rules</a:t>
-            </a:r>
-            <a:r>
-              <a:rPr lang="de-DE" altLang="de-DE" sz="2400" dirty="0"/>
-              <a:t> </a:t>
-            </a:r>
-            <a:r>
-              <a:rPr lang="de-DE" altLang="de-DE" sz="2400" dirty="0" err="1"/>
-              <a:t>for</a:t>
-            </a:r>
-            <a:r>
-              <a:rPr lang="de-DE" altLang="de-DE" sz="2400" dirty="0"/>
-              <a:t> </a:t>
-            </a:r>
-            <a:r>
-              <a:rPr lang="de-DE" altLang="de-DE" sz="2400" dirty="0" err="1"/>
-              <a:t>the</a:t>
-            </a:r>
-            <a:r>
-              <a:rPr lang="de-DE" altLang="de-DE" sz="2400" dirty="0"/>
-              <a:t> PL/I </a:t>
-            </a:r>
-            <a:r>
-              <a:rPr lang="de-DE" altLang="de-DE" sz="2400" dirty="0" err="1"/>
-              <a:t>language</a:t>
-            </a:r>
-            <a:r>
-              <a:rPr lang="de-DE" altLang="de-DE" sz="2400" dirty="0"/>
-              <a:t> </a:t>
-            </a:r>
-            <a:r>
-              <a:rPr lang="de-DE" altLang="de-DE" sz="2400" dirty="0" err="1"/>
-              <a:t>the</a:t>
-            </a:r>
-            <a:r>
-              <a:rPr lang="de-DE" altLang="de-DE" sz="2400" dirty="0"/>
-              <a:t> </a:t>
+              <a:t>The </a:t>
             </a:r>
             <a:r>
               <a:rPr lang="de-DE" altLang="de-DE" sz="2400" dirty="0" err="1"/>
@@ -15151,14 +16629,14 @@
             </a:r>
             <a:r>
               <a:rPr lang="de-DE" altLang="de-DE" sz="2400" dirty="0"/>
-              <a:t> also </a:t>
-            </a:r>
-            <a:r>
-              <a:rPr lang="de-DE" altLang="de-DE" sz="2400" dirty="0" err="1"/>
+              <a:t> </a:t>
+            </a:r>
+            <a:r>
+              <a:rPr lang="de-DE" altLang="de-DE" sz="2400" dirty="0" err="1" smtClean="0"/>
               <a:t>often</a:t>
             </a:r>
             <a:r>
-              <a:rPr lang="de-DE" altLang="de-DE" sz="2400" dirty="0"/>
+              <a:rPr lang="de-DE" altLang="de-DE" sz="2400" dirty="0" smtClean="0"/>
               <a:t> </a:t>
             </a:r>
             <a:r>
@@ -15439,7 +16917,7 @@
             </a:r>
             <a:r>
               <a:rPr lang="en-US" altLang="de-DE" sz="1800" dirty="0" smtClean="0"/>
-              <a:t> PL/I support is somewhat … limited</a:t>
+              <a:t> PL/I support is limited and concentrates on distributed PL/I</a:t>
             </a:r>
             <a:endParaRPr lang="de-DE" altLang="de-DE" sz="1800" kern="0" dirty="0" smtClean="0">
               <a:solidFill>
@@ -15830,7 +17308,7 @@
           <a:bodyPr/>
           <a:lstStyle/>
           <a:p>
-            <a:pPr marL="338137" lvl="1" indent="-342900"/>
+            <a:pPr marL="342900" lvl="1" indent="-342900"/>
             <a:r>
               <a:rPr lang="de-DE" altLang="de-DE" sz="2400" dirty="0"/>
               <a:t>In 1956 </a:t>
@@ -15892,266 +17370,8 @@
               <a:t> formal </a:t>
             </a:r>
             <a:r>
-              <a:rPr lang="de-DE" altLang="de-DE" sz="2400" dirty="0" err="1"/>
+              <a:rPr lang="de-DE" altLang="de-DE" sz="2400" dirty="0" err="1" smtClean="0"/>
               <a:t>languages</a:t>
-            </a:r>
-            <a:endParaRPr lang="de-DE" altLang="de-DE" sz="2400" dirty="0"/>
-          </a:p>
-          <a:p>
-            <a:pPr marL="338137" lvl="1" indent="-342900"/>
-            <a:r>
-              <a:rPr lang="de-DE" altLang="de-DE" sz="2400" dirty="0"/>
-              <a:t>Java, C# etc. </a:t>
-            </a:r>
-            <a:r>
-              <a:rPr lang="de-DE" altLang="de-DE" sz="2400" dirty="0" err="1"/>
-              <a:t>reside</a:t>
-            </a:r>
-            <a:r>
-              <a:rPr lang="de-DE" altLang="de-DE" sz="2400" dirty="0"/>
-              <a:t> on Level-2 („</a:t>
-            </a:r>
-            <a:r>
-              <a:rPr lang="de-DE" altLang="de-DE" sz="2400" dirty="0" err="1"/>
-              <a:t>Context-free</a:t>
-            </a:r>
-            <a:r>
-              <a:rPr lang="de-DE" altLang="de-DE" sz="2400" dirty="0"/>
-              <a:t>“)</a:t>
-            </a:r>
-          </a:p>
-          <a:p>
-            <a:pPr marL="338137" lvl="1" indent="-342900"/>
-            <a:r>
-              <a:rPr lang="de-DE" altLang="de-DE" sz="2400" dirty="0"/>
-              <a:t>This </a:t>
-            </a:r>
-            <a:r>
-              <a:rPr lang="de-DE" altLang="de-DE" sz="2400" dirty="0" err="1"/>
-              <a:t>makes</a:t>
-            </a:r>
-            <a:r>
-              <a:rPr lang="de-DE" altLang="de-DE" sz="2400" dirty="0"/>
-              <a:t> </a:t>
-            </a:r>
-            <a:r>
-              <a:rPr lang="de-DE" altLang="de-DE" sz="2400" dirty="0" err="1"/>
-              <a:t>it</a:t>
-            </a:r>
-            <a:r>
-              <a:rPr lang="de-DE" altLang="de-DE" sz="2400" dirty="0"/>
-              <a:t> </a:t>
-            </a:r>
-            <a:r>
-              <a:rPr lang="de-DE" altLang="de-DE" sz="2400" dirty="0" err="1"/>
-              <a:t>comparatively</a:t>
-            </a:r>
-            <a:r>
-              <a:rPr lang="de-DE" altLang="de-DE" sz="2400" dirty="0"/>
-              <a:t> easy </a:t>
-            </a:r>
-            <a:r>
-              <a:rPr lang="de-DE" altLang="de-DE" sz="2400" dirty="0" err="1"/>
-              <a:t>to</a:t>
-            </a:r>
-            <a:r>
-              <a:rPr lang="de-DE" altLang="de-DE" sz="2400" dirty="0"/>
-              <a:t> </a:t>
-            </a:r>
-            <a:r>
-              <a:rPr lang="de-DE" altLang="de-DE" sz="2400" dirty="0" err="1"/>
-              <a:t>write</a:t>
-            </a:r>
-            <a:r>
-              <a:rPr lang="de-DE" altLang="de-DE" sz="2400" dirty="0"/>
-              <a:t> </a:t>
-            </a:r>
-            <a:r>
-              <a:rPr lang="de-DE" altLang="de-DE" sz="2400" dirty="0" err="1"/>
-              <a:t>scanners</a:t>
-            </a:r>
-            <a:r>
-              <a:rPr lang="de-DE" altLang="de-DE" sz="2400" dirty="0"/>
-              <a:t> </a:t>
-            </a:r>
-            <a:r>
-              <a:rPr lang="de-DE" altLang="de-DE" sz="2400" dirty="0" err="1"/>
-              <a:t>based</a:t>
-            </a:r>
-            <a:r>
-              <a:rPr lang="de-DE" altLang="de-DE" sz="2400" dirty="0"/>
-              <a:t> on </a:t>
-            </a:r>
-            <a:r>
-              <a:rPr lang="de-DE" altLang="de-DE" sz="2400" dirty="0" err="1"/>
-              <a:t>tools</a:t>
-            </a:r>
-            <a:r>
-              <a:rPr lang="de-DE" altLang="de-DE" sz="2400" dirty="0"/>
-              <a:t> </a:t>
-            </a:r>
-            <a:r>
-              <a:rPr lang="de-DE" altLang="de-DE" sz="2400" dirty="0" err="1"/>
-              <a:t>like</a:t>
-            </a:r>
-            <a:r>
-              <a:rPr lang="de-DE" altLang="de-DE" sz="2400" dirty="0"/>
-              <a:t> </a:t>
-            </a:r>
-            <a:r>
-              <a:rPr lang="de-DE" altLang="de-DE" sz="2400" dirty="0" err="1"/>
-              <a:t>lex</a:t>
-            </a:r>
-            <a:r>
-              <a:rPr lang="de-DE" altLang="de-DE" sz="2400" dirty="0"/>
-              <a:t> </a:t>
-            </a:r>
-            <a:r>
-              <a:rPr lang="de-DE" altLang="de-DE" sz="2400" dirty="0" err="1"/>
-              <a:t>and</a:t>
-            </a:r>
-            <a:r>
-              <a:rPr lang="de-DE" altLang="de-DE" sz="2400" dirty="0"/>
-              <a:t> </a:t>
-            </a:r>
-            <a:r>
-              <a:rPr lang="de-DE" altLang="de-DE" sz="2400" dirty="0" err="1"/>
-              <a:t>yacc</a:t>
-            </a:r>
-            <a:endParaRPr lang="de-DE" altLang="de-DE" sz="2400" dirty="0"/>
-          </a:p>
-          <a:p>
-            <a:pPr marL="338137" lvl="1" indent="-342900"/>
-            <a:r>
-              <a:rPr lang="de-DE" altLang="de-DE" sz="2400" dirty="0" err="1"/>
-              <a:t>Fortran</a:t>
-            </a:r>
-            <a:r>
-              <a:rPr lang="de-DE" altLang="de-DE" sz="2400" dirty="0"/>
-              <a:t> </a:t>
-            </a:r>
-            <a:r>
-              <a:rPr lang="de-DE" altLang="de-DE" sz="2400" dirty="0" err="1"/>
-              <a:t>and</a:t>
-            </a:r>
-            <a:r>
-              <a:rPr lang="de-DE" altLang="de-DE" sz="2400" dirty="0"/>
-              <a:t> PL/I </a:t>
-            </a:r>
-            <a:r>
-              <a:rPr lang="de-DE" altLang="de-DE" sz="2400" dirty="0" err="1"/>
-              <a:t>are</a:t>
-            </a:r>
-            <a:r>
-              <a:rPr lang="de-DE" altLang="de-DE" sz="2400" dirty="0"/>
-              <a:t> </a:t>
-            </a:r>
-            <a:r>
-              <a:rPr lang="de-DE" altLang="de-DE" sz="2400" dirty="0" err="1"/>
-              <a:t>known</a:t>
-            </a:r>
-            <a:r>
-              <a:rPr lang="de-DE" altLang="de-DE" sz="2400" dirty="0"/>
-              <a:t> </a:t>
-            </a:r>
-            <a:r>
-              <a:rPr lang="de-DE" altLang="de-DE" sz="2400" dirty="0" err="1"/>
-              <a:t>to</a:t>
-            </a:r>
-            <a:r>
-              <a:rPr lang="de-DE" altLang="de-DE" sz="2400" dirty="0"/>
-              <a:t> </a:t>
-            </a:r>
-            <a:r>
-              <a:rPr lang="de-DE" altLang="de-DE" sz="2400" dirty="0" err="1"/>
-              <a:t>reside</a:t>
-            </a:r>
-            <a:r>
-              <a:rPr lang="de-DE" altLang="de-DE" sz="2400" dirty="0"/>
-              <a:t> on Level-1 („</a:t>
-            </a:r>
-            <a:r>
-              <a:rPr lang="de-DE" altLang="de-DE" sz="2400" dirty="0" err="1"/>
-              <a:t>Context</a:t>
-            </a:r>
-            <a:r>
-              <a:rPr lang="de-DE" altLang="de-DE" sz="2400" dirty="0"/>
-              <a:t>-sensitive“)</a:t>
-            </a:r>
-          </a:p>
-          <a:p>
-            <a:pPr marL="338137" lvl="1" indent="-342900"/>
-            <a:r>
-              <a:rPr lang="de-DE" altLang="de-DE" sz="2400" dirty="0"/>
-              <a:t>This </a:t>
-            </a:r>
-            <a:r>
-              <a:rPr lang="de-DE" altLang="de-DE" sz="2400" dirty="0" err="1"/>
-              <a:t>means</a:t>
-            </a:r>
-            <a:r>
-              <a:rPr lang="de-DE" altLang="de-DE" sz="2400" dirty="0"/>
-              <a:t> </a:t>
-            </a:r>
-            <a:r>
-              <a:rPr lang="de-DE" altLang="de-DE" sz="2400" dirty="0" err="1"/>
-              <a:t>no</a:t>
-            </a:r>
-            <a:r>
-              <a:rPr lang="de-DE" altLang="de-DE" sz="2400" dirty="0"/>
-              <a:t> lex-</a:t>
-            </a:r>
-            <a:r>
-              <a:rPr lang="de-DE" altLang="de-DE" sz="2400" dirty="0" err="1"/>
-              <a:t>based</a:t>
-            </a:r>
-            <a:r>
-              <a:rPr lang="de-DE" altLang="de-DE" sz="2400" dirty="0"/>
-              <a:t> </a:t>
-            </a:r>
-            <a:r>
-              <a:rPr lang="de-DE" altLang="de-DE" sz="2400" dirty="0" err="1"/>
-              <a:t>scanner</a:t>
-            </a:r>
-            <a:r>
-              <a:rPr lang="de-DE" altLang="de-DE" sz="2400" dirty="0"/>
-              <a:t> will </a:t>
-            </a:r>
-            <a:r>
-              <a:rPr lang="de-DE" altLang="de-DE" sz="2400" dirty="0" err="1"/>
-              <a:t>ever</a:t>
-            </a:r>
-            <a:r>
-              <a:rPr lang="de-DE" altLang="de-DE" sz="2400" dirty="0"/>
-              <a:t> </a:t>
-            </a:r>
-            <a:r>
-              <a:rPr lang="de-DE" altLang="de-DE" sz="2400" dirty="0" err="1"/>
-              <a:t>support</a:t>
-            </a:r>
-            <a:r>
-              <a:rPr lang="de-DE" altLang="de-DE" sz="2400" dirty="0"/>
-              <a:t> PL/I in </a:t>
-            </a:r>
-            <a:r>
-              <a:rPr lang="de-DE" altLang="de-DE" sz="2400" dirty="0" err="1"/>
-              <a:t>it‘s</a:t>
-            </a:r>
-            <a:r>
-              <a:rPr lang="de-DE" altLang="de-DE" sz="2400" dirty="0"/>
-              <a:t> </a:t>
-            </a:r>
-            <a:r>
-              <a:rPr lang="de-DE" altLang="de-DE" sz="2400" dirty="0" err="1"/>
-              <a:t>full</a:t>
-            </a:r>
-            <a:r>
-              <a:rPr lang="de-DE" altLang="de-DE" sz="2400" dirty="0"/>
-              <a:t> </a:t>
-            </a:r>
-            <a:r>
-              <a:rPr lang="de-DE" altLang="de-DE" sz="2400" dirty="0" err="1"/>
-              <a:t>strength</a:t>
             </a:r>
             <a:endParaRPr lang="de-DE" altLang="de-DE" sz="2400" dirty="0"/>
           </a:p>
@@ -16346,33 +17566,198 @@
           <a:p>
             <a:pPr marL="0" lvl="1"/>
             <a:r>
-              <a:rPr lang="en-US" altLang="de-DE" sz="1800" dirty="0" smtClean="0"/>
-              <a:t>Most custom scanners are based on tools like </a:t>
-            </a:r>
-            <a:r>
-              <a:rPr lang="en-US" altLang="de-DE" sz="1800" dirty="0" err="1" smtClean="0"/>
-              <a:t>lex</a:t>
-            </a:r>
-            <a:r>
-              <a:rPr lang="en-US" altLang="de-DE" sz="1800" dirty="0" smtClean="0"/>
-              <a:t> and </a:t>
-            </a:r>
-            <a:r>
-              <a:rPr lang="en-US" altLang="de-DE" sz="1800" dirty="0" err="1" smtClean="0"/>
-              <a:t>yacc</a:t>
-            </a:r>
-            <a:r>
-              <a:rPr lang="en-US" altLang="de-DE" sz="1800" dirty="0" smtClean="0"/>
-              <a:t> which require the language to be strongly structured</a:t>
-            </a:r>
-            <a:endParaRPr lang="de-DE" altLang="de-DE" sz="1800" kern="0" dirty="0" smtClean="0">
-              <a:solidFill>
-                <a:srgbClr val="002065"/>
-              </a:solidFill>
-            </a:endParaRPr>
+              <a:rPr lang="de-DE" altLang="de-DE" sz="1800" kern="0" dirty="0" err="1" smtClean="0">
+                <a:solidFill>
+                  <a:srgbClr val="002065"/>
+                </a:solidFill>
+              </a:rPr>
+              <a:t>Languages</a:t>
+            </a:r>
+            <a:r>
+              <a:rPr lang="de-DE" altLang="de-DE" sz="1800" kern="0" dirty="0" smtClean="0">
+                <a:solidFill>
+                  <a:srgbClr val="002065"/>
+                </a:solidFill>
+              </a:rPr>
+              <a:t> </a:t>
+            </a:r>
+            <a:r>
+              <a:rPr lang="de-DE" altLang="de-DE" sz="1800" kern="0" dirty="0" err="1" smtClean="0">
+                <a:solidFill>
+                  <a:srgbClr val="002065"/>
+                </a:solidFill>
+              </a:rPr>
+              <a:t>like</a:t>
+            </a:r>
+            <a:r>
+              <a:rPr lang="de-DE" altLang="de-DE" sz="1800" kern="0" dirty="0" smtClean="0">
+                <a:solidFill>
+                  <a:srgbClr val="002065"/>
+                </a:solidFill>
+              </a:rPr>
+              <a:t> </a:t>
+            </a:r>
+            <a:r>
+              <a:rPr lang="de-DE" altLang="de-DE" sz="1800" kern="0" dirty="0" err="1" smtClean="0">
+                <a:solidFill>
+                  <a:srgbClr val="002065"/>
+                </a:solidFill>
+              </a:rPr>
+              <a:t>Fortran</a:t>
+            </a:r>
+            <a:r>
+              <a:rPr lang="de-DE" altLang="de-DE" sz="1800" kern="0" dirty="0" smtClean="0">
+                <a:solidFill>
+                  <a:srgbClr val="002065"/>
+                </a:solidFill>
+              </a:rPr>
+              <a:t> </a:t>
+            </a:r>
+            <a:r>
+              <a:rPr lang="de-DE" altLang="de-DE" sz="1800" kern="0" dirty="0" err="1" smtClean="0">
+                <a:solidFill>
+                  <a:srgbClr val="002065"/>
+                </a:solidFill>
+              </a:rPr>
+              <a:t>and</a:t>
+            </a:r>
+            <a:r>
+              <a:rPr lang="de-DE" altLang="de-DE" sz="1800" kern="0" dirty="0" smtClean="0">
+                <a:solidFill>
+                  <a:srgbClr val="002065"/>
+                </a:solidFill>
+              </a:rPr>
+              <a:t> PL/I </a:t>
+            </a:r>
+            <a:r>
+              <a:rPr lang="de-DE" altLang="de-DE" sz="1800" kern="0" dirty="0" err="1" smtClean="0">
+                <a:solidFill>
+                  <a:srgbClr val="002065"/>
+                </a:solidFill>
+              </a:rPr>
+              <a:t>are</a:t>
+            </a:r>
+            <a:r>
+              <a:rPr lang="de-DE" altLang="de-DE" sz="1800" kern="0" dirty="0" smtClean="0">
+                <a:solidFill>
+                  <a:srgbClr val="002065"/>
+                </a:solidFill>
+              </a:rPr>
+              <a:t> </a:t>
+            </a:r>
+            <a:r>
+              <a:rPr lang="de-DE" altLang="de-DE" sz="1800" kern="0" dirty="0" err="1" smtClean="0">
+                <a:solidFill>
+                  <a:srgbClr val="002065"/>
+                </a:solidFill>
+              </a:rPr>
+              <a:t>less</a:t>
+            </a:r>
+            <a:r>
+              <a:rPr lang="de-DE" altLang="de-DE" sz="1800" kern="0" dirty="0" smtClean="0">
+                <a:solidFill>
+                  <a:srgbClr val="002065"/>
+                </a:solidFill>
+              </a:rPr>
+              <a:t> </a:t>
+            </a:r>
+            <a:r>
+              <a:rPr lang="de-DE" altLang="de-DE" sz="1800" kern="0" dirty="0" err="1" smtClean="0">
+                <a:solidFill>
+                  <a:srgbClr val="002065"/>
+                </a:solidFill>
+              </a:rPr>
+              <a:t>strongly</a:t>
+            </a:r>
+            <a:r>
+              <a:rPr lang="de-DE" altLang="de-DE" sz="1800" kern="0" dirty="0" smtClean="0">
+                <a:solidFill>
+                  <a:srgbClr val="002065"/>
+                </a:solidFill>
+              </a:rPr>
+              <a:t> </a:t>
+            </a:r>
+            <a:r>
+              <a:rPr lang="de-DE" altLang="de-DE" sz="1800" kern="0" dirty="0" err="1" smtClean="0">
+                <a:solidFill>
+                  <a:srgbClr val="002065"/>
+                </a:solidFill>
+              </a:rPr>
+              <a:t>structured</a:t>
+            </a:r>
+            <a:r>
+              <a:rPr lang="de-DE" altLang="de-DE" sz="1800" kern="0" dirty="0" smtClean="0">
+                <a:solidFill>
+                  <a:srgbClr val="002065"/>
+                </a:solidFill>
+              </a:rPr>
+              <a:t> </a:t>
+            </a:r>
+            <a:r>
+              <a:rPr lang="de-DE" altLang="de-DE" sz="1800" kern="0" dirty="0" err="1" smtClean="0">
+                <a:solidFill>
+                  <a:srgbClr val="002065"/>
+                </a:solidFill>
+              </a:rPr>
+              <a:t>than</a:t>
+            </a:r>
+            <a:r>
+              <a:rPr lang="de-DE" altLang="de-DE" sz="1800" kern="0" dirty="0" smtClean="0">
+                <a:solidFill>
+                  <a:srgbClr val="002065"/>
+                </a:solidFill>
+              </a:rPr>
+              <a:t> e.g. Java </a:t>
+            </a:r>
+            <a:r>
+              <a:rPr lang="de-DE" altLang="de-DE" sz="1800" kern="0" dirty="0" err="1" smtClean="0">
+                <a:solidFill>
+                  <a:srgbClr val="002065"/>
+                </a:solidFill>
+              </a:rPr>
+              <a:t>or</a:t>
+            </a:r>
+            <a:r>
+              <a:rPr lang="de-DE" altLang="de-DE" sz="1800" kern="0" dirty="0" smtClean="0">
+                <a:solidFill>
+                  <a:srgbClr val="002065"/>
+                </a:solidFill>
+              </a:rPr>
+              <a:t> C#</a:t>
+            </a:r>
           </a:p>
         </p:txBody>
       </p:sp>
+      <p:pic>
+        <p:nvPicPr>
+          <p:cNvPr id="3" name="Grafik 2"/>
+          <p:cNvPicPr>
+            <a:picLocks noChangeAspect="1"/>
+          </p:cNvPicPr>
+          <p:nvPr/>
+        </p:nvPicPr>
+        <p:blipFill>
+          <a:blip r:embed="rId2">
+            <a:extLst>
+              <a:ext uri="{28A0092B-C50C-407E-A947-70E740481C1C}">
+                <a14:useLocalDpi xmlns:a14="http://schemas.microsoft.com/office/drawing/2010/main" val="0"/>
+              </a:ext>
+            </a:extLst>
+          </a:blip>
+          <a:stretch>
+            <a:fillRect/>
+          </a:stretch>
+        </p:blipFill>
+        <p:spPr>
+          <a:xfrm>
+            <a:off x="2555776" y="2997199"/>
+            <a:ext cx="3999075" cy="2884487"/>
+          </a:xfrm>
+          <a:prstGeom prst="rect">
+            <a:avLst/>
+          </a:prstGeom>
+        </p:spPr>
+      </p:pic>
     </p:spTree>
     <p:extLst>
       <p:ext uri="{BB962C8B-B14F-4D97-AF65-F5344CB8AC3E}">
@@ -16726,48 +18111,8 @@
           <a:lstStyle/>
           <a:p>
             <a:r>
-              <a:rPr lang="de-DE" altLang="de-DE" sz="2800" dirty="0"/>
-              <a:t>In 25 </a:t>
-            </a:r>
-            <a:r>
-              <a:rPr lang="de-DE" altLang="de-DE" sz="2800" dirty="0" err="1"/>
-              <a:t>years</a:t>
-            </a:r>
-            <a:r>
-              <a:rPr lang="de-DE" altLang="de-DE" sz="2800" dirty="0"/>
-              <a:t> I </a:t>
-            </a:r>
-            <a:r>
-              <a:rPr lang="de-DE" altLang="de-DE" sz="2800" dirty="0" err="1"/>
-              <a:t>came</a:t>
-            </a:r>
-            <a:r>
-              <a:rPr lang="de-DE" altLang="de-DE" sz="2800" dirty="0"/>
-              <a:t> </a:t>
-            </a:r>
-            <a:r>
-              <a:rPr lang="de-DE" altLang="de-DE" sz="2800" dirty="0" err="1"/>
-              <a:t>to</a:t>
-            </a:r>
-            <a:r>
-              <a:rPr lang="de-DE" altLang="de-DE" sz="2800" dirty="0"/>
-              <a:t> </a:t>
-            </a:r>
-            <a:r>
-              <a:rPr lang="de-DE" altLang="de-DE" sz="2800" dirty="0" err="1"/>
-              <a:t>the</a:t>
-            </a:r>
-            <a:r>
-              <a:rPr lang="de-DE" altLang="de-DE" sz="2800" dirty="0"/>
-              <a:t> </a:t>
-            </a:r>
-            <a:r>
-              <a:rPr lang="de-DE" altLang="de-DE" sz="2800" dirty="0" err="1"/>
-              <a:t>conclusion</a:t>
-            </a:r>
-            <a:r>
-              <a:rPr lang="de-DE" altLang="de-DE" sz="2800" dirty="0"/>
-              <a:t>:</a:t>
+              <a:rPr lang="en-US" altLang="de-DE" dirty="0" smtClean="0"/>
+              <a:t>Why is it so difficult to analyze PL/I code?</a:t>
             </a:r>
             <a:endParaRPr lang="de-DE" altLang="de-DE" dirty="0" smtClean="0"/>
           </a:p>
@@ -16775,84 +18120,530 @@
       </p:sp>
       <p:sp>
         <p:nvSpPr>
-          <p:cNvPr id="2" name="Rechteck 1"/>
-          <p:cNvSpPr/>
-          <p:nvPr/>
+          <p:cNvPr id="8196" name="Rectangle 3"/>
+          <p:cNvSpPr>
+            <a:spLocks noGrp="1" noChangeArrowheads="1"/>
+          </p:cNvSpPr>
+          <p:nvPr>
+            <p:ph type="body" idx="1"/>
+          </p:nvPr>
         </p:nvSpPr>
         <p:spPr>
           <a:xfrm>
-            <a:off x="755650" y="2704852"/>
-            <a:ext cx="7488758" cy="2308324"/>
+            <a:off x="837133" y="2060849"/>
+            <a:ext cx="7407275" cy="3888431"/>
+          </a:xfrm>
+          <a:noFill/>
+        </p:spPr>
+        <p:txBody>
+          <a:bodyPr/>
+          <a:lstStyle/>
+          <a:p>
+            <a:pPr marL="338137" lvl="1" indent="-342900"/>
+            <a:r>
+              <a:rPr lang="de-DE" altLang="de-DE" sz="2400" dirty="0" smtClean="0"/>
+              <a:t>This </a:t>
+            </a:r>
+            <a:r>
+              <a:rPr lang="de-DE" altLang="de-DE" sz="2400" dirty="0" err="1" smtClean="0"/>
+              <a:t>makes</a:t>
+            </a:r>
+            <a:r>
+              <a:rPr lang="de-DE" altLang="de-DE" sz="2400" dirty="0" smtClean="0"/>
+              <a:t> </a:t>
+            </a:r>
+            <a:r>
+              <a:rPr lang="de-DE" altLang="de-DE" sz="2400" dirty="0" err="1" smtClean="0"/>
+              <a:t>it</a:t>
+            </a:r>
+            <a:r>
+              <a:rPr lang="de-DE" altLang="de-DE" sz="2400" dirty="0" smtClean="0"/>
+              <a:t> </a:t>
+            </a:r>
+            <a:r>
+              <a:rPr lang="de-DE" altLang="de-DE" sz="2400" dirty="0" err="1" smtClean="0"/>
+              <a:t>comparatively</a:t>
+            </a:r>
+            <a:r>
+              <a:rPr lang="de-DE" altLang="de-DE" sz="2400" dirty="0" smtClean="0"/>
+              <a:t> </a:t>
+            </a:r>
+            <a:r>
+              <a:rPr lang="de-DE" altLang="de-DE" sz="2400" dirty="0"/>
+              <a:t>easy </a:t>
+            </a:r>
+            <a:r>
+              <a:rPr lang="de-DE" altLang="de-DE" sz="2400" dirty="0" err="1"/>
+              <a:t>to</a:t>
+            </a:r>
+            <a:r>
+              <a:rPr lang="de-DE" altLang="de-DE" sz="2400" dirty="0"/>
+              <a:t> </a:t>
+            </a:r>
+            <a:r>
+              <a:rPr lang="de-DE" altLang="de-DE" sz="2400" dirty="0" err="1"/>
+              <a:t>write</a:t>
+            </a:r>
+            <a:r>
+              <a:rPr lang="de-DE" altLang="de-DE" sz="2400" dirty="0"/>
+              <a:t> </a:t>
+            </a:r>
+            <a:r>
+              <a:rPr lang="de-DE" altLang="de-DE" sz="2400" dirty="0" err="1"/>
+              <a:t>scanners</a:t>
+            </a:r>
+            <a:r>
+              <a:rPr lang="de-DE" altLang="de-DE" sz="2400" dirty="0"/>
+              <a:t> </a:t>
+            </a:r>
+            <a:r>
+              <a:rPr lang="de-DE" altLang="de-DE" sz="2400" dirty="0" err="1" smtClean="0"/>
+              <a:t>for</a:t>
+            </a:r>
+            <a:r>
+              <a:rPr lang="de-DE" altLang="de-DE" sz="2400" dirty="0" smtClean="0"/>
+              <a:t> Java </a:t>
+            </a:r>
+            <a:r>
+              <a:rPr lang="de-DE" altLang="de-DE" sz="2400" dirty="0" err="1" smtClean="0"/>
+              <a:t>or</a:t>
+            </a:r>
+            <a:r>
+              <a:rPr lang="de-DE" altLang="de-DE" sz="2400" dirty="0" smtClean="0"/>
+              <a:t> C# </a:t>
+            </a:r>
+            <a:r>
+              <a:rPr lang="de-DE" altLang="de-DE" sz="2400" dirty="0" err="1" smtClean="0"/>
+              <a:t>based</a:t>
+            </a:r>
+            <a:r>
+              <a:rPr lang="de-DE" altLang="de-DE" sz="2400" dirty="0" smtClean="0"/>
+              <a:t> </a:t>
+            </a:r>
+            <a:r>
+              <a:rPr lang="de-DE" altLang="de-DE" sz="2400" dirty="0"/>
+              <a:t>on </a:t>
+            </a:r>
+            <a:r>
+              <a:rPr lang="de-DE" altLang="de-DE" sz="2400" dirty="0" err="1"/>
+              <a:t>tools</a:t>
+            </a:r>
+            <a:r>
+              <a:rPr lang="de-DE" altLang="de-DE" sz="2400" dirty="0"/>
+              <a:t> </a:t>
+            </a:r>
+            <a:r>
+              <a:rPr lang="de-DE" altLang="de-DE" sz="2400" dirty="0" err="1"/>
+              <a:t>like</a:t>
+            </a:r>
+            <a:r>
+              <a:rPr lang="de-DE" altLang="de-DE" sz="2400" dirty="0"/>
+              <a:t> </a:t>
+            </a:r>
+            <a:r>
+              <a:rPr lang="de-DE" altLang="de-DE" sz="2400" dirty="0" err="1"/>
+              <a:t>lex</a:t>
+            </a:r>
+            <a:r>
+              <a:rPr lang="de-DE" altLang="de-DE" sz="2400" dirty="0"/>
+              <a:t> </a:t>
+            </a:r>
+            <a:r>
+              <a:rPr lang="de-DE" altLang="de-DE" sz="2400" dirty="0" err="1"/>
+              <a:t>and</a:t>
+            </a:r>
+            <a:r>
+              <a:rPr lang="de-DE" altLang="de-DE" sz="2400" dirty="0"/>
+              <a:t> </a:t>
+            </a:r>
+            <a:r>
+              <a:rPr lang="de-DE" altLang="de-DE" sz="2400" dirty="0" err="1" smtClean="0"/>
+              <a:t>yacc</a:t>
+            </a:r>
+            <a:endParaRPr lang="de-DE" altLang="de-DE" sz="2400" dirty="0"/>
+          </a:p>
+          <a:p>
+            <a:pPr marL="338137" lvl="1" indent="-342900"/>
+            <a:r>
+              <a:rPr lang="de-DE" altLang="de-DE" sz="2400" dirty="0" err="1" smtClean="0"/>
+              <a:t>Fortran</a:t>
+            </a:r>
+            <a:r>
+              <a:rPr lang="de-DE" altLang="de-DE" sz="2400" dirty="0" smtClean="0"/>
+              <a:t> </a:t>
+            </a:r>
+            <a:r>
+              <a:rPr lang="de-DE" altLang="de-DE" sz="2400" dirty="0" err="1"/>
+              <a:t>and</a:t>
+            </a:r>
+            <a:r>
+              <a:rPr lang="de-DE" altLang="de-DE" sz="2400" dirty="0"/>
+              <a:t> PL/I </a:t>
+            </a:r>
+            <a:r>
+              <a:rPr lang="de-DE" altLang="de-DE" sz="2400" dirty="0" err="1"/>
+              <a:t>are</a:t>
+            </a:r>
+            <a:r>
+              <a:rPr lang="de-DE" altLang="de-DE" sz="2400" dirty="0"/>
+              <a:t> </a:t>
+            </a:r>
+            <a:r>
+              <a:rPr lang="de-DE" altLang="de-DE" sz="2400" dirty="0" err="1"/>
+              <a:t>known</a:t>
+            </a:r>
+            <a:r>
+              <a:rPr lang="de-DE" altLang="de-DE" sz="2400" dirty="0"/>
+              <a:t> </a:t>
+            </a:r>
+            <a:r>
+              <a:rPr lang="de-DE" altLang="de-DE" sz="2400" dirty="0" err="1"/>
+              <a:t>to</a:t>
+            </a:r>
+            <a:r>
+              <a:rPr lang="de-DE" altLang="de-DE" sz="2400" dirty="0"/>
+              <a:t> </a:t>
+            </a:r>
+            <a:r>
+              <a:rPr lang="de-DE" altLang="de-DE" sz="2400" dirty="0" err="1" smtClean="0"/>
+              <a:t>be</a:t>
+            </a:r>
+            <a:r>
+              <a:rPr lang="de-DE" altLang="de-DE" sz="2400" dirty="0" smtClean="0"/>
+              <a:t> </a:t>
+            </a:r>
+            <a:r>
+              <a:rPr lang="de-DE" altLang="de-DE" sz="2400" dirty="0" err="1" smtClean="0"/>
+              <a:t>context</a:t>
+            </a:r>
+            <a:r>
+              <a:rPr lang="de-DE" altLang="de-DE" sz="2400" dirty="0" smtClean="0"/>
+              <a:t>-sensitive </a:t>
+            </a:r>
+            <a:r>
+              <a:rPr lang="de-DE" altLang="de-DE" sz="2400" dirty="0" err="1" smtClean="0"/>
+              <a:t>and</a:t>
+            </a:r>
+            <a:r>
+              <a:rPr lang="de-DE" altLang="de-DE" sz="2400" dirty="0" smtClean="0"/>
+              <a:t> </a:t>
+            </a:r>
+            <a:r>
+              <a:rPr lang="de-DE" altLang="de-DE" sz="2400" i="1" dirty="0" smtClean="0"/>
+              <a:t>not</a:t>
+            </a:r>
+            <a:r>
+              <a:rPr lang="de-DE" altLang="de-DE" sz="2400" dirty="0" smtClean="0"/>
+              <a:t> </a:t>
+            </a:r>
+            <a:r>
+              <a:rPr lang="de-DE" altLang="de-DE" sz="2400" dirty="0" err="1" smtClean="0"/>
+              <a:t>context-free</a:t>
+            </a:r>
+            <a:r>
+              <a:rPr lang="de-DE" altLang="de-DE" sz="2400" dirty="0" smtClean="0"/>
+              <a:t>.</a:t>
+            </a:r>
+            <a:endParaRPr lang="de-DE" altLang="de-DE" sz="2400" dirty="0"/>
+          </a:p>
+          <a:p>
+            <a:pPr marL="338137" lvl="1" indent="-342900"/>
+            <a:r>
+              <a:rPr lang="de-DE" altLang="de-DE" sz="2400" dirty="0"/>
+              <a:t>This </a:t>
+            </a:r>
+            <a:r>
+              <a:rPr lang="de-DE" altLang="de-DE" sz="2400" dirty="0" err="1"/>
+              <a:t>means</a:t>
+            </a:r>
+            <a:r>
+              <a:rPr lang="de-DE" altLang="de-DE" sz="2400" dirty="0"/>
+              <a:t> </a:t>
+            </a:r>
+            <a:r>
+              <a:rPr lang="de-DE" altLang="de-DE" sz="2400" dirty="0" err="1"/>
+              <a:t>no</a:t>
+            </a:r>
+            <a:r>
+              <a:rPr lang="de-DE" altLang="de-DE" sz="2400" dirty="0"/>
+              <a:t> </a:t>
+            </a:r>
+            <a:r>
+              <a:rPr lang="de-DE" altLang="de-DE" sz="2400" dirty="0" smtClean="0"/>
+              <a:t>such </a:t>
+            </a:r>
+            <a:r>
+              <a:rPr lang="de-DE" altLang="de-DE" sz="2400" dirty="0" err="1" smtClean="0"/>
+              <a:t>scanner</a:t>
+            </a:r>
+            <a:r>
+              <a:rPr lang="de-DE" altLang="de-DE" sz="2400" dirty="0" smtClean="0"/>
+              <a:t> </a:t>
+            </a:r>
+            <a:r>
+              <a:rPr lang="de-DE" altLang="de-DE" sz="2400" dirty="0"/>
+              <a:t>will </a:t>
+            </a:r>
+            <a:r>
+              <a:rPr lang="de-DE" altLang="de-DE" sz="2400" dirty="0" err="1"/>
+              <a:t>ever</a:t>
+            </a:r>
+            <a:r>
+              <a:rPr lang="de-DE" altLang="de-DE" sz="2400" dirty="0"/>
+              <a:t> </a:t>
+            </a:r>
+            <a:r>
+              <a:rPr lang="de-DE" altLang="de-DE" sz="2400" dirty="0" err="1"/>
+              <a:t>support</a:t>
+            </a:r>
+            <a:r>
+              <a:rPr lang="de-DE" altLang="de-DE" sz="2400" dirty="0"/>
+              <a:t> PL/I in </a:t>
+            </a:r>
+            <a:r>
+              <a:rPr lang="de-DE" altLang="de-DE" sz="2400" dirty="0" err="1"/>
+              <a:t>it‘s</a:t>
+            </a:r>
+            <a:r>
+              <a:rPr lang="de-DE" altLang="de-DE" sz="2400" dirty="0"/>
+              <a:t> </a:t>
+            </a:r>
+            <a:r>
+              <a:rPr lang="de-DE" altLang="de-DE" sz="2400" dirty="0" err="1"/>
+              <a:t>full</a:t>
+            </a:r>
+            <a:r>
+              <a:rPr lang="de-DE" altLang="de-DE" sz="2400" dirty="0"/>
+              <a:t> </a:t>
+            </a:r>
+            <a:r>
+              <a:rPr lang="de-DE" altLang="de-DE" sz="2400" dirty="0" err="1"/>
+              <a:t>strength</a:t>
+            </a:r>
+            <a:endParaRPr lang="de-DE" altLang="de-DE" sz="2400" dirty="0"/>
+          </a:p>
+        </p:txBody>
+      </p:sp>
+      <p:sp>
+        <p:nvSpPr>
+          <p:cNvPr id="8" name="Rectangle 2"/>
+          <p:cNvSpPr txBox="1">
+            <a:spLocks noChangeArrowheads="1"/>
+          </p:cNvSpPr>
+          <p:nvPr/>
+        </p:nvSpPr>
+        <p:spPr bwMode="auto">
+          <a:xfrm>
+            <a:off x="755576" y="1196976"/>
+            <a:ext cx="7561337" cy="575840"/>
           </a:xfrm>
           <a:prstGeom prst="rect">
             <a:avLst/>
           </a:prstGeom>
+          <a:noFill/>
+          <a:ln>
+            <a:noFill/>
+          </a:ln>
+          <a:effectLst/>
+          <a:extLst>
+            <a:ext uri="{909E8E84-426E-40DD-AFC4-6F175D3DCCD1}">
+              <a14:hiddenFill xmlns:a14="http://schemas.microsoft.com/office/drawing/2010/main">
+                <a:solidFill>
+                  <a:schemeClr val="bg2"/>
+                </a:solidFill>
+              </a14:hiddenFill>
+            </a:ext>
+            <a:ext uri="{91240B29-F687-4F45-9708-019B960494DF}">
+              <a14:hiddenLine xmlns:a14="http://schemas.microsoft.com/office/drawing/2010/main" w="9525">
+                <a:solidFill>
+                  <a:schemeClr val="tx1"/>
+                </a:solidFill>
+                <a:miter lim="800000"/>
+                <a:headEnd/>
+                <a:tailEnd/>
+              </a14:hiddenLine>
+            </a:ext>
+            <a:ext uri="{AF507438-7753-43E0-B8FC-AC1667EBCBE1}">
+              <a14:hiddenEffects xmlns:a14="http://schemas.microsoft.com/office/drawing/2010/main">
+                <a:effectLst>
+                  <a:outerShdw dist="35921" dir="2700000" algn="ctr" rotWithShape="0">
+                    <a:schemeClr val="bg2"/>
+                  </a:outerShdw>
+                </a:effectLst>
+              </a14:hiddenEffects>
+            </a:ext>
+          </a:extLst>
         </p:spPr>
         <p:txBody>
-          <a:bodyPr wrap="square">
-            <a:spAutoFit/>
+          <a:bodyPr vert="horz" wrap="square" lIns="0" tIns="0" rIns="0" bIns="0" numCol="1" anchor="t" anchorCtr="0" compatLnSpc="1">
+            <a:prstTxWarp prst="textNoShape">
+              <a:avLst/>
+            </a:prstTxWarp>
           </a:bodyPr>
-          <a:lstStyle/>
+          <a:lstStyle>
+            <a:lvl1pPr algn="l" rtl="0" eaLnBrk="0" fontAlgn="base" hangingPunct="0">
+              <a:spcBef>
+                <a:spcPct val="0"/>
+              </a:spcBef>
+              <a:spcAft>
+                <a:spcPct val="0"/>
+              </a:spcAft>
+              <a:defRPr sz="3000" b="1">
+                <a:solidFill>
+                  <a:schemeClr val="accent2"/>
+                </a:solidFill>
+                <a:latin typeface="+mj-lt"/>
+                <a:ea typeface="+mj-ea"/>
+                <a:cs typeface="+mj-cs"/>
+              </a:defRPr>
+            </a:lvl1pPr>
+            <a:lvl2pPr algn="l" rtl="0" eaLnBrk="0" fontAlgn="base" hangingPunct="0">
+              <a:spcBef>
+                <a:spcPct val="0"/>
+              </a:spcBef>
+              <a:spcAft>
+                <a:spcPct val="0"/>
+              </a:spcAft>
+              <a:defRPr sz="3000" b="1">
+                <a:solidFill>
+                  <a:schemeClr val="accent2"/>
+                </a:solidFill>
+                <a:latin typeface="Arial" charset="0"/>
+              </a:defRPr>
+            </a:lvl2pPr>
+            <a:lvl3pPr algn="l" rtl="0" eaLnBrk="0" fontAlgn="base" hangingPunct="0">
+              <a:spcBef>
+                <a:spcPct val="0"/>
+              </a:spcBef>
+              <a:spcAft>
+                <a:spcPct val="0"/>
+              </a:spcAft>
+              <a:defRPr sz="3000" b="1">
+                <a:solidFill>
+                  <a:schemeClr val="accent2"/>
+                </a:solidFill>
+                <a:latin typeface="Arial" charset="0"/>
+              </a:defRPr>
+            </a:lvl3pPr>
+            <a:lvl4pPr algn="l" rtl="0" eaLnBrk="0" fontAlgn="base" hangingPunct="0">
+              <a:spcBef>
+                <a:spcPct val="0"/>
+              </a:spcBef>
+              <a:spcAft>
+                <a:spcPct val="0"/>
+              </a:spcAft>
+              <a:defRPr sz="3000" b="1">
+                <a:solidFill>
+                  <a:schemeClr val="accent2"/>
+                </a:solidFill>
+                <a:latin typeface="Arial" charset="0"/>
+              </a:defRPr>
+            </a:lvl4pPr>
+            <a:lvl5pPr algn="l" rtl="0" eaLnBrk="0" fontAlgn="base" hangingPunct="0">
+              <a:spcBef>
+                <a:spcPct val="0"/>
+              </a:spcBef>
+              <a:spcAft>
+                <a:spcPct val="0"/>
+              </a:spcAft>
+              <a:defRPr sz="3000" b="1">
+                <a:solidFill>
+                  <a:schemeClr val="accent2"/>
+                </a:solidFill>
+                <a:latin typeface="Arial" charset="0"/>
+              </a:defRPr>
+            </a:lvl5pPr>
+            <a:lvl6pPr marL="457200" algn="l" rtl="0" eaLnBrk="0" fontAlgn="base" hangingPunct="0">
+              <a:spcBef>
+                <a:spcPct val="0"/>
+              </a:spcBef>
+              <a:spcAft>
+                <a:spcPct val="0"/>
+              </a:spcAft>
+              <a:defRPr sz="3000" b="1">
+                <a:solidFill>
+                  <a:schemeClr val="accent2"/>
+                </a:solidFill>
+                <a:latin typeface="Arial" charset="0"/>
+              </a:defRPr>
+            </a:lvl6pPr>
+            <a:lvl7pPr marL="914400" algn="l" rtl="0" eaLnBrk="0" fontAlgn="base" hangingPunct="0">
+              <a:spcBef>
+                <a:spcPct val="0"/>
+              </a:spcBef>
+              <a:spcAft>
+                <a:spcPct val="0"/>
+              </a:spcAft>
+              <a:defRPr sz="3000" b="1">
+                <a:solidFill>
+                  <a:schemeClr val="accent2"/>
+                </a:solidFill>
+                <a:latin typeface="Arial" charset="0"/>
+              </a:defRPr>
+            </a:lvl7pPr>
+            <a:lvl8pPr marL="1371600" algn="l" rtl="0" eaLnBrk="0" fontAlgn="base" hangingPunct="0">
+              <a:spcBef>
+                <a:spcPct val="0"/>
+              </a:spcBef>
+              <a:spcAft>
+                <a:spcPct val="0"/>
+              </a:spcAft>
+              <a:defRPr sz="3000" b="1">
+                <a:solidFill>
+                  <a:schemeClr val="accent2"/>
+                </a:solidFill>
+                <a:latin typeface="Arial" charset="0"/>
+              </a:defRPr>
+            </a:lvl8pPr>
+            <a:lvl9pPr marL="1828800" algn="l" rtl="0" eaLnBrk="0" fontAlgn="base" hangingPunct="0">
+              <a:spcBef>
+                <a:spcPct val="0"/>
+              </a:spcBef>
+              <a:spcAft>
+                <a:spcPct val="0"/>
+              </a:spcAft>
+              <a:defRPr sz="3000" b="1">
+                <a:solidFill>
+                  <a:schemeClr val="accent2"/>
+                </a:solidFill>
+                <a:latin typeface="Arial" charset="0"/>
+              </a:defRPr>
+            </a:lvl9pPr>
+          </a:lstStyle>
           <a:p>
-            <a:pPr marL="0" lvl="1" indent="0" algn="ctr">
-              <a:buNone/>
-            </a:pPr>
-            <a:r>
-              <a:rPr lang="de-DE" altLang="de-DE" sz="4800" b="1" dirty="0"/>
-              <a:t>The </a:t>
-            </a:r>
-            <a:r>
-              <a:rPr lang="de-DE" altLang="de-DE" sz="4800" b="1" dirty="0" err="1"/>
-              <a:t>only</a:t>
-            </a:r>
-            <a:r>
-              <a:rPr lang="de-DE" altLang="de-DE" sz="4800" b="1" dirty="0"/>
-              <a:t> </a:t>
-            </a:r>
-            <a:r>
-              <a:rPr lang="de-DE" altLang="de-DE" sz="4800" b="1" dirty="0" err="1"/>
-              <a:t>reliable</a:t>
-            </a:r>
-            <a:r>
-              <a:rPr lang="de-DE" altLang="de-DE" sz="4800" b="1" dirty="0"/>
-              <a:t> PL/I </a:t>
-            </a:r>
-            <a:r>
-              <a:rPr lang="de-DE" altLang="de-DE" sz="4800" b="1" dirty="0" err="1"/>
-              <a:t>scanner</a:t>
-            </a:r>
-            <a:r>
-              <a:rPr lang="de-DE" altLang="de-DE" sz="4800" b="1" dirty="0"/>
-              <a:t> </a:t>
-            </a:r>
-            <a:r>
-              <a:rPr lang="de-DE" altLang="de-DE" sz="4800" b="1" dirty="0" err="1"/>
-              <a:t>is</a:t>
-            </a:r>
-            <a:r>
-              <a:rPr lang="de-DE" altLang="de-DE" sz="4800" b="1" dirty="0"/>
-              <a:t> </a:t>
-            </a:r>
-            <a:r>
-              <a:rPr lang="de-DE" altLang="de-DE" sz="4800" b="1" dirty="0" err="1"/>
-              <a:t>IBM‘s</a:t>
-            </a:r>
-            <a:r>
-              <a:rPr lang="de-DE" altLang="de-DE" sz="4800" b="1" dirty="0"/>
-              <a:t> Enterprise PL/I </a:t>
-            </a:r>
-            <a:r>
-              <a:rPr lang="de-DE" altLang="de-DE" sz="4800" b="1" dirty="0" err="1"/>
-              <a:t>compiler</a:t>
-            </a:r>
-            <a:endParaRPr lang="de-DE" altLang="de-DE" sz="4800" b="1" dirty="0"/>
+            <a:pPr marL="0" lvl="1"/>
+            <a:r>
+              <a:rPr lang="en-US" altLang="de-DE" sz="1800" dirty="0" smtClean="0"/>
+              <a:t>Most custom scanners are based on tools like </a:t>
+            </a:r>
+            <a:r>
+              <a:rPr lang="en-US" altLang="de-DE" sz="1800" dirty="0" err="1" smtClean="0"/>
+              <a:t>lex</a:t>
+            </a:r>
+            <a:r>
+              <a:rPr lang="en-US" altLang="de-DE" sz="1800" dirty="0" smtClean="0"/>
+              <a:t> and </a:t>
+            </a:r>
+            <a:r>
+              <a:rPr lang="en-US" altLang="de-DE" sz="1800" dirty="0" err="1" smtClean="0"/>
+              <a:t>yacc</a:t>
+            </a:r>
+            <a:r>
+              <a:rPr lang="en-US" altLang="de-DE" sz="1800" dirty="0" smtClean="0"/>
+              <a:t> which require the language to be at least context-free</a:t>
+            </a:r>
+            <a:endParaRPr lang="de-DE" altLang="de-DE" sz="1800" kern="0" dirty="0" smtClean="0">
+              <a:solidFill>
+                <a:srgbClr val="002065"/>
+              </a:solidFill>
+            </a:endParaRPr>
           </a:p>
         </p:txBody>
       </p:sp>
     </p:spTree>
     <p:extLst>
       <p:ext uri="{BB962C8B-B14F-4D97-AF65-F5344CB8AC3E}">
-        <p14:creationId xmlns:p14="http://schemas.microsoft.com/office/powerpoint/2010/main" val="1872939366"/>
+        <p14:creationId xmlns:p14="http://schemas.microsoft.com/office/powerpoint/2010/main" val="448437674"/>
       </p:ext>
     </p:extLst>
   </p:cSld>
@@ -16870,88 +18661,9 @@
   <p:timing>
     <p:tnLst>
       <p:par>
-        <p:cTn id="1" dur="indefinite" restart="never" nodeType="tmRoot">
-          <p:childTnLst>
-            <p:seq concurrent="1" nextAc="seek">
-              <p:cTn id="2" dur="indefinite" nodeType="mainSeq">
-                <p:childTnLst>
-                  <p:par>
-                    <p:cTn id="3" fill="hold">
-                      <p:stCondLst>
-                        <p:cond delay="indefinite"/>
-                      </p:stCondLst>
-                      <p:childTnLst>
-                        <p:par>
-                          <p:cTn id="4" fill="hold">
-                            <p:stCondLst>
-                              <p:cond delay="0"/>
-                            </p:stCondLst>
-                            <p:childTnLst>
-                              <p:par>
-                                <p:cTn id="5" presetID="16" presetClass="entr" presetSubtype="21" fill="hold" grpId="0" nodeType="clickEffect">
-                                  <p:stCondLst>
-                                    <p:cond delay="0"/>
-                                  </p:stCondLst>
-                                  <p:childTnLst>
-                                    <p:set>
-                                      <p:cBhvr>
-                                        <p:cTn id="6" dur="1" fill="hold">
-                                          <p:stCondLst>
-                                            <p:cond delay="0"/>
-                                          </p:stCondLst>
-                                        </p:cTn>
-                                        <p:tgtEl>
-                                          <p:spTgt spid="2"/>
-                                        </p:tgtEl>
-                                        <p:attrNameLst>
-                                          <p:attrName>style.visibility</p:attrName>
-                                        </p:attrNameLst>
-                                      </p:cBhvr>
-                                      <p:to>
-                                        <p:strVal val="visible"/>
-                                      </p:to>
-                                    </p:set>
-                                    <p:animEffect transition="in" filter="barn(inVertical)">
-                                      <p:cBhvr>
-                                        <p:cTn id="7" dur="500"/>
-                                        <p:tgtEl>
-                                          <p:spTgt spid="2"/>
-                                        </p:tgtEl>
-                                      </p:cBhvr>
-                                    </p:animEffect>
-                                  </p:childTnLst>
-                                </p:cTn>
-                              </p:par>
-                            </p:childTnLst>
-                          </p:cTn>
-                        </p:par>
-                      </p:childTnLst>
-                    </p:cTn>
-                  </p:par>
-                </p:childTnLst>
-              </p:cTn>
-              <p:prevCondLst>
-                <p:cond evt="onPrev" delay="0">
-                  <p:tgtEl>
-                    <p:sldTgt/>
-                  </p:tgtEl>
-                </p:cond>
-              </p:prevCondLst>
-              <p:nextCondLst>
-                <p:cond evt="onNext" delay="0">
-                  <p:tgtEl>
-                    <p:sldTgt/>
-                  </p:tgtEl>
-                </p:cond>
-              </p:nextCondLst>
-            </p:seq>
-          </p:childTnLst>
-        </p:cTn>
+        <p:cTn id="1" dur="indefinite" restart="never" nodeType="tmRoot"/>
       </p:par>
     </p:tnLst>
-    <p:bldLst>
-      <p:bldP spid="2" grpId="0"/>
-    </p:bldLst>
   </p:timing>
 </p:sld>
 </file>
@@ -17281,464 +18993,133 @@
           <a:lstStyle/>
           <a:p>
             <a:r>
-              <a:rPr lang="de-DE" altLang="de-DE" dirty="0" smtClean="0"/>
-              <a:t>Enterprise PL/I</a:t>
-            </a:r>
+              <a:rPr lang="de-DE" altLang="de-DE" sz="2800" dirty="0"/>
+              <a:t>In 25 </a:t>
+            </a:r>
+            <a:r>
+              <a:rPr lang="de-DE" altLang="de-DE" sz="2800" dirty="0" err="1"/>
+              <a:t>years</a:t>
+            </a:r>
+            <a:r>
+              <a:rPr lang="de-DE" altLang="de-DE" sz="2800" dirty="0"/>
+              <a:t> I </a:t>
+            </a:r>
+            <a:r>
+              <a:rPr lang="de-DE" altLang="de-DE" sz="2800" dirty="0" err="1"/>
+              <a:t>came</a:t>
+            </a:r>
+            <a:r>
+              <a:rPr lang="de-DE" altLang="de-DE" sz="2800" dirty="0"/>
+              <a:t> </a:t>
+            </a:r>
+            <a:r>
+              <a:rPr lang="de-DE" altLang="de-DE" sz="2800" dirty="0" err="1"/>
+              <a:t>to</a:t>
+            </a:r>
+            <a:r>
+              <a:rPr lang="de-DE" altLang="de-DE" sz="2800" dirty="0"/>
+              <a:t> </a:t>
+            </a:r>
+            <a:r>
+              <a:rPr lang="de-DE" altLang="de-DE" sz="2800" dirty="0" err="1"/>
+              <a:t>the</a:t>
+            </a:r>
+            <a:r>
+              <a:rPr lang="de-DE" altLang="de-DE" sz="2800" dirty="0"/>
+              <a:t> </a:t>
+            </a:r>
+            <a:r>
+              <a:rPr lang="de-DE" altLang="de-DE" sz="2800" dirty="0" err="1"/>
+              <a:t>conclusion</a:t>
+            </a:r>
+            <a:r>
+              <a:rPr lang="de-DE" altLang="de-DE" sz="2800" dirty="0"/>
+              <a:t>:</a:t>
+            </a:r>
+            <a:endParaRPr lang="de-DE" altLang="de-DE" dirty="0" smtClean="0"/>
           </a:p>
         </p:txBody>
       </p:sp>
       <p:sp>
         <p:nvSpPr>
-          <p:cNvPr id="8196" name="Rectangle 3"/>
-          <p:cNvSpPr>
-            <a:spLocks noGrp="1" noChangeArrowheads="1"/>
-          </p:cNvSpPr>
-          <p:nvPr>
-            <p:ph type="body" idx="1"/>
-          </p:nvPr>
+          <p:cNvPr id="2" name="Rechteck 1"/>
+          <p:cNvSpPr/>
+          <p:nvPr/>
         </p:nvSpPr>
         <p:spPr>
           <a:xfrm>
-            <a:off x="837133" y="2060849"/>
-            <a:ext cx="7407275" cy="3888431"/>
-          </a:xfrm>
-          <a:noFill/>
-        </p:spPr>
-        <p:txBody>
-          <a:bodyPr/>
-          <a:lstStyle/>
-          <a:p>
-            <a:pPr marL="338137" lvl="1" indent="-342900"/>
-            <a:r>
-              <a:rPr lang="de-DE" altLang="de-DE" sz="2400" dirty="0" smtClean="0"/>
-              <a:t>The </a:t>
-            </a:r>
-            <a:r>
-              <a:rPr lang="de-DE" altLang="de-DE" sz="2400" dirty="0"/>
-              <a:t>RULES </a:t>
-            </a:r>
-            <a:r>
-              <a:rPr lang="de-DE" altLang="de-DE" sz="2400" dirty="0" err="1"/>
-              <a:t>directive</a:t>
-            </a:r>
-            <a:r>
-              <a:rPr lang="de-DE" altLang="de-DE" sz="2400" dirty="0"/>
-              <a:t> </a:t>
-            </a:r>
-            <a:r>
-              <a:rPr lang="de-DE" altLang="de-DE" sz="2400" dirty="0" err="1"/>
-              <a:t>supports</a:t>
-            </a:r>
-            <a:r>
-              <a:rPr lang="de-DE" altLang="de-DE" sz="2400" dirty="0"/>
-              <a:t> ~40 </a:t>
-            </a:r>
-            <a:r>
-              <a:rPr lang="de-DE" altLang="de-DE" sz="2400" dirty="0" err="1"/>
-              <a:t>suboptions</a:t>
-            </a:r>
-            <a:r>
-              <a:rPr lang="de-DE" altLang="de-DE" sz="2400" dirty="0"/>
-              <a:t> </a:t>
-            </a:r>
-            <a:r>
-              <a:rPr lang="de-DE" altLang="de-DE" sz="2400" dirty="0" err="1"/>
-              <a:t>espescially</a:t>
-            </a:r>
-            <a:r>
-              <a:rPr lang="de-DE" altLang="de-DE" sz="2400" dirty="0"/>
-              <a:t> </a:t>
-            </a:r>
-            <a:r>
-              <a:rPr lang="de-DE" altLang="de-DE" sz="2400" dirty="0" err="1"/>
-              <a:t>for</a:t>
-            </a:r>
-            <a:r>
-              <a:rPr lang="de-DE" altLang="de-DE" sz="2400" dirty="0"/>
-              <a:t> QA </a:t>
-            </a:r>
-            <a:r>
-              <a:rPr lang="de-DE" altLang="de-DE" sz="2400" dirty="0" err="1"/>
-              <a:t>purposes</a:t>
-            </a:r>
-            <a:endParaRPr lang="de-DE" altLang="de-DE" sz="2400" dirty="0"/>
-          </a:p>
-          <a:p>
-            <a:pPr marL="338137" lvl="1" indent="-342900"/>
-            <a:r>
-              <a:rPr lang="de-DE" altLang="de-DE" sz="2400" dirty="0"/>
-              <a:t>The XINFO(XML) </a:t>
-            </a:r>
-            <a:r>
-              <a:rPr lang="de-DE" altLang="de-DE" sz="2400" dirty="0" err="1"/>
-              <a:t>directive</a:t>
-            </a:r>
-            <a:r>
-              <a:rPr lang="de-DE" altLang="de-DE" sz="2400" dirty="0"/>
-              <a:t> </a:t>
-            </a:r>
-            <a:r>
-              <a:rPr lang="de-DE" altLang="de-DE" sz="2400" dirty="0" err="1"/>
-              <a:t>exports</a:t>
-            </a:r>
-            <a:r>
-              <a:rPr lang="de-DE" altLang="de-DE" sz="2400" dirty="0"/>
-              <a:t> </a:t>
-            </a:r>
-            <a:r>
-              <a:rPr lang="de-DE" altLang="de-DE" sz="2400" dirty="0" err="1"/>
-              <a:t>the</a:t>
-            </a:r>
-            <a:r>
-              <a:rPr lang="de-DE" altLang="de-DE" sz="2400" dirty="0"/>
-              <a:t> </a:t>
-            </a:r>
-            <a:r>
-              <a:rPr lang="de-DE" altLang="de-DE" sz="2400" dirty="0" err="1"/>
-              <a:t>compiler</a:t>
-            </a:r>
-            <a:r>
-              <a:rPr lang="de-DE" altLang="de-DE" sz="2400" dirty="0"/>
-              <a:t> </a:t>
-            </a:r>
-            <a:r>
-              <a:rPr lang="de-DE" altLang="de-DE" sz="2400" dirty="0" err="1"/>
-              <a:t>messages</a:t>
-            </a:r>
-            <a:r>
-              <a:rPr lang="de-DE" altLang="de-DE" sz="2400" dirty="0"/>
-              <a:t> in XML </a:t>
-            </a:r>
-            <a:r>
-              <a:rPr lang="de-DE" altLang="de-DE" sz="2400" dirty="0" err="1"/>
-              <a:t>format</a:t>
-            </a:r>
-            <a:endParaRPr lang="de-DE" altLang="de-DE" sz="2400" dirty="0"/>
-          </a:p>
-          <a:p>
-            <a:pPr marL="1062038" lvl="3" indent="-4763">
-              <a:buNone/>
-            </a:pPr>
-            <a:r>
-              <a:rPr lang="de-DE" sz="1200" dirty="0"/>
-              <a:t>&lt;MESSAGE&gt;</a:t>
-            </a:r>
-          </a:p>
-          <a:p>
-            <a:pPr marL="1062038" lvl="3" indent="-4763">
-              <a:buNone/>
-            </a:pPr>
-            <a:r>
-              <a:rPr lang="de-DE" sz="1200" dirty="0"/>
-              <a:t>   &lt;MSGNUMBER&gt;IBM2418I E&lt;/MSGNUMBER&gt;</a:t>
-            </a:r>
-          </a:p>
-          <a:p>
-            <a:pPr marL="1062038" lvl="3" indent="-4763">
-              <a:buNone/>
-            </a:pPr>
-            <a:r>
-              <a:rPr lang="de-DE" sz="1200" dirty="0"/>
-              <a:t>   &lt;MSGLINE&gt;22&lt;/MSGLINE&gt;</a:t>
-            </a:r>
-          </a:p>
-          <a:p>
-            <a:pPr marL="1062038" lvl="3" indent="-4763">
-              <a:buNone/>
-            </a:pPr>
-            <a:r>
-              <a:rPr lang="de-DE" sz="1200" dirty="0"/>
-              <a:t>   &lt;MSGFILE&gt;21&lt;/MSGFILE&gt;</a:t>
-            </a:r>
-          </a:p>
-          <a:p>
-            <a:pPr marL="1062038" lvl="3" indent="-4763">
-              <a:buNone/>
-            </a:pPr>
-            <a:r>
-              <a:rPr lang="de-DE" sz="1200" dirty="0"/>
-              <a:t>   &lt;MSGTEXT&gt;Variable </a:t>
-            </a:r>
-            <a:r>
-              <a:rPr lang="de-DE" sz="1200" dirty="0" smtClean="0"/>
-              <a:t>FORCE </a:t>
-            </a:r>
-            <a:r>
-              <a:rPr lang="de-DE" sz="1200" dirty="0" err="1"/>
-              <a:t>is</a:t>
-            </a:r>
-            <a:r>
-              <a:rPr lang="de-DE" sz="1200" dirty="0"/>
-              <a:t> </a:t>
-            </a:r>
-            <a:r>
-              <a:rPr lang="de-DE" sz="1200" dirty="0" err="1"/>
-              <a:t>unreferenced</a:t>
-            </a:r>
-            <a:r>
-              <a:rPr lang="de-DE" sz="1200" dirty="0"/>
-              <a:t>.&lt;/MSGTEXT&gt;</a:t>
-            </a:r>
-          </a:p>
-          <a:p>
-            <a:pPr marL="1062038" lvl="3" indent="-4763">
-              <a:buNone/>
-            </a:pPr>
-            <a:r>
-              <a:rPr lang="de-DE" sz="1200" dirty="0"/>
-              <a:t>&lt;/MESSAGE&gt;</a:t>
-            </a:r>
-            <a:endParaRPr lang="de-DE" altLang="de-DE" sz="1200" dirty="0"/>
-          </a:p>
-        </p:txBody>
-      </p:sp>
-      <p:sp>
-        <p:nvSpPr>
-          <p:cNvPr id="8" name="Rectangle 2"/>
-          <p:cNvSpPr txBox="1">
-            <a:spLocks noChangeArrowheads="1"/>
-          </p:cNvSpPr>
-          <p:nvPr/>
-        </p:nvSpPr>
-        <p:spPr bwMode="auto">
-          <a:xfrm>
-            <a:off x="755576" y="1196976"/>
-            <a:ext cx="7561337" cy="575840"/>
+            <a:off x="755650" y="2704852"/>
+            <a:ext cx="7488758" cy="2308324"/>
           </a:xfrm>
           <a:prstGeom prst="rect">
             <a:avLst/>
           </a:prstGeom>
-          <a:noFill/>
-          <a:ln>
-            <a:noFill/>
-          </a:ln>
-          <a:effectLst/>
-          <a:extLst>
-            <a:ext uri="{909E8E84-426E-40DD-AFC4-6F175D3DCCD1}">
-              <a14:hiddenFill xmlns:a14="http://schemas.microsoft.com/office/drawing/2010/main">
-                <a:solidFill>
-                  <a:schemeClr val="bg2"/>
-                </a:solidFill>
-              </a14:hiddenFill>
-            </a:ext>
-            <a:ext uri="{91240B29-F687-4F45-9708-019B960494DF}">
-              <a14:hiddenLine xmlns:a14="http://schemas.microsoft.com/office/drawing/2010/main" w="9525">
-                <a:solidFill>
-                  <a:schemeClr val="tx1"/>
-                </a:solidFill>
-                <a:miter lim="800000"/>
-                <a:headEnd/>
-                <a:tailEnd/>
-              </a14:hiddenLine>
-            </a:ext>
-            <a:ext uri="{AF507438-7753-43E0-B8FC-AC1667EBCBE1}">
-              <a14:hiddenEffects xmlns:a14="http://schemas.microsoft.com/office/drawing/2010/main">
-                <a:effectLst>
-                  <a:outerShdw dist="35921" dir="2700000" algn="ctr" rotWithShape="0">
-                    <a:schemeClr val="bg2"/>
-                  </a:outerShdw>
-                </a:effectLst>
-              </a14:hiddenEffects>
-            </a:ext>
-          </a:extLst>
         </p:spPr>
         <p:txBody>
-          <a:bodyPr vert="horz" wrap="square" lIns="0" tIns="0" rIns="0" bIns="0" numCol="1" anchor="t" anchorCtr="0" compatLnSpc="1">
-            <a:prstTxWarp prst="textNoShape">
-              <a:avLst/>
-            </a:prstTxWarp>
+          <a:bodyPr wrap="square">
+            <a:spAutoFit/>
           </a:bodyPr>
-          <a:lstStyle>
-            <a:lvl1pPr algn="l" rtl="0" eaLnBrk="0" fontAlgn="base" hangingPunct="0">
-              <a:spcBef>
-                <a:spcPct val="0"/>
-              </a:spcBef>
-              <a:spcAft>
-                <a:spcPct val="0"/>
-              </a:spcAft>
-              <a:defRPr sz="3000" b="1">
-                <a:solidFill>
-                  <a:schemeClr val="accent2"/>
-                </a:solidFill>
-                <a:latin typeface="+mj-lt"/>
-                <a:ea typeface="+mj-ea"/>
-                <a:cs typeface="+mj-cs"/>
-              </a:defRPr>
-            </a:lvl1pPr>
-            <a:lvl2pPr algn="l" rtl="0" eaLnBrk="0" fontAlgn="base" hangingPunct="0">
-              <a:spcBef>
-                <a:spcPct val="0"/>
-              </a:spcBef>
-              <a:spcAft>
-                <a:spcPct val="0"/>
-              </a:spcAft>
-              <a:defRPr sz="3000" b="1">
-                <a:solidFill>
-                  <a:schemeClr val="accent2"/>
-                </a:solidFill>
-                <a:latin typeface="Arial" charset="0"/>
-              </a:defRPr>
-            </a:lvl2pPr>
-            <a:lvl3pPr algn="l" rtl="0" eaLnBrk="0" fontAlgn="base" hangingPunct="0">
-              <a:spcBef>
-                <a:spcPct val="0"/>
-              </a:spcBef>
-              <a:spcAft>
-                <a:spcPct val="0"/>
-              </a:spcAft>
-              <a:defRPr sz="3000" b="1">
-                <a:solidFill>
-                  <a:schemeClr val="accent2"/>
-                </a:solidFill>
-                <a:latin typeface="Arial" charset="0"/>
-              </a:defRPr>
-            </a:lvl3pPr>
-            <a:lvl4pPr algn="l" rtl="0" eaLnBrk="0" fontAlgn="base" hangingPunct="0">
-              <a:spcBef>
-                <a:spcPct val="0"/>
-              </a:spcBef>
-              <a:spcAft>
-                <a:spcPct val="0"/>
-              </a:spcAft>
-              <a:defRPr sz="3000" b="1">
-                <a:solidFill>
-                  <a:schemeClr val="accent2"/>
-                </a:solidFill>
-                <a:latin typeface="Arial" charset="0"/>
-              </a:defRPr>
-            </a:lvl4pPr>
-            <a:lvl5pPr algn="l" rtl="0" eaLnBrk="0" fontAlgn="base" hangingPunct="0">
-              <a:spcBef>
-                <a:spcPct val="0"/>
-              </a:spcBef>
-              <a:spcAft>
-                <a:spcPct val="0"/>
-              </a:spcAft>
-              <a:defRPr sz="3000" b="1">
-                <a:solidFill>
-                  <a:schemeClr val="accent2"/>
-                </a:solidFill>
-                <a:latin typeface="Arial" charset="0"/>
-              </a:defRPr>
-            </a:lvl5pPr>
-            <a:lvl6pPr marL="457200" algn="l" rtl="0" eaLnBrk="0" fontAlgn="base" hangingPunct="0">
-              <a:spcBef>
-                <a:spcPct val="0"/>
-              </a:spcBef>
-              <a:spcAft>
-                <a:spcPct val="0"/>
-              </a:spcAft>
-              <a:defRPr sz="3000" b="1">
-                <a:solidFill>
-                  <a:schemeClr val="accent2"/>
-                </a:solidFill>
-                <a:latin typeface="Arial" charset="0"/>
-              </a:defRPr>
-            </a:lvl6pPr>
-            <a:lvl7pPr marL="914400" algn="l" rtl="0" eaLnBrk="0" fontAlgn="base" hangingPunct="0">
-              <a:spcBef>
-                <a:spcPct val="0"/>
-              </a:spcBef>
-              <a:spcAft>
-                <a:spcPct val="0"/>
-              </a:spcAft>
-              <a:defRPr sz="3000" b="1">
-                <a:solidFill>
-                  <a:schemeClr val="accent2"/>
-                </a:solidFill>
-                <a:latin typeface="Arial" charset="0"/>
-              </a:defRPr>
-            </a:lvl7pPr>
-            <a:lvl8pPr marL="1371600" algn="l" rtl="0" eaLnBrk="0" fontAlgn="base" hangingPunct="0">
-              <a:spcBef>
-                <a:spcPct val="0"/>
-              </a:spcBef>
-              <a:spcAft>
-                <a:spcPct val="0"/>
-              </a:spcAft>
-              <a:defRPr sz="3000" b="1">
-                <a:solidFill>
-                  <a:schemeClr val="accent2"/>
-                </a:solidFill>
-                <a:latin typeface="Arial" charset="0"/>
-              </a:defRPr>
-            </a:lvl8pPr>
-            <a:lvl9pPr marL="1828800" algn="l" rtl="0" eaLnBrk="0" fontAlgn="base" hangingPunct="0">
-              <a:spcBef>
-                <a:spcPct val="0"/>
-              </a:spcBef>
-              <a:spcAft>
-                <a:spcPct val="0"/>
-              </a:spcAft>
-              <a:defRPr sz="3000" b="1">
-                <a:solidFill>
-                  <a:schemeClr val="accent2"/>
-                </a:solidFill>
-                <a:latin typeface="Arial" charset="0"/>
-              </a:defRPr>
-            </a:lvl9pPr>
-          </a:lstStyle>
+          <a:lstStyle/>
           <a:p>
-            <a:pPr indent="-461963"/>
-            <a:r>
-              <a:rPr lang="de-DE" altLang="de-DE" sz="1800" dirty="0"/>
-              <a:t>The Enterprise PL/I Compiler </a:t>
-            </a:r>
-            <a:r>
-              <a:rPr lang="de-DE" altLang="de-DE" sz="1800" dirty="0" err="1"/>
-              <a:t>provides</a:t>
-            </a:r>
-            <a:r>
-              <a:rPr lang="de-DE" altLang="de-DE" sz="1800" dirty="0"/>
-              <a:t> 2 </a:t>
-            </a:r>
-            <a:r>
-              <a:rPr lang="de-DE" altLang="de-DE" sz="1800" dirty="0" err="1"/>
-              <a:t>highly</a:t>
-            </a:r>
-            <a:r>
-              <a:rPr lang="de-DE" altLang="de-DE" sz="1800" dirty="0"/>
-              <a:t> </a:t>
-            </a:r>
-            <a:r>
-              <a:rPr lang="de-DE" altLang="de-DE" sz="1800" dirty="0" err="1"/>
-              <a:t>useful</a:t>
-            </a:r>
-            <a:r>
-              <a:rPr lang="de-DE" altLang="de-DE" sz="1800" dirty="0"/>
-              <a:t> </a:t>
-            </a:r>
-            <a:r>
-              <a:rPr lang="de-DE" altLang="de-DE" sz="1800" dirty="0" err="1" smtClean="0"/>
-              <a:t>features</a:t>
-            </a:r>
-            <a:r>
-              <a:rPr lang="de-DE" altLang="de-DE" sz="1800" dirty="0" smtClean="0"/>
-              <a:t>:</a:t>
-            </a:r>
-            <a:r>
-              <a:rPr lang="de-DE" altLang="de-DE" sz="1800" dirty="0"/>
-              <a:t> </a:t>
-            </a:r>
-            <a:r>
-              <a:rPr lang="de-DE" altLang="de-DE" sz="1800" dirty="0" smtClean="0"/>
-              <a:t>RULES </a:t>
-            </a:r>
-            <a:r>
-              <a:rPr lang="de-DE" altLang="de-DE" sz="1800" dirty="0" err="1" smtClean="0"/>
-              <a:t>and</a:t>
-            </a:r>
-            <a:r>
-              <a:rPr lang="de-DE" altLang="de-DE" sz="1800" dirty="0" smtClean="0"/>
-              <a:t> XINFO</a:t>
-            </a:r>
+            <a:pPr marL="0" lvl="1" indent="0" algn="ctr">
+              <a:buNone/>
+            </a:pPr>
+            <a:r>
+              <a:rPr lang="de-DE" altLang="de-DE" sz="4800" b="1" dirty="0"/>
+              <a:t>The </a:t>
+            </a:r>
+            <a:r>
+              <a:rPr lang="de-DE" altLang="de-DE" sz="4800" b="1" dirty="0" err="1"/>
+              <a:t>only</a:t>
+            </a:r>
+            <a:r>
+              <a:rPr lang="de-DE" altLang="de-DE" sz="4800" b="1" dirty="0"/>
+              <a:t> </a:t>
+            </a:r>
+            <a:r>
+              <a:rPr lang="de-DE" altLang="de-DE" sz="4800" b="1" dirty="0" err="1"/>
+              <a:t>reliable</a:t>
+            </a:r>
+            <a:r>
+              <a:rPr lang="de-DE" altLang="de-DE" sz="4800" b="1" dirty="0"/>
+              <a:t> PL/I </a:t>
+            </a:r>
+            <a:r>
+              <a:rPr lang="de-DE" altLang="de-DE" sz="4800" b="1" dirty="0" err="1"/>
+              <a:t>scanner</a:t>
+            </a:r>
+            <a:r>
+              <a:rPr lang="de-DE" altLang="de-DE" sz="4800" b="1" dirty="0"/>
+              <a:t> </a:t>
+            </a:r>
+            <a:r>
+              <a:rPr lang="de-DE" altLang="de-DE" sz="4800" b="1" dirty="0" err="1"/>
+              <a:t>is</a:t>
+            </a:r>
+            <a:r>
+              <a:rPr lang="de-DE" altLang="de-DE" sz="4800" b="1" dirty="0"/>
+              <a:t> </a:t>
+            </a:r>
+            <a:r>
+              <a:rPr lang="de-DE" altLang="de-DE" sz="4800" b="1" dirty="0" err="1"/>
+              <a:t>IBM‘s</a:t>
+            </a:r>
+            <a:r>
+              <a:rPr lang="de-DE" altLang="de-DE" sz="4800" b="1" dirty="0"/>
+              <a:t> Enterprise PL/I </a:t>
+            </a:r>
+            <a:r>
+              <a:rPr lang="de-DE" altLang="de-DE" sz="4800" b="1" dirty="0" err="1"/>
+              <a:t>compiler</a:t>
+            </a:r>
+            <a:endParaRPr lang="de-DE" altLang="de-DE" sz="4800" b="1" dirty="0"/>
           </a:p>
         </p:txBody>
       </p:sp>
     </p:spTree>
     <p:extLst>
       <p:ext uri="{BB962C8B-B14F-4D97-AF65-F5344CB8AC3E}">
-        <p14:creationId xmlns:p14="http://schemas.microsoft.com/office/powerpoint/2010/main" val="2032387191"/>
+        <p14:creationId xmlns:p14="http://schemas.microsoft.com/office/powerpoint/2010/main" val="1872939366"/>
       </p:ext>
     </p:extLst>
   </p:cSld>
@@ -17756,9 +19137,88 @@
   <p:timing>
     <p:tnLst>
       <p:par>
-        <p:cTn id="1" dur="indefinite" restart="never" nodeType="tmRoot"/>
+        <p:cTn id="1" dur="indefinite" restart="never" nodeType="tmRoot">
+          <p:childTnLst>
+            <p:seq concurrent="1" nextAc="seek">
+              <p:cTn id="2" dur="indefinite" nodeType="mainSeq">
+                <p:childTnLst>
+                  <p:par>
+                    <p:cTn id="3" fill="hold">
+                      <p:stCondLst>
+                        <p:cond delay="indefinite"/>
+                      </p:stCondLst>
+                      <p:childTnLst>
+                        <p:par>
+                          <p:cTn id="4" fill="hold">
+                            <p:stCondLst>
+                              <p:cond delay="0"/>
+                            </p:stCondLst>
+                            <p:childTnLst>
+                              <p:par>
+                                <p:cTn id="5" presetID="16" presetClass="entr" presetSubtype="21" fill="hold" grpId="0" nodeType="clickEffect">
+                                  <p:stCondLst>
+                                    <p:cond delay="0"/>
+                                  </p:stCondLst>
+                                  <p:childTnLst>
+                                    <p:set>
+                                      <p:cBhvr>
+                                        <p:cTn id="6" dur="1" fill="hold">
+                                          <p:stCondLst>
+                                            <p:cond delay="0"/>
+                                          </p:stCondLst>
+                                        </p:cTn>
+                                        <p:tgtEl>
+                                          <p:spTgt spid="2"/>
+                                        </p:tgtEl>
+                                        <p:attrNameLst>
+                                          <p:attrName>style.visibility</p:attrName>
+                                        </p:attrNameLst>
+                                      </p:cBhvr>
+                                      <p:to>
+                                        <p:strVal val="visible"/>
+                                      </p:to>
+                                    </p:set>
+                                    <p:animEffect transition="in" filter="barn(inVertical)">
+                                      <p:cBhvr>
+                                        <p:cTn id="7" dur="500"/>
+                                        <p:tgtEl>
+                                          <p:spTgt spid="2"/>
+                                        </p:tgtEl>
+                                      </p:cBhvr>
+                                    </p:animEffect>
+                                  </p:childTnLst>
+                                </p:cTn>
+                              </p:par>
+                            </p:childTnLst>
+                          </p:cTn>
+                        </p:par>
+                      </p:childTnLst>
+                    </p:cTn>
+                  </p:par>
+                </p:childTnLst>
+              </p:cTn>
+              <p:prevCondLst>
+                <p:cond evt="onPrev" delay="0">
+                  <p:tgtEl>
+                    <p:sldTgt/>
+                  </p:tgtEl>
+                </p:cond>
+              </p:prevCondLst>
+              <p:nextCondLst>
+                <p:cond evt="onNext" delay="0">
+                  <p:tgtEl>
+                    <p:sldTgt/>
+                  </p:tgtEl>
+                </p:cond>
+              </p:nextCondLst>
+            </p:seq>
+          </p:childTnLst>
+        </p:cTn>
       </p:par>
     </p:tnLst>
+    <p:bldLst>
+      <p:bldP spid="2" grpId="0"/>
+    </p:bldLst>
   </p:timing>
 </p:sld>
 </file>
